--- a/data stream mining projct/Presentation.pptx
+++ b/data stream mining projct/Presentation.pptx
@@ -5,10 +5,10 @@
     <p:sldMasterId id="2147483672" r:id="rId4"/>
   </p:sldMasterIdLst>
   <p:notesMasterIdLst>
-    <p:notesMasterId r:id="rId15"/>
+    <p:notesMasterId r:id="rId26"/>
   </p:notesMasterIdLst>
   <p:handoutMasterIdLst>
-    <p:handoutMasterId r:id="rId16"/>
+    <p:handoutMasterId r:id="rId27"/>
   </p:handoutMasterIdLst>
   <p:sldIdLst>
     <p:sldId id="256" r:id="rId5"/>
@@ -20,7 +20,18 @@
     <p:sldId id="267" r:id="rId11"/>
     <p:sldId id="268" r:id="rId12"/>
     <p:sldId id="269" r:id="rId13"/>
-    <p:sldId id="260" r:id="rId14"/>
+    <p:sldId id="270" r:id="rId14"/>
+    <p:sldId id="271" r:id="rId15"/>
+    <p:sldId id="272" r:id="rId16"/>
+    <p:sldId id="274" r:id="rId17"/>
+    <p:sldId id="273" r:id="rId18"/>
+    <p:sldId id="275" r:id="rId19"/>
+    <p:sldId id="276" r:id="rId20"/>
+    <p:sldId id="277" r:id="rId21"/>
+    <p:sldId id="279" r:id="rId22"/>
+    <p:sldId id="278" r:id="rId23"/>
+    <p:sldId id="280" r:id="rId24"/>
+    <p:sldId id="260" r:id="rId25"/>
   </p:sldIdLst>
   <p:sldSz cx="12192000" cy="6858000"/>
   <p:notesSz cx="6858000" cy="9144000"/>
@@ -133,7 +144,7 @@
 <file path=ppt/revisionInfo.xml><?xml version="1.0" encoding="utf-8"?>
 <p1510:revInfo xmlns:a="http://schemas.openxmlformats.org/drawingml/2006/main" xmlns:r="http://schemas.openxmlformats.org/officeDocument/2006/relationships" xmlns:p1510="http://schemas.microsoft.com/office/powerpoint/2015/10/main">
   <p1510:revLst>
-    <p1510:client id="{F0CD72C8-6ED0-6463-02B1-AD4BF803DB1B}" v="681" dt="2019-12-02T22:53:43.290"/>
+    <p1510:client id="{F0CD72C8-6ED0-6463-02B1-AD4BF803DB1B}" v="1447" dt="2019-12-03T02:47:36.791"/>
   </p1510:revLst>
 </p1510:revInfo>
 </file>
@@ -825,7 +836,7 @@
           <a:p>
             <a:fld id="{C6B3AB32-59DF-41F1-9618-EDFBF5049629}" type="slidenum">
               <a:rPr lang="en-US" smtClean="0"/>
-              <a:t>11</a:t>
+              <a:t>19</a:t>
             </a:fld>
             <a:endParaRPr lang="en-US" dirty="0"/>
           </a:p>
@@ -5087,6 +5098,5006 @@
           <a:chExt cx="0" cy="0"/>
         </a:xfrm>
       </p:grpSpPr>
+      <p:sp>
+        <p:nvSpPr>
+          <p:cNvPr id="36" name="Rectangle 28">
+            <a:extLst>
+              <a:ext uri="{FF2B5EF4-FFF2-40B4-BE49-F238E27FC236}">
+                <a16:creationId xmlns:a16="http://schemas.microsoft.com/office/drawing/2014/main" id="{A078A52F-85EA-4C0B-962B-D9D9DD4DD78C}"/>
+              </a:ext>
+              <a:ext uri="{C183D7F6-B498-43B3-948B-1728B52AA6E4}">
+                <adec:decorative xmlns:adec="http://schemas.microsoft.com/office/drawing/2017/decorative" val="1"/>
+              </a:ext>
+            </a:extLst>
+          </p:cNvPr>
+          <p:cNvSpPr>
+            <a:spLocks noGrp="1" noRot="1" noChangeAspect="1" noMove="1" noResize="1" noEditPoints="1" noAdjustHandles="1" noChangeArrowheads="1" noChangeShapeType="1" noTextEdit="1"/>
+          </p:cNvSpPr>
+          <p:nvPr>
+            <p:extLst>
+              <p:ext uri="{386F3935-93C4-4BCD-93E2-E3B085C9AB24}">
+                <p16:designElem xmlns:p16="http://schemas.microsoft.com/office/powerpoint/2015/main" val="1"/>
+              </p:ext>
+            </p:extLst>
+          </p:nvPr>
+        </p:nvSpPr>
+        <p:spPr>
+          <a:xfrm>
+            <a:off x="446534" y="457200"/>
+            <a:ext cx="3703320" cy="94997"/>
+          </a:xfrm>
+          <a:prstGeom prst="rect">
+            <a:avLst/>
+          </a:prstGeom>
+          <a:solidFill>
+            <a:schemeClr val="accent1"/>
+          </a:solidFill>
+          <a:ln>
+            <a:noFill/>
+          </a:ln>
+          <a:effectLst/>
+        </p:spPr>
+        <p:style>
+          <a:lnRef idx="1">
+            <a:schemeClr val="accent1"/>
+          </a:lnRef>
+          <a:fillRef idx="3">
+            <a:schemeClr val="accent1"/>
+          </a:fillRef>
+          <a:effectRef idx="2">
+            <a:schemeClr val="accent1"/>
+          </a:effectRef>
+          <a:fontRef idx="minor">
+            <a:schemeClr val="lt1"/>
+          </a:fontRef>
+        </p:style>
+      </p:sp>
+      <p:sp>
+        <p:nvSpPr>
+          <p:cNvPr id="38" name="Rectangle 30">
+            <a:extLst>
+              <a:ext uri="{FF2B5EF4-FFF2-40B4-BE49-F238E27FC236}">
+                <a16:creationId xmlns:a16="http://schemas.microsoft.com/office/drawing/2014/main" id="{919797D5-5700-4683-B30A-5B4D56CB8270}"/>
+              </a:ext>
+              <a:ext uri="{C183D7F6-B498-43B3-948B-1728B52AA6E4}">
+                <adec:decorative xmlns:adec="http://schemas.microsoft.com/office/drawing/2017/decorative" val="1"/>
+              </a:ext>
+            </a:extLst>
+          </p:cNvPr>
+          <p:cNvSpPr>
+            <a:spLocks noGrp="1" noRot="1" noChangeAspect="1" noMove="1" noResize="1" noEditPoints="1" noAdjustHandles="1" noChangeArrowheads="1" noChangeShapeType="1" noTextEdit="1"/>
+          </p:cNvSpPr>
+          <p:nvPr>
+            <p:extLst>
+              <p:ext uri="{386F3935-93C4-4BCD-93E2-E3B085C9AB24}">
+                <p16:designElem xmlns:p16="http://schemas.microsoft.com/office/powerpoint/2015/main" val="1"/>
+              </p:ext>
+            </p:extLst>
+          </p:nvPr>
+        </p:nvSpPr>
+        <p:spPr>
+          <a:xfrm>
+            <a:off x="8042147" y="453643"/>
+            <a:ext cx="3703320" cy="98554"/>
+          </a:xfrm>
+          <a:prstGeom prst="rect">
+            <a:avLst/>
+          </a:prstGeom>
+          <a:solidFill>
+            <a:schemeClr val="accent4"/>
+          </a:solidFill>
+          <a:ln>
+            <a:noFill/>
+          </a:ln>
+          <a:effectLst/>
+        </p:spPr>
+        <p:style>
+          <a:lnRef idx="1">
+            <a:schemeClr val="accent1"/>
+          </a:lnRef>
+          <a:fillRef idx="3">
+            <a:schemeClr val="accent1"/>
+          </a:fillRef>
+          <a:effectRef idx="2">
+            <a:schemeClr val="accent1"/>
+          </a:effectRef>
+          <a:fontRef idx="minor">
+            <a:schemeClr val="lt1"/>
+          </a:fontRef>
+        </p:style>
+      </p:sp>
+      <p:sp>
+        <p:nvSpPr>
+          <p:cNvPr id="40" name="Rectangle 32">
+            <a:extLst>
+              <a:ext uri="{FF2B5EF4-FFF2-40B4-BE49-F238E27FC236}">
+                <a16:creationId xmlns:a16="http://schemas.microsoft.com/office/drawing/2014/main" id="{4856A7B9-9801-42EC-A4C9-7E22A56EF53D}"/>
+              </a:ext>
+              <a:ext uri="{C183D7F6-B498-43B3-948B-1728B52AA6E4}">
+                <adec:decorative xmlns:adec="http://schemas.microsoft.com/office/drawing/2017/decorative" val="1"/>
+              </a:ext>
+            </a:extLst>
+          </p:cNvPr>
+          <p:cNvSpPr>
+            <a:spLocks noGrp="1" noRot="1" noChangeAspect="1" noMove="1" noResize="1" noEditPoints="1" noAdjustHandles="1" noChangeArrowheads="1" noChangeShapeType="1" noTextEdit="1"/>
+          </p:cNvSpPr>
+          <p:nvPr>
+            <p:extLst>
+              <p:ext uri="{386F3935-93C4-4BCD-93E2-E3B085C9AB24}">
+                <p16:designElem xmlns:p16="http://schemas.microsoft.com/office/powerpoint/2015/main" val="1"/>
+              </p:ext>
+            </p:extLst>
+          </p:nvPr>
+        </p:nvSpPr>
+        <p:spPr>
+          <a:xfrm>
+            <a:off x="4241830" y="457200"/>
+            <a:ext cx="3703320" cy="91440"/>
+          </a:xfrm>
+          <a:prstGeom prst="rect">
+            <a:avLst/>
+          </a:prstGeom>
+          <a:solidFill>
+            <a:schemeClr val="accent2"/>
+          </a:solidFill>
+          <a:ln>
+            <a:noFill/>
+          </a:ln>
+          <a:effectLst/>
+        </p:spPr>
+        <p:style>
+          <a:lnRef idx="1">
+            <a:schemeClr val="accent1"/>
+          </a:lnRef>
+          <a:fillRef idx="3">
+            <a:schemeClr val="accent1"/>
+          </a:fillRef>
+          <a:effectRef idx="2">
+            <a:schemeClr val="accent1"/>
+          </a:effectRef>
+          <a:fontRef idx="minor">
+            <a:schemeClr val="lt1"/>
+          </a:fontRef>
+        </p:style>
+      </p:sp>
+      <p:sp>
+        <p:nvSpPr>
+          <p:cNvPr id="42" name="Rectangle 34">
+            <a:extLst>
+              <a:ext uri="{FF2B5EF4-FFF2-40B4-BE49-F238E27FC236}">
+                <a16:creationId xmlns:a16="http://schemas.microsoft.com/office/drawing/2014/main" id="{8AD54DB8-C150-4290-85D6-F5B0262BFEEF}"/>
+              </a:ext>
+              <a:ext uri="{C183D7F6-B498-43B3-948B-1728B52AA6E4}">
+                <adec:decorative xmlns:adec="http://schemas.microsoft.com/office/drawing/2017/decorative" val="1"/>
+              </a:ext>
+            </a:extLst>
+          </p:cNvPr>
+          <p:cNvSpPr>
+            <a:spLocks noGrp="1" noRot="1" noChangeAspect="1" noMove="1" noResize="1" noEditPoints="1" noAdjustHandles="1" noChangeArrowheads="1" noChangeShapeType="1" noTextEdit="1"/>
+          </p:cNvSpPr>
+          <p:nvPr>
+            <p:extLst>
+              <p:ext uri="{386F3935-93C4-4BCD-93E2-E3B085C9AB24}">
+                <p16:designElem xmlns:p16="http://schemas.microsoft.com/office/powerpoint/2015/main" val="1"/>
+              </p:ext>
+            </p:extLst>
+          </p:nvPr>
+        </p:nvSpPr>
+        <p:spPr>
+          <a:xfrm>
+            <a:off x="446534" y="3085765"/>
+            <a:ext cx="11262866" cy="3304800"/>
+          </a:xfrm>
+          <a:prstGeom prst="rect">
+            <a:avLst/>
+          </a:prstGeom>
+          <a:solidFill>
+            <a:schemeClr val="accent1"/>
+          </a:solidFill>
+          <a:ln>
+            <a:noFill/>
+          </a:ln>
+          <a:effectLst/>
+        </p:spPr>
+        <p:style>
+          <a:lnRef idx="1">
+            <a:schemeClr val="accent1"/>
+          </a:lnRef>
+          <a:fillRef idx="3">
+            <a:schemeClr val="accent1"/>
+          </a:fillRef>
+          <a:effectRef idx="2">
+            <a:schemeClr val="accent1"/>
+          </a:effectRef>
+          <a:fontRef idx="minor">
+            <a:schemeClr val="lt1"/>
+          </a:fontRef>
+        </p:style>
+      </p:sp>
+      <p:sp useBgFill="1">
+        <p:nvSpPr>
+          <p:cNvPr id="47" name="Rectangle 36">
+            <a:extLst>
+              <a:ext uri="{FF2B5EF4-FFF2-40B4-BE49-F238E27FC236}">
+                <a16:creationId xmlns:a16="http://schemas.microsoft.com/office/drawing/2014/main" id="{202E9D7B-AC8A-4860-BD41-E04FC6559EDF}"/>
+              </a:ext>
+              <a:ext uri="{C183D7F6-B498-43B3-948B-1728B52AA6E4}">
+                <adec:decorative xmlns:adec="http://schemas.microsoft.com/office/drawing/2017/decorative" val="1"/>
+              </a:ext>
+            </a:extLst>
+          </p:cNvPr>
+          <p:cNvSpPr>
+            <a:spLocks noGrp="1" noRot="1" noChangeAspect="1" noMove="1" noResize="1" noEditPoints="1" noAdjustHandles="1" noChangeArrowheads="1" noChangeShapeType="1" noTextEdit="1"/>
+          </p:cNvSpPr>
+          <p:nvPr>
+            <p:extLst>
+              <p:ext uri="{386F3935-93C4-4BCD-93E2-E3B085C9AB24}">
+                <p16:designElem xmlns:p16="http://schemas.microsoft.com/office/powerpoint/2015/main" val="1"/>
+              </p:ext>
+            </p:extLst>
+          </p:nvPr>
+        </p:nvSpPr>
+        <p:spPr>
+          <a:xfrm>
+            <a:off x="0" y="0"/>
+            <a:ext cx="12192000" cy="6858000"/>
+          </a:xfrm>
+          <a:prstGeom prst="rect">
+            <a:avLst/>
+          </a:prstGeom>
+          <a:ln>
+            <a:noFill/>
+          </a:ln>
+        </p:spPr>
+        <p:style>
+          <a:lnRef idx="2">
+            <a:schemeClr val="accent1">
+              <a:shade val="50000"/>
+            </a:schemeClr>
+          </a:lnRef>
+          <a:fillRef idx="1">
+            <a:schemeClr val="accent1"/>
+          </a:fillRef>
+          <a:effectRef idx="0">
+            <a:schemeClr val="accent1"/>
+          </a:effectRef>
+          <a:fontRef idx="minor">
+            <a:schemeClr val="lt1"/>
+          </a:fontRef>
+        </p:style>
+        <p:txBody>
+          <a:bodyPr rtlCol="0" anchor="ctr"/>
+          <a:lstStyle/>
+          <a:p>
+            <a:pPr algn="ctr"/>
+            <a:endParaRPr lang="en-US"/>
+          </a:p>
+        </p:txBody>
+      </p:sp>
+      <p:sp useBgFill="1">
+        <p:nvSpPr>
+          <p:cNvPr id="48" name="Rectangle 38">
+            <a:extLst>
+              <a:ext uri="{FF2B5EF4-FFF2-40B4-BE49-F238E27FC236}">
+                <a16:creationId xmlns:a16="http://schemas.microsoft.com/office/drawing/2014/main" id="{697B8C9C-91DF-4F8D-94A0-2C0C66030128}"/>
+              </a:ext>
+              <a:ext uri="{C183D7F6-B498-43B3-948B-1728B52AA6E4}">
+                <adec:decorative xmlns:adec="http://schemas.microsoft.com/office/drawing/2017/decorative" val="1"/>
+              </a:ext>
+            </a:extLst>
+          </p:cNvPr>
+          <p:cNvSpPr>
+            <a:spLocks noGrp="1" noRot="1" noChangeAspect="1" noMove="1" noResize="1" noEditPoints="1" noAdjustHandles="1" noChangeArrowheads="1" noChangeShapeType="1" noTextEdit="1"/>
+          </p:cNvSpPr>
+          <p:nvPr>
+            <p:extLst>
+              <p:ext uri="{386F3935-93C4-4BCD-93E2-E3B085C9AB24}">
+                <p16:designElem xmlns:p16="http://schemas.microsoft.com/office/powerpoint/2015/main" val="1"/>
+              </p:ext>
+            </p:extLst>
+          </p:nvPr>
+        </p:nvSpPr>
+        <p:spPr>
+          <a:xfrm>
+            <a:off x="0" y="638175"/>
+            <a:ext cx="12191999" cy="6219825"/>
+          </a:xfrm>
+          <a:prstGeom prst="rect">
+            <a:avLst/>
+          </a:prstGeom>
+          <a:ln>
+            <a:noFill/>
+          </a:ln>
+        </p:spPr>
+        <p:style>
+          <a:lnRef idx="2">
+            <a:schemeClr val="accent1">
+              <a:shade val="50000"/>
+            </a:schemeClr>
+          </a:lnRef>
+          <a:fillRef idx="1">
+            <a:schemeClr val="accent1"/>
+          </a:fillRef>
+          <a:effectRef idx="0">
+            <a:schemeClr val="accent1"/>
+          </a:effectRef>
+          <a:fontRef idx="minor">
+            <a:schemeClr val="lt1"/>
+          </a:fontRef>
+        </p:style>
+        <p:txBody>
+          <a:bodyPr rtlCol="0" anchor="ctr"/>
+          <a:lstStyle/>
+          <a:p>
+            <a:pPr algn="ctr"/>
+            <a:endParaRPr lang="en-US"/>
+          </a:p>
+        </p:txBody>
+      </p:sp>
+      <p:pic>
+        <p:nvPicPr>
+          <p:cNvPr id="4" name="Picture 4" descr="A screenshot of text&#10;&#10;Description generated with very high confidence">
+            <a:extLst>
+              <a:ext uri="{FF2B5EF4-FFF2-40B4-BE49-F238E27FC236}">
+                <a16:creationId xmlns:a16="http://schemas.microsoft.com/office/drawing/2014/main" id="{2422481B-19DF-4E79-BFA1-810E86A02D43}"/>
+              </a:ext>
+            </a:extLst>
+          </p:cNvPr>
+          <p:cNvPicPr>
+            <a:picLocks noGrp="1" noChangeAspect="1"/>
+          </p:cNvPicPr>
+          <p:nvPr>
+            <p:ph idx="1"/>
+          </p:nvPr>
+        </p:nvPicPr>
+        <p:blipFill rotWithShape="1">
+          <a:blip r:embed="rId2"/>
+          <a:srcRect l="3204" r="3205" b="-1"/>
+          <a:stretch/>
+        </p:blipFill>
+        <p:spPr>
+          <a:xfrm>
+            <a:off x="446533" y="723899"/>
+            <a:ext cx="6202841" cy="5666666"/>
+          </a:xfrm>
+          <a:prstGeom prst="rect">
+            <a:avLst/>
+          </a:prstGeom>
+        </p:spPr>
+      </p:pic>
+      <p:sp>
+        <p:nvSpPr>
+          <p:cNvPr id="49" name="Rectangle 40">
+            <a:extLst>
+              <a:ext uri="{FF2B5EF4-FFF2-40B4-BE49-F238E27FC236}">
+                <a16:creationId xmlns:a16="http://schemas.microsoft.com/office/drawing/2014/main" id="{54D43BDD-ED29-4BE9-AEA1-6D0AE5A061D1}"/>
+              </a:ext>
+              <a:ext uri="{C183D7F6-B498-43B3-948B-1728B52AA6E4}">
+                <adec:decorative xmlns:adec="http://schemas.microsoft.com/office/drawing/2017/decorative" val="1"/>
+              </a:ext>
+            </a:extLst>
+          </p:cNvPr>
+          <p:cNvSpPr>
+            <a:spLocks noGrp="1" noRot="1" noChangeAspect="1" noMove="1" noResize="1" noEditPoints="1" noAdjustHandles="1" noChangeArrowheads="1" noChangeShapeType="1" noTextEdit="1"/>
+          </p:cNvSpPr>
+          <p:nvPr>
+            <p:extLst>
+              <p:ext uri="{386F3935-93C4-4BCD-93E2-E3B085C9AB24}">
+                <p16:designElem xmlns:p16="http://schemas.microsoft.com/office/powerpoint/2015/main" val="1"/>
+              </p:ext>
+            </p:extLst>
+          </p:nvPr>
+        </p:nvSpPr>
+        <p:spPr>
+          <a:xfrm>
+            <a:off x="6736079" y="723899"/>
+            <a:ext cx="5009388" cy="5666666"/>
+          </a:xfrm>
+          <a:prstGeom prst="rect">
+            <a:avLst/>
+          </a:prstGeom>
+          <a:solidFill>
+            <a:schemeClr val="accent1"/>
+          </a:solidFill>
+          <a:ln>
+            <a:noFill/>
+          </a:ln>
+          <a:effectLst/>
+        </p:spPr>
+        <p:style>
+          <a:lnRef idx="1">
+            <a:schemeClr val="accent1"/>
+          </a:lnRef>
+          <a:fillRef idx="3">
+            <a:schemeClr val="accent1"/>
+          </a:fillRef>
+          <a:effectRef idx="2">
+            <a:schemeClr val="accent1"/>
+          </a:effectRef>
+          <a:fontRef idx="minor">
+            <a:schemeClr val="lt1"/>
+          </a:fontRef>
+        </p:style>
+      </p:sp>
+      <p:sp>
+        <p:nvSpPr>
+          <p:cNvPr id="2" name="Title 1">
+            <a:extLst>
+              <a:ext uri="{FF2B5EF4-FFF2-40B4-BE49-F238E27FC236}">
+                <a16:creationId xmlns:a16="http://schemas.microsoft.com/office/drawing/2014/main" id="{0E8E7C10-40CA-4587-89AB-E9364C1B99D2}"/>
+              </a:ext>
+            </a:extLst>
+          </p:cNvPr>
+          <p:cNvSpPr>
+            <a:spLocks noGrp="1"/>
+          </p:cNvSpPr>
+          <p:nvPr>
+            <p:ph type="title"/>
+          </p:nvPr>
+        </p:nvSpPr>
+        <p:spPr>
+          <a:xfrm>
+            <a:off x="7261934" y="1419225"/>
+            <a:ext cx="4115917" cy="2085869"/>
+          </a:xfrm>
+        </p:spPr>
+        <p:txBody>
+          <a:bodyPr vert="horz" lIns="91440" tIns="45720" rIns="91440" bIns="45720" rtlCol="0" anchor="b">
+            <a:normAutofit/>
+          </a:bodyPr>
+          <a:lstStyle/>
+          <a:p>
+            <a:r>
+              <a:rPr lang="en-US" sz="3600">
+                <a:solidFill>
+                  <a:srgbClr val="FFFFFF"/>
+                </a:solidFill>
+              </a:rPr>
+              <a:t>REINFORCEMENT WEIGHT ADJUSTMENT</a:t>
+            </a:r>
+          </a:p>
+        </p:txBody>
+      </p:sp>
+      <p:grpSp>
+        <p:nvGrpSpPr>
+          <p:cNvPr id="50" name="Group 42">
+            <a:extLst>
+              <a:ext uri="{FF2B5EF4-FFF2-40B4-BE49-F238E27FC236}">
+                <a16:creationId xmlns:a16="http://schemas.microsoft.com/office/drawing/2014/main" id="{D87A5CD2-E3CD-4870-957C-173AD2C8735C}"/>
+              </a:ext>
+              <a:ext uri="{C183D7F6-B498-43B3-948B-1728B52AA6E4}">
+                <adec:decorative xmlns:adec="http://schemas.microsoft.com/office/drawing/2017/decorative" val="1"/>
+              </a:ext>
+            </a:extLst>
+          </p:cNvPr>
+          <p:cNvGrpSpPr>
+            <a:grpSpLocks noGrp="1" noUngrp="1" noRot="1" noChangeAspect="1" noMove="1" noResize="1"/>
+          </p:cNvGrpSpPr>
+          <p:nvPr>
+            <p:extLst>
+              <p:ext uri="{386F3935-93C4-4BCD-93E2-E3B085C9AB24}">
+                <p16:designElem xmlns:p16="http://schemas.microsoft.com/office/powerpoint/2015/main" val="1"/>
+              </p:ext>
+            </p:extLst>
+          </p:nvPr>
+        </p:nvGrpSpPr>
+        <p:grpSpPr>
+          <a:xfrm>
+            <a:off x="446534" y="453643"/>
+            <a:ext cx="11298933" cy="98554"/>
+            <a:chOff x="446534" y="453643"/>
+            <a:chExt cx="11298933" cy="98554"/>
+          </a:xfrm>
+        </p:grpSpPr>
+        <p:sp>
+          <p:nvSpPr>
+            <p:cNvPr id="44" name="Rectangle 43">
+              <a:extLst>
+                <a:ext uri="{FF2B5EF4-FFF2-40B4-BE49-F238E27FC236}">
+                  <a16:creationId xmlns:a16="http://schemas.microsoft.com/office/drawing/2014/main" id="{00BF2A26-F7CA-4E8B-BC24-1AF436CD5E64}"/>
+                </a:ext>
+                <a:ext uri="{C183D7F6-B498-43B3-948B-1728B52AA6E4}">
+                  <adec:decorative xmlns:adec="http://schemas.microsoft.com/office/drawing/2017/decorative" val="1"/>
+                </a:ext>
+              </a:extLst>
+            </p:cNvPr>
+            <p:cNvSpPr/>
+            <p:nvPr>
+              <p:extLst>
+                <p:ext uri="{386F3935-93C4-4BCD-93E2-E3B085C9AB24}">
+                  <p16:designElem xmlns:p16="http://schemas.microsoft.com/office/powerpoint/2015/main" val="1"/>
+                </p:ext>
+              </p:extLst>
+            </p:nvPr>
+          </p:nvSpPr>
+          <p:spPr>
+            <a:xfrm>
+              <a:off x="446534" y="457200"/>
+              <a:ext cx="3703320" cy="94997"/>
+            </a:xfrm>
+            <a:prstGeom prst="rect">
+              <a:avLst/>
+            </a:prstGeom>
+            <a:solidFill>
+              <a:schemeClr val="accent1"/>
+            </a:solidFill>
+            <a:ln>
+              <a:noFill/>
+            </a:ln>
+            <a:effectLst/>
+          </p:spPr>
+          <p:style>
+            <a:lnRef idx="1">
+              <a:schemeClr val="accent1"/>
+            </a:lnRef>
+            <a:fillRef idx="3">
+              <a:schemeClr val="accent1"/>
+            </a:fillRef>
+            <a:effectRef idx="2">
+              <a:schemeClr val="accent1"/>
+            </a:effectRef>
+            <a:fontRef idx="minor">
+              <a:schemeClr val="lt1"/>
+            </a:fontRef>
+          </p:style>
+        </p:sp>
+        <p:sp>
+          <p:nvSpPr>
+            <p:cNvPr id="45" name="Rectangle 44">
+              <a:extLst>
+                <a:ext uri="{FF2B5EF4-FFF2-40B4-BE49-F238E27FC236}">
+                  <a16:creationId xmlns:a16="http://schemas.microsoft.com/office/drawing/2014/main" id="{5B21A4B9-14CF-4CA1-9ECF-0DE52B2910EF}"/>
+                </a:ext>
+                <a:ext uri="{C183D7F6-B498-43B3-948B-1728B52AA6E4}">
+                  <adec:decorative xmlns:adec="http://schemas.microsoft.com/office/drawing/2017/decorative" val="1"/>
+                </a:ext>
+              </a:extLst>
+            </p:cNvPr>
+            <p:cNvSpPr/>
+            <p:nvPr>
+              <p:extLst>
+                <p:ext uri="{386F3935-93C4-4BCD-93E2-E3B085C9AB24}">
+                  <p16:designElem xmlns:p16="http://schemas.microsoft.com/office/powerpoint/2015/main" val="1"/>
+                </p:ext>
+              </p:extLst>
+            </p:nvPr>
+          </p:nvSpPr>
+          <p:spPr>
+            <a:xfrm>
+              <a:off x="8042147" y="453643"/>
+              <a:ext cx="3703320" cy="98554"/>
+            </a:xfrm>
+            <a:prstGeom prst="rect">
+              <a:avLst/>
+            </a:prstGeom>
+            <a:solidFill>
+              <a:schemeClr val="accent4"/>
+            </a:solidFill>
+            <a:ln>
+              <a:noFill/>
+            </a:ln>
+            <a:effectLst/>
+          </p:spPr>
+          <p:style>
+            <a:lnRef idx="1">
+              <a:schemeClr val="accent1"/>
+            </a:lnRef>
+            <a:fillRef idx="3">
+              <a:schemeClr val="accent1"/>
+            </a:fillRef>
+            <a:effectRef idx="2">
+              <a:schemeClr val="accent1"/>
+            </a:effectRef>
+            <a:fontRef idx="minor">
+              <a:schemeClr val="lt1"/>
+            </a:fontRef>
+          </p:style>
+        </p:sp>
+        <p:sp>
+          <p:nvSpPr>
+            <p:cNvPr id="46" name="Rectangle 45">
+              <a:extLst>
+                <a:ext uri="{FF2B5EF4-FFF2-40B4-BE49-F238E27FC236}">
+                  <a16:creationId xmlns:a16="http://schemas.microsoft.com/office/drawing/2014/main" id="{C6DADA72-F9FE-48F9-9DAD-B379AE2BC6E9}"/>
+                </a:ext>
+                <a:ext uri="{C183D7F6-B498-43B3-948B-1728B52AA6E4}">
+                  <adec:decorative xmlns:adec="http://schemas.microsoft.com/office/drawing/2017/decorative" val="1"/>
+                </a:ext>
+              </a:extLst>
+            </p:cNvPr>
+            <p:cNvSpPr/>
+            <p:nvPr>
+              <p:extLst>
+                <p:ext uri="{386F3935-93C4-4BCD-93E2-E3B085C9AB24}">
+                  <p16:designElem xmlns:p16="http://schemas.microsoft.com/office/powerpoint/2015/main" val="1"/>
+                </p:ext>
+              </p:extLst>
+            </p:nvPr>
+          </p:nvSpPr>
+          <p:spPr>
+            <a:xfrm>
+              <a:off x="4241830" y="457200"/>
+              <a:ext cx="3703320" cy="91440"/>
+            </a:xfrm>
+            <a:prstGeom prst="rect">
+              <a:avLst/>
+            </a:prstGeom>
+            <a:solidFill>
+              <a:schemeClr val="accent2"/>
+            </a:solidFill>
+            <a:ln>
+              <a:noFill/>
+            </a:ln>
+            <a:effectLst/>
+          </p:spPr>
+          <p:style>
+            <a:lnRef idx="1">
+              <a:schemeClr val="accent1"/>
+            </a:lnRef>
+            <a:fillRef idx="3">
+              <a:schemeClr val="accent1"/>
+            </a:fillRef>
+            <a:effectRef idx="2">
+              <a:schemeClr val="accent1"/>
+            </a:effectRef>
+            <a:fontRef idx="minor">
+              <a:schemeClr val="lt1"/>
+            </a:fontRef>
+          </p:style>
+        </p:sp>
+      </p:grpSp>
+    </p:spTree>
+    <p:extLst>
+      <p:ext uri="{BB962C8B-B14F-4D97-AF65-F5344CB8AC3E}">
+        <p14:creationId xmlns:p14="http://schemas.microsoft.com/office/powerpoint/2010/main" val="3547509239"/>
+      </p:ext>
+    </p:extLst>
+  </p:cSld>
+  <p:clrMapOvr>
+    <a:masterClrMapping/>
+  </p:clrMapOvr>
+</p:sld>
+</file>
+
+<file path=ppt/slides/slide11.xml><?xml version="1.0" encoding="utf-8"?>
+<p:sld xmlns:a="http://schemas.openxmlformats.org/drawingml/2006/main" xmlns:r="http://schemas.openxmlformats.org/officeDocument/2006/relationships" xmlns:p="http://schemas.openxmlformats.org/presentationml/2006/main">
+  <p:cSld>
+    <p:bg>
+      <p:bgPr>
+        <a:solidFill>
+          <a:schemeClr val="bg1"/>
+        </a:solidFill>
+        <a:effectLst/>
+      </p:bgPr>
+    </p:bg>
+    <p:spTree>
+      <p:nvGrpSpPr>
+        <p:cNvPr id="1" name=""/>
+        <p:cNvGrpSpPr/>
+        <p:nvPr/>
+      </p:nvGrpSpPr>
+      <p:grpSpPr>
+        <a:xfrm>
+          <a:off x="0" y="0"/>
+          <a:ext cx="0" cy="0"/>
+          <a:chOff x="0" y="0"/>
+          <a:chExt cx="0" cy="0"/>
+        </a:xfrm>
+      </p:grpSpPr>
+      <p:sp>
+        <p:nvSpPr>
+          <p:cNvPr id="25" name="Rectangle 8">
+            <a:extLst>
+              <a:ext uri="{FF2B5EF4-FFF2-40B4-BE49-F238E27FC236}">
+                <a16:creationId xmlns:a16="http://schemas.microsoft.com/office/drawing/2014/main" id="{48E96387-12F1-45E4-9322-ABBF2EE040E9}"/>
+              </a:ext>
+              <a:ext uri="{C183D7F6-B498-43B3-948B-1728B52AA6E4}">
+                <adec:decorative xmlns:adec="http://schemas.microsoft.com/office/drawing/2017/decorative" val="1"/>
+              </a:ext>
+            </a:extLst>
+          </p:cNvPr>
+          <p:cNvSpPr>
+            <a:spLocks noGrp="1" noRot="1" noChangeAspect="1" noMove="1" noResize="1" noEditPoints="1" noAdjustHandles="1" noChangeArrowheads="1" noChangeShapeType="1" noTextEdit="1"/>
+          </p:cNvSpPr>
+          <p:nvPr>
+            <p:extLst>
+              <p:ext uri="{386F3935-93C4-4BCD-93E2-E3B085C9AB24}">
+                <p16:designElem xmlns:p16="http://schemas.microsoft.com/office/powerpoint/2015/main" val="1"/>
+              </p:ext>
+            </p:extLst>
+          </p:nvPr>
+        </p:nvSpPr>
+        <p:spPr>
+          <a:xfrm>
+            <a:off x="446534" y="457200"/>
+            <a:ext cx="3703320" cy="94997"/>
+          </a:xfrm>
+          <a:prstGeom prst="rect">
+            <a:avLst/>
+          </a:prstGeom>
+          <a:solidFill>
+            <a:schemeClr val="accent1"/>
+          </a:solidFill>
+          <a:ln>
+            <a:noFill/>
+          </a:ln>
+          <a:effectLst/>
+        </p:spPr>
+        <p:style>
+          <a:lnRef idx="1">
+            <a:schemeClr val="accent1"/>
+          </a:lnRef>
+          <a:fillRef idx="3">
+            <a:schemeClr val="accent1"/>
+          </a:fillRef>
+          <a:effectRef idx="2">
+            <a:schemeClr val="accent1"/>
+          </a:effectRef>
+          <a:fontRef idx="minor">
+            <a:schemeClr val="lt1"/>
+          </a:fontRef>
+        </p:style>
+      </p:sp>
+      <p:sp>
+        <p:nvSpPr>
+          <p:cNvPr id="26" name="Rectangle 10">
+            <a:extLst>
+              <a:ext uri="{FF2B5EF4-FFF2-40B4-BE49-F238E27FC236}">
+                <a16:creationId xmlns:a16="http://schemas.microsoft.com/office/drawing/2014/main" id="{A9F421DD-DE4E-4547-A904-3F80E25E3F35}"/>
+              </a:ext>
+              <a:ext uri="{C183D7F6-B498-43B3-948B-1728B52AA6E4}">
+                <adec:decorative xmlns:adec="http://schemas.microsoft.com/office/drawing/2017/decorative" val="1"/>
+              </a:ext>
+            </a:extLst>
+          </p:cNvPr>
+          <p:cNvSpPr>
+            <a:spLocks noGrp="1" noRot="1" noChangeAspect="1" noMove="1" noResize="1" noEditPoints="1" noAdjustHandles="1" noChangeArrowheads="1" noChangeShapeType="1" noTextEdit="1"/>
+          </p:cNvSpPr>
+          <p:nvPr>
+            <p:extLst>
+              <p:ext uri="{386F3935-93C4-4BCD-93E2-E3B085C9AB24}">
+                <p16:designElem xmlns:p16="http://schemas.microsoft.com/office/powerpoint/2015/main" val="1"/>
+              </p:ext>
+            </p:extLst>
+          </p:nvPr>
+        </p:nvSpPr>
+        <p:spPr>
+          <a:xfrm>
+            <a:off x="8042147" y="453643"/>
+            <a:ext cx="3703320" cy="98554"/>
+          </a:xfrm>
+          <a:prstGeom prst="rect">
+            <a:avLst/>
+          </a:prstGeom>
+          <a:solidFill>
+            <a:schemeClr val="accent4"/>
+          </a:solidFill>
+          <a:ln>
+            <a:noFill/>
+          </a:ln>
+          <a:effectLst/>
+        </p:spPr>
+        <p:style>
+          <a:lnRef idx="1">
+            <a:schemeClr val="accent1"/>
+          </a:lnRef>
+          <a:fillRef idx="3">
+            <a:schemeClr val="accent1"/>
+          </a:fillRef>
+          <a:effectRef idx="2">
+            <a:schemeClr val="accent1"/>
+          </a:effectRef>
+          <a:fontRef idx="minor">
+            <a:schemeClr val="lt1"/>
+          </a:fontRef>
+        </p:style>
+      </p:sp>
+      <p:sp>
+        <p:nvSpPr>
+          <p:cNvPr id="27" name="Rectangle 12">
+            <a:extLst>
+              <a:ext uri="{FF2B5EF4-FFF2-40B4-BE49-F238E27FC236}">
+                <a16:creationId xmlns:a16="http://schemas.microsoft.com/office/drawing/2014/main" id="{09985DEC-1215-4209-9708-B45CC977402E}"/>
+              </a:ext>
+              <a:ext uri="{C183D7F6-B498-43B3-948B-1728B52AA6E4}">
+                <adec:decorative xmlns:adec="http://schemas.microsoft.com/office/drawing/2017/decorative" val="1"/>
+              </a:ext>
+            </a:extLst>
+          </p:cNvPr>
+          <p:cNvSpPr>
+            <a:spLocks noGrp="1" noRot="1" noChangeAspect="1" noMove="1" noResize="1" noEditPoints="1" noAdjustHandles="1" noChangeArrowheads="1" noChangeShapeType="1" noTextEdit="1"/>
+          </p:cNvSpPr>
+          <p:nvPr>
+            <p:extLst>
+              <p:ext uri="{386F3935-93C4-4BCD-93E2-E3B085C9AB24}">
+                <p16:designElem xmlns:p16="http://schemas.microsoft.com/office/powerpoint/2015/main" val="1"/>
+              </p:ext>
+            </p:extLst>
+          </p:nvPr>
+        </p:nvSpPr>
+        <p:spPr>
+          <a:xfrm>
+            <a:off x="4241830" y="457200"/>
+            <a:ext cx="3703320" cy="91440"/>
+          </a:xfrm>
+          <a:prstGeom prst="rect">
+            <a:avLst/>
+          </a:prstGeom>
+          <a:solidFill>
+            <a:schemeClr val="accent2"/>
+          </a:solidFill>
+          <a:ln>
+            <a:noFill/>
+          </a:ln>
+          <a:effectLst/>
+        </p:spPr>
+        <p:style>
+          <a:lnRef idx="1">
+            <a:schemeClr val="accent1"/>
+          </a:lnRef>
+          <a:fillRef idx="3">
+            <a:schemeClr val="accent1"/>
+          </a:fillRef>
+          <a:effectRef idx="2">
+            <a:schemeClr val="accent1"/>
+          </a:effectRef>
+          <a:fontRef idx="minor">
+            <a:schemeClr val="lt1"/>
+          </a:fontRef>
+        </p:style>
+      </p:sp>
+      <p:sp>
+        <p:nvSpPr>
+          <p:cNvPr id="28" name="Rectangle 14">
+            <a:extLst>
+              <a:ext uri="{FF2B5EF4-FFF2-40B4-BE49-F238E27FC236}">
+                <a16:creationId xmlns:a16="http://schemas.microsoft.com/office/drawing/2014/main" id="{90EB7086-616E-4D44-94BE-D0F763561782}"/>
+              </a:ext>
+              <a:ext uri="{C183D7F6-B498-43B3-948B-1728B52AA6E4}">
+                <adec:decorative xmlns:adec="http://schemas.microsoft.com/office/drawing/2017/decorative" val="1"/>
+              </a:ext>
+            </a:extLst>
+          </p:cNvPr>
+          <p:cNvSpPr>
+            <a:spLocks noGrp="1" noRot="1" noChangeAspect="1" noMove="1" noResize="1" noEditPoints="1" noAdjustHandles="1" noChangeArrowheads="1" noChangeShapeType="1" noTextEdit="1"/>
+          </p:cNvSpPr>
+          <p:nvPr>
+            <p:extLst>
+              <p:ext uri="{386F3935-93C4-4BCD-93E2-E3B085C9AB24}">
+                <p16:designElem xmlns:p16="http://schemas.microsoft.com/office/powerpoint/2015/main" val="1"/>
+              </p:ext>
+            </p:extLst>
+          </p:nvPr>
+        </p:nvSpPr>
+        <p:spPr>
+          <a:xfrm>
+            <a:off x="446534" y="3085765"/>
+            <a:ext cx="11262866" cy="3304800"/>
+          </a:xfrm>
+          <a:prstGeom prst="rect">
+            <a:avLst/>
+          </a:prstGeom>
+          <a:solidFill>
+            <a:schemeClr val="accent1"/>
+          </a:solidFill>
+          <a:ln>
+            <a:noFill/>
+          </a:ln>
+          <a:effectLst/>
+        </p:spPr>
+        <p:style>
+          <a:lnRef idx="1">
+            <a:schemeClr val="accent1"/>
+          </a:lnRef>
+          <a:fillRef idx="3">
+            <a:schemeClr val="accent1"/>
+          </a:fillRef>
+          <a:effectRef idx="2">
+            <a:schemeClr val="accent1"/>
+          </a:effectRef>
+          <a:fontRef idx="minor">
+            <a:schemeClr val="lt1"/>
+          </a:fontRef>
+        </p:style>
+      </p:sp>
+      <p:sp useBgFill="1">
+        <p:nvSpPr>
+          <p:cNvPr id="29" name="Rectangle 16">
+            <a:extLst>
+              <a:ext uri="{FF2B5EF4-FFF2-40B4-BE49-F238E27FC236}">
+                <a16:creationId xmlns:a16="http://schemas.microsoft.com/office/drawing/2014/main" id="{F115DB35-53D7-4EDC-A965-A434929617CC}"/>
+              </a:ext>
+              <a:ext uri="{C183D7F6-B498-43B3-948B-1728B52AA6E4}">
+                <adec:decorative xmlns:adec="http://schemas.microsoft.com/office/drawing/2017/decorative" val="1"/>
+              </a:ext>
+            </a:extLst>
+          </p:cNvPr>
+          <p:cNvSpPr>
+            <a:spLocks noGrp="1" noRot="1" noChangeAspect="1" noMove="1" noResize="1" noEditPoints="1" noAdjustHandles="1" noChangeArrowheads="1" noChangeShapeType="1" noTextEdit="1"/>
+          </p:cNvSpPr>
+          <p:nvPr>
+            <p:extLst>
+              <p:ext uri="{386F3935-93C4-4BCD-93E2-E3B085C9AB24}">
+                <p16:designElem xmlns:p16="http://schemas.microsoft.com/office/powerpoint/2015/main" val="1"/>
+              </p:ext>
+            </p:extLst>
+          </p:nvPr>
+        </p:nvSpPr>
+        <p:spPr>
+          <a:xfrm>
+            <a:off x="0" y="638175"/>
+            <a:ext cx="12191999" cy="6219825"/>
+          </a:xfrm>
+          <a:prstGeom prst="rect">
+            <a:avLst/>
+          </a:prstGeom>
+          <a:ln>
+            <a:noFill/>
+          </a:ln>
+        </p:spPr>
+        <p:style>
+          <a:lnRef idx="2">
+            <a:schemeClr val="accent1">
+              <a:shade val="50000"/>
+            </a:schemeClr>
+          </a:lnRef>
+          <a:fillRef idx="1">
+            <a:schemeClr val="accent1"/>
+          </a:fillRef>
+          <a:effectRef idx="0">
+            <a:schemeClr val="accent1"/>
+          </a:effectRef>
+          <a:fontRef idx="minor">
+            <a:schemeClr val="lt1"/>
+          </a:fontRef>
+        </p:style>
+        <p:txBody>
+          <a:bodyPr rtlCol="0" anchor="ctr"/>
+          <a:lstStyle/>
+          <a:p>
+            <a:pPr algn="ctr"/>
+            <a:endParaRPr lang="en-US"/>
+          </a:p>
+        </p:txBody>
+      </p:sp>
+      <p:pic>
+        <p:nvPicPr>
+          <p:cNvPr id="4" name="Picture 4" descr="A screenshot of a social media post&#10;&#10;Description generated with very high confidence">
+            <a:extLst>
+              <a:ext uri="{FF2B5EF4-FFF2-40B4-BE49-F238E27FC236}">
+                <a16:creationId xmlns:a16="http://schemas.microsoft.com/office/drawing/2014/main" id="{A9AE73E8-F3E0-4149-8FC0-FF7DA3435142}"/>
+              </a:ext>
+            </a:extLst>
+          </p:cNvPr>
+          <p:cNvPicPr>
+            <a:picLocks noGrp="1" noChangeAspect="1"/>
+          </p:cNvPicPr>
+          <p:nvPr>
+            <p:ph idx="1"/>
+          </p:nvPr>
+        </p:nvPicPr>
+        <p:blipFill>
+          <a:blip r:embed="rId2"/>
+          <a:stretch>
+            <a:fillRect/>
+          </a:stretch>
+        </p:blipFill>
+        <p:spPr>
+          <a:xfrm>
+            <a:off x="1269829" y="719702"/>
+            <a:ext cx="4820683" cy="6043407"/>
+          </a:xfrm>
+          <a:prstGeom prst="rect">
+            <a:avLst/>
+          </a:prstGeom>
+        </p:spPr>
+      </p:pic>
+      <p:sp>
+        <p:nvSpPr>
+          <p:cNvPr id="30" name="Rectangle 18">
+            <a:extLst>
+              <a:ext uri="{FF2B5EF4-FFF2-40B4-BE49-F238E27FC236}">
+                <a16:creationId xmlns:a16="http://schemas.microsoft.com/office/drawing/2014/main" id="{4B610F9C-62FE-46FC-8607-C35030B6321A}"/>
+              </a:ext>
+              <a:ext uri="{C183D7F6-B498-43B3-948B-1728B52AA6E4}">
+                <adec:decorative xmlns:adec="http://schemas.microsoft.com/office/drawing/2017/decorative" val="1"/>
+              </a:ext>
+            </a:extLst>
+          </p:cNvPr>
+          <p:cNvSpPr>
+            <a:spLocks noGrp="1" noRot="1" noChangeAspect="1" noMove="1" noResize="1" noEditPoints="1" noAdjustHandles="1" noChangeArrowheads="1" noChangeShapeType="1" noTextEdit="1"/>
+          </p:cNvSpPr>
+          <p:nvPr>
+            <p:extLst>
+              <p:ext uri="{386F3935-93C4-4BCD-93E2-E3B085C9AB24}">
+                <p16:designElem xmlns:p16="http://schemas.microsoft.com/office/powerpoint/2015/main" val="1"/>
+              </p:ext>
+            </p:extLst>
+          </p:nvPr>
+        </p:nvSpPr>
+        <p:spPr>
+          <a:xfrm>
+            <a:off x="8042147" y="723899"/>
+            <a:ext cx="3703320" cy="5666666"/>
+          </a:xfrm>
+          <a:prstGeom prst="rect">
+            <a:avLst/>
+          </a:prstGeom>
+          <a:solidFill>
+            <a:schemeClr val="accent1"/>
+          </a:solidFill>
+          <a:ln>
+            <a:noFill/>
+          </a:ln>
+          <a:effectLst/>
+        </p:spPr>
+        <p:style>
+          <a:lnRef idx="1">
+            <a:schemeClr val="accent1"/>
+          </a:lnRef>
+          <a:fillRef idx="3">
+            <a:schemeClr val="accent1"/>
+          </a:fillRef>
+          <a:effectRef idx="2">
+            <a:schemeClr val="accent1"/>
+          </a:effectRef>
+          <a:fontRef idx="minor">
+            <a:schemeClr val="lt1"/>
+          </a:fontRef>
+        </p:style>
+      </p:sp>
+      <p:sp>
+        <p:nvSpPr>
+          <p:cNvPr id="2" name="Title 1">
+            <a:extLst>
+              <a:ext uri="{FF2B5EF4-FFF2-40B4-BE49-F238E27FC236}">
+                <a16:creationId xmlns:a16="http://schemas.microsoft.com/office/drawing/2014/main" id="{43C4057A-F7AD-4D73-83DC-41F10DB4A71D}"/>
+              </a:ext>
+            </a:extLst>
+          </p:cNvPr>
+          <p:cNvSpPr>
+            <a:spLocks noGrp="1"/>
+          </p:cNvSpPr>
+          <p:nvPr>
+            <p:ph type="title"/>
+          </p:nvPr>
+        </p:nvSpPr>
+        <p:spPr>
+          <a:xfrm>
+            <a:off x="8296275" y="1419225"/>
+            <a:ext cx="3081576" cy="2085869"/>
+          </a:xfrm>
+        </p:spPr>
+        <p:txBody>
+          <a:bodyPr vert="horz" lIns="91440" tIns="45720" rIns="91440" bIns="45720" rtlCol="0" anchor="b">
+            <a:normAutofit/>
+          </a:bodyPr>
+          <a:lstStyle/>
+          <a:p>
+            <a:r>
+              <a:rPr lang="en-US" sz="3600">
+                <a:solidFill>
+                  <a:srgbClr val="FFFFFF"/>
+                </a:solidFill>
+              </a:rPr>
+              <a:t>Create New Base Classifier</a:t>
+            </a:r>
+          </a:p>
+        </p:txBody>
+      </p:sp>
+    </p:spTree>
+    <p:extLst>
+      <p:ext uri="{BB962C8B-B14F-4D97-AF65-F5344CB8AC3E}">
+        <p14:creationId xmlns:p14="http://schemas.microsoft.com/office/powerpoint/2010/main" val="2959990305"/>
+      </p:ext>
+    </p:extLst>
+  </p:cSld>
+  <p:clrMapOvr>
+    <a:masterClrMapping/>
+  </p:clrMapOvr>
+</p:sld>
+</file>
+
+<file path=ppt/slides/slide12.xml><?xml version="1.0" encoding="utf-8"?>
+<p:sld xmlns:a="http://schemas.openxmlformats.org/drawingml/2006/main" xmlns:r="http://schemas.openxmlformats.org/officeDocument/2006/relationships" xmlns:p="http://schemas.openxmlformats.org/presentationml/2006/main">
+  <p:cSld>
+    <p:bg>
+      <p:bgPr>
+        <a:solidFill>
+          <a:schemeClr val="bg1"/>
+        </a:solidFill>
+        <a:effectLst/>
+      </p:bgPr>
+    </p:bg>
+    <p:spTree>
+      <p:nvGrpSpPr>
+        <p:cNvPr id="1" name=""/>
+        <p:cNvGrpSpPr/>
+        <p:nvPr/>
+      </p:nvGrpSpPr>
+      <p:grpSpPr>
+        <a:xfrm>
+          <a:off x="0" y="0"/>
+          <a:ext cx="0" cy="0"/>
+          <a:chOff x="0" y="0"/>
+          <a:chExt cx="0" cy="0"/>
+        </a:xfrm>
+      </p:grpSpPr>
+      <p:sp>
+        <p:nvSpPr>
+          <p:cNvPr id="9" name="Rectangle 8">
+            <a:extLst>
+              <a:ext uri="{FF2B5EF4-FFF2-40B4-BE49-F238E27FC236}">
+                <a16:creationId xmlns:a16="http://schemas.microsoft.com/office/drawing/2014/main" id="{48E96387-12F1-45E4-9322-ABBF2EE040E9}"/>
+              </a:ext>
+              <a:ext uri="{C183D7F6-B498-43B3-948B-1728B52AA6E4}">
+                <adec:decorative xmlns:adec="http://schemas.microsoft.com/office/drawing/2017/decorative" val="1"/>
+              </a:ext>
+            </a:extLst>
+          </p:cNvPr>
+          <p:cNvSpPr>
+            <a:spLocks noGrp="1" noRot="1" noChangeAspect="1" noMove="1" noResize="1" noEditPoints="1" noAdjustHandles="1" noChangeArrowheads="1" noChangeShapeType="1" noTextEdit="1"/>
+          </p:cNvSpPr>
+          <p:nvPr>
+            <p:extLst>
+              <p:ext uri="{386F3935-93C4-4BCD-93E2-E3B085C9AB24}">
+                <p16:designElem xmlns:p16="http://schemas.microsoft.com/office/powerpoint/2015/main" val="1"/>
+              </p:ext>
+            </p:extLst>
+          </p:nvPr>
+        </p:nvSpPr>
+        <p:spPr>
+          <a:xfrm>
+            <a:off x="446534" y="457200"/>
+            <a:ext cx="3703320" cy="94997"/>
+          </a:xfrm>
+          <a:prstGeom prst="rect">
+            <a:avLst/>
+          </a:prstGeom>
+          <a:solidFill>
+            <a:schemeClr val="accent1"/>
+          </a:solidFill>
+          <a:ln>
+            <a:noFill/>
+          </a:ln>
+          <a:effectLst/>
+        </p:spPr>
+        <p:style>
+          <a:lnRef idx="1">
+            <a:schemeClr val="accent1"/>
+          </a:lnRef>
+          <a:fillRef idx="3">
+            <a:schemeClr val="accent1"/>
+          </a:fillRef>
+          <a:effectRef idx="2">
+            <a:schemeClr val="accent1"/>
+          </a:effectRef>
+          <a:fontRef idx="minor">
+            <a:schemeClr val="lt1"/>
+          </a:fontRef>
+        </p:style>
+      </p:sp>
+      <p:sp>
+        <p:nvSpPr>
+          <p:cNvPr id="11" name="Rectangle 10">
+            <a:extLst>
+              <a:ext uri="{FF2B5EF4-FFF2-40B4-BE49-F238E27FC236}">
+                <a16:creationId xmlns:a16="http://schemas.microsoft.com/office/drawing/2014/main" id="{A9F421DD-DE4E-4547-A904-3F80E25E3F35}"/>
+              </a:ext>
+              <a:ext uri="{C183D7F6-B498-43B3-948B-1728B52AA6E4}">
+                <adec:decorative xmlns:adec="http://schemas.microsoft.com/office/drawing/2017/decorative" val="1"/>
+              </a:ext>
+            </a:extLst>
+          </p:cNvPr>
+          <p:cNvSpPr>
+            <a:spLocks noGrp="1" noRot="1" noChangeAspect="1" noMove="1" noResize="1" noEditPoints="1" noAdjustHandles="1" noChangeArrowheads="1" noChangeShapeType="1" noTextEdit="1"/>
+          </p:cNvSpPr>
+          <p:nvPr>
+            <p:extLst>
+              <p:ext uri="{386F3935-93C4-4BCD-93E2-E3B085C9AB24}">
+                <p16:designElem xmlns:p16="http://schemas.microsoft.com/office/powerpoint/2015/main" val="1"/>
+              </p:ext>
+            </p:extLst>
+          </p:nvPr>
+        </p:nvSpPr>
+        <p:spPr>
+          <a:xfrm>
+            <a:off x="8042147" y="453643"/>
+            <a:ext cx="3703320" cy="98554"/>
+          </a:xfrm>
+          <a:prstGeom prst="rect">
+            <a:avLst/>
+          </a:prstGeom>
+          <a:solidFill>
+            <a:schemeClr val="accent4"/>
+          </a:solidFill>
+          <a:ln>
+            <a:noFill/>
+          </a:ln>
+          <a:effectLst/>
+        </p:spPr>
+        <p:style>
+          <a:lnRef idx="1">
+            <a:schemeClr val="accent1"/>
+          </a:lnRef>
+          <a:fillRef idx="3">
+            <a:schemeClr val="accent1"/>
+          </a:fillRef>
+          <a:effectRef idx="2">
+            <a:schemeClr val="accent1"/>
+          </a:effectRef>
+          <a:fontRef idx="minor">
+            <a:schemeClr val="lt1"/>
+          </a:fontRef>
+        </p:style>
+      </p:sp>
+      <p:sp>
+        <p:nvSpPr>
+          <p:cNvPr id="13" name="Rectangle 12">
+            <a:extLst>
+              <a:ext uri="{FF2B5EF4-FFF2-40B4-BE49-F238E27FC236}">
+                <a16:creationId xmlns:a16="http://schemas.microsoft.com/office/drawing/2014/main" id="{09985DEC-1215-4209-9708-B45CC977402E}"/>
+              </a:ext>
+              <a:ext uri="{C183D7F6-B498-43B3-948B-1728B52AA6E4}">
+                <adec:decorative xmlns:adec="http://schemas.microsoft.com/office/drawing/2017/decorative" val="1"/>
+              </a:ext>
+            </a:extLst>
+          </p:cNvPr>
+          <p:cNvSpPr>
+            <a:spLocks noGrp="1" noRot="1" noChangeAspect="1" noMove="1" noResize="1" noEditPoints="1" noAdjustHandles="1" noChangeArrowheads="1" noChangeShapeType="1" noTextEdit="1"/>
+          </p:cNvSpPr>
+          <p:nvPr>
+            <p:extLst>
+              <p:ext uri="{386F3935-93C4-4BCD-93E2-E3B085C9AB24}">
+                <p16:designElem xmlns:p16="http://schemas.microsoft.com/office/powerpoint/2015/main" val="1"/>
+              </p:ext>
+            </p:extLst>
+          </p:nvPr>
+        </p:nvSpPr>
+        <p:spPr>
+          <a:xfrm>
+            <a:off x="4241830" y="457200"/>
+            <a:ext cx="3703320" cy="91440"/>
+          </a:xfrm>
+          <a:prstGeom prst="rect">
+            <a:avLst/>
+          </a:prstGeom>
+          <a:solidFill>
+            <a:schemeClr val="accent2"/>
+          </a:solidFill>
+          <a:ln>
+            <a:noFill/>
+          </a:ln>
+          <a:effectLst/>
+        </p:spPr>
+        <p:style>
+          <a:lnRef idx="1">
+            <a:schemeClr val="accent1"/>
+          </a:lnRef>
+          <a:fillRef idx="3">
+            <a:schemeClr val="accent1"/>
+          </a:fillRef>
+          <a:effectRef idx="2">
+            <a:schemeClr val="accent1"/>
+          </a:effectRef>
+          <a:fontRef idx="minor">
+            <a:schemeClr val="lt1"/>
+          </a:fontRef>
+        </p:style>
+      </p:sp>
+      <p:sp>
+        <p:nvSpPr>
+          <p:cNvPr id="15" name="Rectangle 14">
+            <a:extLst>
+              <a:ext uri="{FF2B5EF4-FFF2-40B4-BE49-F238E27FC236}">
+                <a16:creationId xmlns:a16="http://schemas.microsoft.com/office/drawing/2014/main" id="{90EB7086-616E-4D44-94BE-D0F763561782}"/>
+              </a:ext>
+              <a:ext uri="{C183D7F6-B498-43B3-948B-1728B52AA6E4}">
+                <adec:decorative xmlns:adec="http://schemas.microsoft.com/office/drawing/2017/decorative" val="1"/>
+              </a:ext>
+            </a:extLst>
+          </p:cNvPr>
+          <p:cNvSpPr>
+            <a:spLocks noGrp="1" noRot="1" noChangeAspect="1" noMove="1" noResize="1" noEditPoints="1" noAdjustHandles="1" noChangeArrowheads="1" noChangeShapeType="1" noTextEdit="1"/>
+          </p:cNvSpPr>
+          <p:nvPr>
+            <p:extLst>
+              <p:ext uri="{386F3935-93C4-4BCD-93E2-E3B085C9AB24}">
+                <p16:designElem xmlns:p16="http://schemas.microsoft.com/office/powerpoint/2015/main" val="1"/>
+              </p:ext>
+            </p:extLst>
+          </p:nvPr>
+        </p:nvSpPr>
+        <p:spPr>
+          <a:xfrm>
+            <a:off x="446534" y="3085765"/>
+            <a:ext cx="11262866" cy="3304800"/>
+          </a:xfrm>
+          <a:prstGeom prst="rect">
+            <a:avLst/>
+          </a:prstGeom>
+          <a:solidFill>
+            <a:schemeClr val="accent1"/>
+          </a:solidFill>
+          <a:ln>
+            <a:noFill/>
+          </a:ln>
+          <a:effectLst/>
+        </p:spPr>
+        <p:style>
+          <a:lnRef idx="1">
+            <a:schemeClr val="accent1"/>
+          </a:lnRef>
+          <a:fillRef idx="3">
+            <a:schemeClr val="accent1"/>
+          </a:fillRef>
+          <a:effectRef idx="2">
+            <a:schemeClr val="accent1"/>
+          </a:effectRef>
+          <a:fontRef idx="minor">
+            <a:schemeClr val="lt1"/>
+          </a:fontRef>
+        </p:style>
+      </p:sp>
+      <p:sp useBgFill="1">
+        <p:nvSpPr>
+          <p:cNvPr id="17" name="Rectangle 16">
+            <a:extLst>
+              <a:ext uri="{FF2B5EF4-FFF2-40B4-BE49-F238E27FC236}">
+                <a16:creationId xmlns:a16="http://schemas.microsoft.com/office/drawing/2014/main" id="{F115DB35-53D7-4EDC-A965-A434929617CC}"/>
+              </a:ext>
+              <a:ext uri="{C183D7F6-B498-43B3-948B-1728B52AA6E4}">
+                <adec:decorative xmlns:adec="http://schemas.microsoft.com/office/drawing/2017/decorative" val="1"/>
+              </a:ext>
+            </a:extLst>
+          </p:cNvPr>
+          <p:cNvSpPr>
+            <a:spLocks noGrp="1" noRot="1" noChangeAspect="1" noMove="1" noResize="1" noEditPoints="1" noAdjustHandles="1" noChangeArrowheads="1" noChangeShapeType="1" noTextEdit="1"/>
+          </p:cNvSpPr>
+          <p:nvPr>
+            <p:extLst>
+              <p:ext uri="{386F3935-93C4-4BCD-93E2-E3B085C9AB24}">
+                <p16:designElem xmlns:p16="http://schemas.microsoft.com/office/powerpoint/2015/main" val="1"/>
+              </p:ext>
+            </p:extLst>
+          </p:nvPr>
+        </p:nvSpPr>
+        <p:spPr>
+          <a:xfrm>
+            <a:off x="0" y="638175"/>
+            <a:ext cx="12191999" cy="6219825"/>
+          </a:xfrm>
+          <a:prstGeom prst="rect">
+            <a:avLst/>
+          </a:prstGeom>
+          <a:ln>
+            <a:noFill/>
+          </a:ln>
+        </p:spPr>
+        <p:style>
+          <a:lnRef idx="2">
+            <a:schemeClr val="accent1">
+              <a:shade val="50000"/>
+            </a:schemeClr>
+          </a:lnRef>
+          <a:fillRef idx="1">
+            <a:schemeClr val="accent1"/>
+          </a:fillRef>
+          <a:effectRef idx="0">
+            <a:schemeClr val="accent1"/>
+          </a:effectRef>
+          <a:fontRef idx="minor">
+            <a:schemeClr val="lt1"/>
+          </a:fontRef>
+        </p:style>
+        <p:txBody>
+          <a:bodyPr rtlCol="0" anchor="ctr"/>
+          <a:lstStyle/>
+          <a:p>
+            <a:pPr algn="ctr"/>
+            <a:endParaRPr lang="en-US"/>
+          </a:p>
+        </p:txBody>
+      </p:sp>
+      <p:pic>
+        <p:nvPicPr>
+          <p:cNvPr id="4" name="Picture 4" descr="A picture containing clock, orange, traffic&#10;&#10;Description generated with very high confidence">
+            <a:extLst>
+              <a:ext uri="{FF2B5EF4-FFF2-40B4-BE49-F238E27FC236}">
+                <a16:creationId xmlns:a16="http://schemas.microsoft.com/office/drawing/2014/main" id="{C2C04E0D-C6C5-412F-B942-A30E8AFD4ED8}"/>
+              </a:ext>
+            </a:extLst>
+          </p:cNvPr>
+          <p:cNvPicPr>
+            <a:picLocks noGrp="1" noChangeAspect="1"/>
+          </p:cNvPicPr>
+          <p:nvPr>
+            <p:ph idx="1"/>
+          </p:nvPr>
+        </p:nvPicPr>
+        <p:blipFill>
+          <a:blip r:embed="rId2"/>
+          <a:stretch>
+            <a:fillRect/>
+          </a:stretch>
+        </p:blipFill>
+        <p:spPr>
+          <a:xfrm>
+            <a:off x="931166" y="2174523"/>
+            <a:ext cx="6518800" cy="2803084"/>
+          </a:xfrm>
+          <a:prstGeom prst="rect">
+            <a:avLst/>
+          </a:prstGeom>
+        </p:spPr>
+      </p:pic>
+      <p:sp>
+        <p:nvSpPr>
+          <p:cNvPr id="19" name="Rectangle 18">
+            <a:extLst>
+              <a:ext uri="{FF2B5EF4-FFF2-40B4-BE49-F238E27FC236}">
+                <a16:creationId xmlns:a16="http://schemas.microsoft.com/office/drawing/2014/main" id="{4B610F9C-62FE-46FC-8607-C35030B6321A}"/>
+              </a:ext>
+              <a:ext uri="{C183D7F6-B498-43B3-948B-1728B52AA6E4}">
+                <adec:decorative xmlns:adec="http://schemas.microsoft.com/office/drawing/2017/decorative" val="1"/>
+              </a:ext>
+            </a:extLst>
+          </p:cNvPr>
+          <p:cNvSpPr>
+            <a:spLocks noGrp="1" noRot="1" noChangeAspect="1" noMove="1" noResize="1" noEditPoints="1" noAdjustHandles="1" noChangeArrowheads="1" noChangeShapeType="1" noTextEdit="1"/>
+          </p:cNvSpPr>
+          <p:nvPr>
+            <p:extLst>
+              <p:ext uri="{386F3935-93C4-4BCD-93E2-E3B085C9AB24}">
+                <p16:designElem xmlns:p16="http://schemas.microsoft.com/office/powerpoint/2015/main" val="1"/>
+              </p:ext>
+            </p:extLst>
+          </p:nvPr>
+        </p:nvSpPr>
+        <p:spPr>
+          <a:xfrm>
+            <a:off x="8042147" y="723899"/>
+            <a:ext cx="3703320" cy="5666666"/>
+          </a:xfrm>
+          <a:prstGeom prst="rect">
+            <a:avLst/>
+          </a:prstGeom>
+          <a:solidFill>
+            <a:schemeClr val="accent1"/>
+          </a:solidFill>
+          <a:ln>
+            <a:noFill/>
+          </a:ln>
+          <a:effectLst/>
+        </p:spPr>
+        <p:style>
+          <a:lnRef idx="1">
+            <a:schemeClr val="accent1"/>
+          </a:lnRef>
+          <a:fillRef idx="3">
+            <a:schemeClr val="accent1"/>
+          </a:fillRef>
+          <a:effectRef idx="2">
+            <a:schemeClr val="accent1"/>
+          </a:effectRef>
+          <a:fontRef idx="minor">
+            <a:schemeClr val="lt1"/>
+          </a:fontRef>
+        </p:style>
+      </p:sp>
+      <p:sp>
+        <p:nvSpPr>
+          <p:cNvPr id="2" name="Title 1">
+            <a:extLst>
+              <a:ext uri="{FF2B5EF4-FFF2-40B4-BE49-F238E27FC236}">
+                <a16:creationId xmlns:a16="http://schemas.microsoft.com/office/drawing/2014/main" id="{CA2276DD-BB59-4C3D-869F-64494D26D243}"/>
+              </a:ext>
+            </a:extLst>
+          </p:cNvPr>
+          <p:cNvSpPr>
+            <a:spLocks noGrp="1"/>
+          </p:cNvSpPr>
+          <p:nvPr>
+            <p:ph type="title"/>
+          </p:nvPr>
+        </p:nvSpPr>
+        <p:spPr>
+          <a:xfrm>
+            <a:off x="8296275" y="1419225"/>
+            <a:ext cx="3081576" cy="2085869"/>
+          </a:xfrm>
+        </p:spPr>
+        <p:txBody>
+          <a:bodyPr vert="horz" lIns="91440" tIns="45720" rIns="91440" bIns="45720" rtlCol="0" anchor="b">
+            <a:normAutofit/>
+          </a:bodyPr>
+          <a:lstStyle/>
+          <a:p>
+            <a:r>
+              <a:rPr lang="en-US" sz="3600">
+                <a:solidFill>
+                  <a:srgbClr val="FFFFFF"/>
+                </a:solidFill>
+              </a:rPr>
+              <a:t>Update weights</a:t>
+            </a:r>
+          </a:p>
+        </p:txBody>
+      </p:sp>
+    </p:spTree>
+    <p:extLst>
+      <p:ext uri="{BB962C8B-B14F-4D97-AF65-F5344CB8AC3E}">
+        <p14:creationId xmlns:p14="http://schemas.microsoft.com/office/powerpoint/2010/main" val="122773431"/>
+      </p:ext>
+    </p:extLst>
+  </p:cSld>
+  <p:clrMapOvr>
+    <a:masterClrMapping/>
+  </p:clrMapOvr>
+</p:sld>
+</file>
+
+<file path=ppt/slides/slide13.xml><?xml version="1.0" encoding="utf-8"?>
+<p:sld xmlns:a="http://schemas.openxmlformats.org/drawingml/2006/main" xmlns:r="http://schemas.openxmlformats.org/officeDocument/2006/relationships" xmlns:p="http://schemas.openxmlformats.org/presentationml/2006/main">
+  <p:cSld>
+    <p:bg>
+      <p:bgPr>
+        <a:solidFill>
+          <a:schemeClr val="bg1"/>
+        </a:solidFill>
+        <a:effectLst/>
+      </p:bgPr>
+    </p:bg>
+    <p:spTree>
+      <p:nvGrpSpPr>
+        <p:cNvPr id="1" name=""/>
+        <p:cNvGrpSpPr/>
+        <p:nvPr/>
+      </p:nvGrpSpPr>
+      <p:grpSpPr>
+        <a:xfrm>
+          <a:off x="0" y="0"/>
+          <a:ext cx="0" cy="0"/>
+          <a:chOff x="0" y="0"/>
+          <a:chExt cx="0" cy="0"/>
+        </a:xfrm>
+      </p:grpSpPr>
+      <p:sp>
+        <p:nvSpPr>
+          <p:cNvPr id="9" name="Rectangle 8">
+            <a:extLst>
+              <a:ext uri="{FF2B5EF4-FFF2-40B4-BE49-F238E27FC236}">
+                <a16:creationId xmlns:a16="http://schemas.microsoft.com/office/drawing/2014/main" id="{48E96387-12F1-45E4-9322-ABBF2EE040E9}"/>
+              </a:ext>
+              <a:ext uri="{C183D7F6-B498-43B3-948B-1728B52AA6E4}">
+                <adec:decorative xmlns:adec="http://schemas.microsoft.com/office/drawing/2017/decorative" val="1"/>
+              </a:ext>
+            </a:extLst>
+          </p:cNvPr>
+          <p:cNvSpPr>
+            <a:spLocks noGrp="1" noRot="1" noChangeAspect="1" noMove="1" noResize="1" noEditPoints="1" noAdjustHandles="1" noChangeArrowheads="1" noChangeShapeType="1" noTextEdit="1"/>
+          </p:cNvSpPr>
+          <p:nvPr>
+            <p:extLst>
+              <p:ext uri="{386F3935-93C4-4BCD-93E2-E3B085C9AB24}">
+                <p16:designElem xmlns:p16="http://schemas.microsoft.com/office/powerpoint/2015/main" val="1"/>
+              </p:ext>
+            </p:extLst>
+          </p:nvPr>
+        </p:nvSpPr>
+        <p:spPr>
+          <a:xfrm>
+            <a:off x="446534" y="457200"/>
+            <a:ext cx="3703320" cy="94997"/>
+          </a:xfrm>
+          <a:prstGeom prst="rect">
+            <a:avLst/>
+          </a:prstGeom>
+          <a:solidFill>
+            <a:schemeClr val="accent1"/>
+          </a:solidFill>
+          <a:ln>
+            <a:noFill/>
+          </a:ln>
+          <a:effectLst/>
+        </p:spPr>
+        <p:style>
+          <a:lnRef idx="1">
+            <a:schemeClr val="accent1"/>
+          </a:lnRef>
+          <a:fillRef idx="3">
+            <a:schemeClr val="accent1"/>
+          </a:fillRef>
+          <a:effectRef idx="2">
+            <a:schemeClr val="accent1"/>
+          </a:effectRef>
+          <a:fontRef idx="minor">
+            <a:schemeClr val="lt1"/>
+          </a:fontRef>
+        </p:style>
+      </p:sp>
+      <p:sp>
+        <p:nvSpPr>
+          <p:cNvPr id="11" name="Rectangle 10">
+            <a:extLst>
+              <a:ext uri="{FF2B5EF4-FFF2-40B4-BE49-F238E27FC236}">
+                <a16:creationId xmlns:a16="http://schemas.microsoft.com/office/drawing/2014/main" id="{A9F421DD-DE4E-4547-A904-3F80E25E3F35}"/>
+              </a:ext>
+              <a:ext uri="{C183D7F6-B498-43B3-948B-1728B52AA6E4}">
+                <adec:decorative xmlns:adec="http://schemas.microsoft.com/office/drawing/2017/decorative" val="1"/>
+              </a:ext>
+            </a:extLst>
+          </p:cNvPr>
+          <p:cNvSpPr>
+            <a:spLocks noGrp="1" noRot="1" noChangeAspect="1" noMove="1" noResize="1" noEditPoints="1" noAdjustHandles="1" noChangeArrowheads="1" noChangeShapeType="1" noTextEdit="1"/>
+          </p:cNvSpPr>
+          <p:nvPr>
+            <p:extLst>
+              <p:ext uri="{386F3935-93C4-4BCD-93E2-E3B085C9AB24}">
+                <p16:designElem xmlns:p16="http://schemas.microsoft.com/office/powerpoint/2015/main" val="1"/>
+              </p:ext>
+            </p:extLst>
+          </p:nvPr>
+        </p:nvSpPr>
+        <p:spPr>
+          <a:xfrm>
+            <a:off x="8042147" y="453643"/>
+            <a:ext cx="3703320" cy="98554"/>
+          </a:xfrm>
+          <a:prstGeom prst="rect">
+            <a:avLst/>
+          </a:prstGeom>
+          <a:solidFill>
+            <a:schemeClr val="accent4"/>
+          </a:solidFill>
+          <a:ln>
+            <a:noFill/>
+          </a:ln>
+          <a:effectLst/>
+        </p:spPr>
+        <p:style>
+          <a:lnRef idx="1">
+            <a:schemeClr val="accent1"/>
+          </a:lnRef>
+          <a:fillRef idx="3">
+            <a:schemeClr val="accent1"/>
+          </a:fillRef>
+          <a:effectRef idx="2">
+            <a:schemeClr val="accent1"/>
+          </a:effectRef>
+          <a:fontRef idx="minor">
+            <a:schemeClr val="lt1"/>
+          </a:fontRef>
+        </p:style>
+      </p:sp>
+      <p:sp>
+        <p:nvSpPr>
+          <p:cNvPr id="13" name="Rectangle 12">
+            <a:extLst>
+              <a:ext uri="{FF2B5EF4-FFF2-40B4-BE49-F238E27FC236}">
+                <a16:creationId xmlns:a16="http://schemas.microsoft.com/office/drawing/2014/main" id="{09985DEC-1215-4209-9708-B45CC977402E}"/>
+              </a:ext>
+              <a:ext uri="{C183D7F6-B498-43B3-948B-1728B52AA6E4}">
+                <adec:decorative xmlns:adec="http://schemas.microsoft.com/office/drawing/2017/decorative" val="1"/>
+              </a:ext>
+            </a:extLst>
+          </p:cNvPr>
+          <p:cNvSpPr>
+            <a:spLocks noGrp="1" noRot="1" noChangeAspect="1" noMove="1" noResize="1" noEditPoints="1" noAdjustHandles="1" noChangeArrowheads="1" noChangeShapeType="1" noTextEdit="1"/>
+          </p:cNvSpPr>
+          <p:nvPr>
+            <p:extLst>
+              <p:ext uri="{386F3935-93C4-4BCD-93E2-E3B085C9AB24}">
+                <p16:designElem xmlns:p16="http://schemas.microsoft.com/office/powerpoint/2015/main" val="1"/>
+              </p:ext>
+            </p:extLst>
+          </p:nvPr>
+        </p:nvSpPr>
+        <p:spPr>
+          <a:xfrm>
+            <a:off x="4241830" y="457200"/>
+            <a:ext cx="3703320" cy="91440"/>
+          </a:xfrm>
+          <a:prstGeom prst="rect">
+            <a:avLst/>
+          </a:prstGeom>
+          <a:solidFill>
+            <a:schemeClr val="accent2"/>
+          </a:solidFill>
+          <a:ln>
+            <a:noFill/>
+          </a:ln>
+          <a:effectLst/>
+        </p:spPr>
+        <p:style>
+          <a:lnRef idx="1">
+            <a:schemeClr val="accent1"/>
+          </a:lnRef>
+          <a:fillRef idx="3">
+            <a:schemeClr val="accent1"/>
+          </a:fillRef>
+          <a:effectRef idx="2">
+            <a:schemeClr val="accent1"/>
+          </a:effectRef>
+          <a:fontRef idx="minor">
+            <a:schemeClr val="lt1"/>
+          </a:fontRef>
+        </p:style>
+      </p:sp>
+      <p:sp>
+        <p:nvSpPr>
+          <p:cNvPr id="15" name="Rectangle 14">
+            <a:extLst>
+              <a:ext uri="{FF2B5EF4-FFF2-40B4-BE49-F238E27FC236}">
+                <a16:creationId xmlns:a16="http://schemas.microsoft.com/office/drawing/2014/main" id="{90EB7086-616E-4D44-94BE-D0F763561782}"/>
+              </a:ext>
+              <a:ext uri="{C183D7F6-B498-43B3-948B-1728B52AA6E4}">
+                <adec:decorative xmlns:adec="http://schemas.microsoft.com/office/drawing/2017/decorative" val="1"/>
+              </a:ext>
+            </a:extLst>
+          </p:cNvPr>
+          <p:cNvSpPr>
+            <a:spLocks noGrp="1" noRot="1" noChangeAspect="1" noMove="1" noResize="1" noEditPoints="1" noAdjustHandles="1" noChangeArrowheads="1" noChangeShapeType="1" noTextEdit="1"/>
+          </p:cNvSpPr>
+          <p:nvPr>
+            <p:extLst>
+              <p:ext uri="{386F3935-93C4-4BCD-93E2-E3B085C9AB24}">
+                <p16:designElem xmlns:p16="http://schemas.microsoft.com/office/powerpoint/2015/main" val="1"/>
+              </p:ext>
+            </p:extLst>
+          </p:nvPr>
+        </p:nvSpPr>
+        <p:spPr>
+          <a:xfrm>
+            <a:off x="446534" y="3085765"/>
+            <a:ext cx="11262866" cy="3304800"/>
+          </a:xfrm>
+          <a:prstGeom prst="rect">
+            <a:avLst/>
+          </a:prstGeom>
+          <a:solidFill>
+            <a:schemeClr val="accent1"/>
+          </a:solidFill>
+          <a:ln>
+            <a:noFill/>
+          </a:ln>
+          <a:effectLst/>
+        </p:spPr>
+        <p:style>
+          <a:lnRef idx="1">
+            <a:schemeClr val="accent1"/>
+          </a:lnRef>
+          <a:fillRef idx="3">
+            <a:schemeClr val="accent1"/>
+          </a:fillRef>
+          <a:effectRef idx="2">
+            <a:schemeClr val="accent1"/>
+          </a:effectRef>
+          <a:fontRef idx="minor">
+            <a:schemeClr val="lt1"/>
+          </a:fontRef>
+        </p:style>
+      </p:sp>
+      <p:sp useBgFill="1">
+        <p:nvSpPr>
+          <p:cNvPr id="17" name="Rectangle 16">
+            <a:extLst>
+              <a:ext uri="{FF2B5EF4-FFF2-40B4-BE49-F238E27FC236}">
+                <a16:creationId xmlns:a16="http://schemas.microsoft.com/office/drawing/2014/main" id="{F115DB35-53D7-4EDC-A965-A434929617CC}"/>
+              </a:ext>
+              <a:ext uri="{C183D7F6-B498-43B3-948B-1728B52AA6E4}">
+                <adec:decorative xmlns:adec="http://schemas.microsoft.com/office/drawing/2017/decorative" val="1"/>
+              </a:ext>
+            </a:extLst>
+          </p:cNvPr>
+          <p:cNvSpPr>
+            <a:spLocks noGrp="1" noRot="1" noChangeAspect="1" noMove="1" noResize="1" noEditPoints="1" noAdjustHandles="1" noChangeArrowheads="1" noChangeShapeType="1" noTextEdit="1"/>
+          </p:cNvSpPr>
+          <p:nvPr>
+            <p:extLst>
+              <p:ext uri="{386F3935-93C4-4BCD-93E2-E3B085C9AB24}">
+                <p16:designElem xmlns:p16="http://schemas.microsoft.com/office/powerpoint/2015/main" val="1"/>
+              </p:ext>
+            </p:extLst>
+          </p:nvPr>
+        </p:nvSpPr>
+        <p:spPr>
+          <a:xfrm>
+            <a:off x="0" y="638175"/>
+            <a:ext cx="12191999" cy="6219825"/>
+          </a:xfrm>
+          <a:prstGeom prst="rect">
+            <a:avLst/>
+          </a:prstGeom>
+          <a:ln>
+            <a:noFill/>
+          </a:ln>
+        </p:spPr>
+        <p:style>
+          <a:lnRef idx="2">
+            <a:schemeClr val="accent1">
+              <a:shade val="50000"/>
+            </a:schemeClr>
+          </a:lnRef>
+          <a:fillRef idx="1">
+            <a:schemeClr val="accent1"/>
+          </a:fillRef>
+          <a:effectRef idx="0">
+            <a:schemeClr val="accent1"/>
+          </a:effectRef>
+          <a:fontRef idx="minor">
+            <a:schemeClr val="lt1"/>
+          </a:fontRef>
+        </p:style>
+        <p:txBody>
+          <a:bodyPr rtlCol="0" anchor="ctr"/>
+          <a:lstStyle/>
+          <a:p>
+            <a:pPr algn="ctr"/>
+            <a:endParaRPr lang="en-US"/>
+          </a:p>
+        </p:txBody>
+      </p:sp>
+      <p:sp>
+        <p:nvSpPr>
+          <p:cNvPr id="19" name="Rectangle 18">
+            <a:extLst>
+              <a:ext uri="{FF2B5EF4-FFF2-40B4-BE49-F238E27FC236}">
+                <a16:creationId xmlns:a16="http://schemas.microsoft.com/office/drawing/2014/main" id="{4B610F9C-62FE-46FC-8607-C35030B6321A}"/>
+              </a:ext>
+              <a:ext uri="{C183D7F6-B498-43B3-948B-1728B52AA6E4}">
+                <adec:decorative xmlns:adec="http://schemas.microsoft.com/office/drawing/2017/decorative" val="1"/>
+              </a:ext>
+            </a:extLst>
+          </p:cNvPr>
+          <p:cNvSpPr>
+            <a:spLocks noGrp="1" noRot="1" noChangeAspect="1" noMove="1" noResize="1" noEditPoints="1" noAdjustHandles="1" noChangeArrowheads="1" noChangeShapeType="1" noTextEdit="1"/>
+          </p:cNvSpPr>
+          <p:nvPr>
+            <p:extLst>
+              <p:ext uri="{386F3935-93C4-4BCD-93E2-E3B085C9AB24}">
+                <p16:designElem xmlns:p16="http://schemas.microsoft.com/office/powerpoint/2015/main" val="1"/>
+              </p:ext>
+            </p:extLst>
+          </p:nvPr>
+        </p:nvSpPr>
+        <p:spPr>
+          <a:xfrm>
+            <a:off x="8042147" y="723899"/>
+            <a:ext cx="3703320" cy="5666666"/>
+          </a:xfrm>
+          <a:prstGeom prst="rect">
+            <a:avLst/>
+          </a:prstGeom>
+          <a:solidFill>
+            <a:schemeClr val="accent1"/>
+          </a:solidFill>
+          <a:ln>
+            <a:noFill/>
+          </a:ln>
+          <a:effectLst/>
+        </p:spPr>
+        <p:style>
+          <a:lnRef idx="1">
+            <a:schemeClr val="accent1"/>
+          </a:lnRef>
+          <a:fillRef idx="3">
+            <a:schemeClr val="accent1"/>
+          </a:fillRef>
+          <a:effectRef idx="2">
+            <a:schemeClr val="accent1"/>
+          </a:effectRef>
+          <a:fontRef idx="minor">
+            <a:schemeClr val="lt1"/>
+          </a:fontRef>
+        </p:style>
+      </p:sp>
+      <p:sp>
+        <p:nvSpPr>
+          <p:cNvPr id="2" name="Title 1">
+            <a:extLst>
+              <a:ext uri="{FF2B5EF4-FFF2-40B4-BE49-F238E27FC236}">
+                <a16:creationId xmlns:a16="http://schemas.microsoft.com/office/drawing/2014/main" id="{CA2276DD-BB59-4C3D-869F-64494D26D243}"/>
+              </a:ext>
+            </a:extLst>
+          </p:cNvPr>
+          <p:cNvSpPr>
+            <a:spLocks noGrp="1"/>
+          </p:cNvSpPr>
+          <p:nvPr>
+            <p:ph type="title"/>
+          </p:nvPr>
+        </p:nvSpPr>
+        <p:spPr>
+          <a:xfrm>
+            <a:off x="8296275" y="1419225"/>
+            <a:ext cx="3081576" cy="2948510"/>
+          </a:xfrm>
+        </p:spPr>
+        <p:txBody>
+          <a:bodyPr vert="horz" lIns="91440" tIns="45720" rIns="91440" bIns="45720" rtlCol="0" anchor="b">
+            <a:normAutofit/>
+          </a:bodyPr>
+          <a:lstStyle/>
+          <a:p>
+            <a:r>
+              <a:rPr lang="en-US" sz="3600">
+                <a:ea typeface="+mj-lt"/>
+                <a:cs typeface="+mj-lt"/>
+              </a:rPr>
+              <a:t>DAMPED CLASS IMBALANCE RATIO</a:t>
+            </a:r>
+          </a:p>
+          <a:p>
+            <a:endParaRPr lang="en-US" sz="3600" dirty="0">
+              <a:solidFill>
+                <a:srgbClr val="FFFFFF"/>
+              </a:solidFill>
+            </a:endParaRPr>
+          </a:p>
+        </p:txBody>
+      </p:sp>
+      <p:sp>
+        <p:nvSpPr>
+          <p:cNvPr id="5" name="Content Placeholder 4">
+            <a:extLst>
+              <a:ext uri="{FF2B5EF4-FFF2-40B4-BE49-F238E27FC236}">
+                <a16:creationId xmlns:a16="http://schemas.microsoft.com/office/drawing/2014/main" id="{DE430C0E-4181-4C89-8669-3945E93494D5}"/>
+              </a:ext>
+            </a:extLst>
+          </p:cNvPr>
+          <p:cNvSpPr>
+            <a:spLocks noGrp="1"/>
+          </p:cNvSpPr>
+          <p:nvPr>
+            <p:ph idx="1"/>
+          </p:nvPr>
+        </p:nvSpPr>
+        <p:spPr/>
+        <p:txBody>
+          <a:bodyPr/>
+          <a:lstStyle/>
+          <a:p>
+            <a:endParaRPr lang="en-US"/>
+          </a:p>
+        </p:txBody>
+      </p:sp>
+      <p:pic>
+        <p:nvPicPr>
+          <p:cNvPr id="6" name="Picture 4" descr="A close up of a logo&#10;&#10;Description generated with very high confidence">
+            <a:extLst>
+              <a:ext uri="{FF2B5EF4-FFF2-40B4-BE49-F238E27FC236}">
+                <a16:creationId xmlns:a16="http://schemas.microsoft.com/office/drawing/2014/main" id="{54F69381-3CC3-4769-875E-793DCE2E8F06}"/>
+              </a:ext>
+            </a:extLst>
+          </p:cNvPr>
+          <p:cNvPicPr>
+            <a:picLocks noChangeAspect="1"/>
+          </p:cNvPicPr>
+          <p:nvPr/>
+        </p:nvPicPr>
+        <p:blipFill>
+          <a:blip r:embed="rId2"/>
+          <a:stretch>
+            <a:fillRect/>
+          </a:stretch>
+        </p:blipFill>
+        <p:spPr>
+          <a:xfrm>
+            <a:off x="253850" y="2315661"/>
+            <a:ext cx="6911016" cy="1553293"/>
+          </a:xfrm>
+          <a:prstGeom prst="rect">
+            <a:avLst/>
+          </a:prstGeom>
+        </p:spPr>
+      </p:pic>
+    </p:spTree>
+    <p:extLst>
+      <p:ext uri="{BB962C8B-B14F-4D97-AF65-F5344CB8AC3E}">
+        <p14:creationId xmlns:p14="http://schemas.microsoft.com/office/powerpoint/2010/main" val="1341372941"/>
+      </p:ext>
+    </p:extLst>
+  </p:cSld>
+  <p:clrMapOvr>
+    <a:masterClrMapping/>
+  </p:clrMapOvr>
+</p:sld>
+</file>
+
+<file path=ppt/slides/slide14.xml><?xml version="1.0" encoding="utf-8"?>
+<p:sld xmlns:a="http://schemas.openxmlformats.org/drawingml/2006/main" xmlns:r="http://schemas.openxmlformats.org/officeDocument/2006/relationships" xmlns:p="http://schemas.openxmlformats.org/presentationml/2006/main">
+  <p:cSld>
+    <p:spTree>
+      <p:nvGrpSpPr>
+        <p:cNvPr id="1" name=""/>
+        <p:cNvGrpSpPr/>
+        <p:nvPr/>
+      </p:nvGrpSpPr>
+      <p:grpSpPr>
+        <a:xfrm>
+          <a:off x="0" y="0"/>
+          <a:ext cx="0" cy="0"/>
+          <a:chOff x="0" y="0"/>
+          <a:chExt cx="0" cy="0"/>
+        </a:xfrm>
+      </p:grpSpPr>
+      <p:sp>
+        <p:nvSpPr>
+          <p:cNvPr id="2" name="Title 1">
+            <a:extLst>
+              <a:ext uri="{FF2B5EF4-FFF2-40B4-BE49-F238E27FC236}">
+                <a16:creationId xmlns:a16="http://schemas.microsoft.com/office/drawing/2014/main" id="{18ED3FCC-BA6C-4D63-97FB-FD64EC8E2605}"/>
+              </a:ext>
+            </a:extLst>
+          </p:cNvPr>
+          <p:cNvSpPr>
+            <a:spLocks noGrp="1"/>
+          </p:cNvSpPr>
+          <p:nvPr>
+            <p:ph type="title"/>
+          </p:nvPr>
+        </p:nvSpPr>
+        <p:spPr/>
+        <p:txBody>
+          <a:bodyPr/>
+          <a:lstStyle/>
+          <a:p>
+            <a:r>
+              <a:rPr lang="en-US">
+                <a:ea typeface="+mj-lt"/>
+                <a:cs typeface="+mj-lt"/>
+              </a:rPr>
+              <a:t>Prediction</a:t>
+            </a:r>
+            <a:endParaRPr lang="en-US"/>
+          </a:p>
+        </p:txBody>
+      </p:sp>
+      <p:pic>
+        <p:nvPicPr>
+          <p:cNvPr id="8" name="Picture 8" descr="A close up of a clock&#10;&#10;Description generated with high confidence">
+            <a:extLst>
+              <a:ext uri="{FF2B5EF4-FFF2-40B4-BE49-F238E27FC236}">
+                <a16:creationId xmlns:a16="http://schemas.microsoft.com/office/drawing/2014/main" id="{CCA5304F-928E-4432-A562-062E69F26EF0}"/>
+              </a:ext>
+            </a:extLst>
+          </p:cNvPr>
+          <p:cNvPicPr>
+            <a:picLocks noGrp="1" noChangeAspect="1"/>
+          </p:cNvPicPr>
+          <p:nvPr>
+            <p:ph idx="1"/>
+          </p:nvPr>
+        </p:nvPicPr>
+        <p:blipFill>
+          <a:blip r:embed="rId2"/>
+          <a:stretch>
+            <a:fillRect/>
+          </a:stretch>
+        </p:blipFill>
+        <p:spPr>
+          <a:xfrm>
+            <a:off x="1589507" y="2833696"/>
+            <a:ext cx="8265363" cy="1667414"/>
+          </a:xfrm>
+        </p:spPr>
+      </p:pic>
+    </p:spTree>
+    <p:extLst>
+      <p:ext uri="{BB962C8B-B14F-4D97-AF65-F5344CB8AC3E}">
+        <p14:creationId xmlns:p14="http://schemas.microsoft.com/office/powerpoint/2010/main" val="3846035132"/>
+      </p:ext>
+    </p:extLst>
+  </p:cSld>
+  <p:clrMapOvr>
+    <a:masterClrMapping/>
+  </p:clrMapOvr>
+</p:sld>
+</file>
+
+<file path=ppt/slides/slide15.xml><?xml version="1.0" encoding="utf-8"?>
+<p:sld xmlns:a="http://schemas.openxmlformats.org/drawingml/2006/main" xmlns:r="http://schemas.openxmlformats.org/officeDocument/2006/relationships" xmlns:p="http://schemas.openxmlformats.org/presentationml/2006/main">
+  <p:cSld>
+    <p:spTree>
+      <p:nvGrpSpPr>
+        <p:cNvPr id="1" name=""/>
+        <p:cNvGrpSpPr/>
+        <p:nvPr/>
+      </p:nvGrpSpPr>
+      <p:grpSpPr>
+        <a:xfrm>
+          <a:off x="0" y="0"/>
+          <a:ext cx="0" cy="0"/>
+          <a:chOff x="0" y="0"/>
+          <a:chExt cx="0" cy="0"/>
+        </a:xfrm>
+      </p:grpSpPr>
+      <p:sp>
+        <p:nvSpPr>
+          <p:cNvPr id="2" name="Title 1">
+            <a:extLst>
+              <a:ext uri="{FF2B5EF4-FFF2-40B4-BE49-F238E27FC236}">
+                <a16:creationId xmlns:a16="http://schemas.microsoft.com/office/drawing/2014/main" id="{8742D3AB-E431-49DE-A49C-AC062DEFB071}"/>
+              </a:ext>
+            </a:extLst>
+          </p:cNvPr>
+          <p:cNvSpPr>
+            <a:spLocks noGrp="1"/>
+          </p:cNvSpPr>
+          <p:nvPr>
+            <p:ph type="title"/>
+          </p:nvPr>
+        </p:nvSpPr>
+        <p:spPr/>
+        <p:txBody>
+          <a:bodyPr/>
+          <a:lstStyle/>
+          <a:p>
+            <a:r>
+              <a:rPr lang="en-US"/>
+              <a:t>Evaluation</a:t>
+            </a:r>
+            <a:endParaRPr lang="en-US" dirty="0"/>
+          </a:p>
+        </p:txBody>
+      </p:sp>
+      <p:sp>
+        <p:nvSpPr>
+          <p:cNvPr id="3" name="Content Placeholder 2">
+            <a:extLst>
+              <a:ext uri="{FF2B5EF4-FFF2-40B4-BE49-F238E27FC236}">
+                <a16:creationId xmlns:a16="http://schemas.microsoft.com/office/drawing/2014/main" id="{8295316B-D9E8-4FEF-9DD7-A82B089B3EF6}"/>
+              </a:ext>
+            </a:extLst>
+          </p:cNvPr>
+          <p:cNvSpPr>
+            <a:spLocks noGrp="1"/>
+          </p:cNvSpPr>
+          <p:nvPr>
+            <p:ph idx="1"/>
+          </p:nvPr>
+        </p:nvSpPr>
+        <p:spPr/>
+        <p:txBody>
+          <a:bodyPr/>
+          <a:lstStyle/>
+          <a:p>
+            <a:pPr marL="305435" indent="-305435"/>
+            <a:r>
+              <a:rPr lang="en-US"/>
+              <a:t>For every test_point records has passed, we meaure the model on test_size next samples to check the accuracy.</a:t>
+            </a:r>
+          </a:p>
+        </p:txBody>
+      </p:sp>
+    </p:spTree>
+    <p:extLst>
+      <p:ext uri="{BB962C8B-B14F-4D97-AF65-F5344CB8AC3E}">
+        <p14:creationId xmlns:p14="http://schemas.microsoft.com/office/powerpoint/2010/main" val="1868893631"/>
+      </p:ext>
+    </p:extLst>
+  </p:cSld>
+  <p:clrMapOvr>
+    <a:masterClrMapping/>
+  </p:clrMapOvr>
+</p:sld>
+</file>
+
+<file path=ppt/slides/slide16.xml><?xml version="1.0" encoding="utf-8"?>
+<p:sld xmlns:a="http://schemas.openxmlformats.org/drawingml/2006/main" xmlns:r="http://schemas.openxmlformats.org/officeDocument/2006/relationships" xmlns:p="http://schemas.openxmlformats.org/presentationml/2006/main">
+  <p:cSld>
+    <p:spTree>
+      <p:nvGrpSpPr>
+        <p:cNvPr id="1" name=""/>
+        <p:cNvGrpSpPr/>
+        <p:nvPr/>
+      </p:nvGrpSpPr>
+      <p:grpSpPr>
+        <a:xfrm>
+          <a:off x="0" y="0"/>
+          <a:ext cx="0" cy="0"/>
+          <a:chOff x="0" y="0"/>
+          <a:chExt cx="0" cy="0"/>
+        </a:xfrm>
+      </p:grpSpPr>
+      <p:sp>
+        <p:nvSpPr>
+          <p:cNvPr id="2" name="Title 1">
+            <a:extLst>
+              <a:ext uri="{FF2B5EF4-FFF2-40B4-BE49-F238E27FC236}">
+                <a16:creationId xmlns:a16="http://schemas.microsoft.com/office/drawing/2014/main" id="{8599A059-C722-43FC-ACD7-3DB0468EFB8F}"/>
+              </a:ext>
+            </a:extLst>
+          </p:cNvPr>
+          <p:cNvSpPr>
+            <a:spLocks noGrp="1"/>
+          </p:cNvSpPr>
+          <p:nvPr>
+            <p:ph type="title"/>
+          </p:nvPr>
+        </p:nvSpPr>
+        <p:spPr/>
+        <p:txBody>
+          <a:bodyPr/>
+          <a:lstStyle/>
+          <a:p>
+            <a:r>
+              <a:rPr lang="en-US">
+                <a:ea typeface="+mj-lt"/>
+                <a:cs typeface="+mj-lt"/>
+              </a:rPr>
+              <a:t>experiments</a:t>
+            </a:r>
+            <a:endParaRPr lang="en-US"/>
+          </a:p>
+        </p:txBody>
+      </p:sp>
+      <p:sp>
+        <p:nvSpPr>
+          <p:cNvPr id="3" name="Content Placeholder 2">
+            <a:extLst>
+              <a:ext uri="{FF2B5EF4-FFF2-40B4-BE49-F238E27FC236}">
+                <a16:creationId xmlns:a16="http://schemas.microsoft.com/office/drawing/2014/main" id="{3DD15978-2B14-423B-BE7E-71D4B16C5915}"/>
+              </a:ext>
+            </a:extLst>
+          </p:cNvPr>
+          <p:cNvSpPr>
+            <a:spLocks noGrp="1"/>
+          </p:cNvSpPr>
+          <p:nvPr>
+            <p:ph idx="1"/>
+          </p:nvPr>
+        </p:nvSpPr>
+        <p:spPr/>
+        <p:txBody>
+          <a:bodyPr/>
+          <a:lstStyle/>
+          <a:p>
+            <a:pPr marL="305435" indent="-305435"/>
+            <a:r>
+              <a:rPr lang="en-US"/>
+              <a:t>As the paper used, we used the Hoffeding tree as a base classifier.</a:t>
+            </a:r>
+          </a:p>
+          <a:p>
+            <a:pPr marL="305435" indent="-305435"/>
+            <a:r>
+              <a:rPr lang="en-US"/>
+              <a:t>The data stream were used in the case of imbalanced data were there is sudden drifts and gradual drifts.</a:t>
+            </a:r>
+          </a:p>
+          <a:p>
+            <a:pPr marL="305435" indent="-305435"/>
+            <a:r>
+              <a:rPr lang="en-US"/>
+              <a:t>We used the scikit data stream generator to generate data streams.</a:t>
+            </a:r>
+            <a:endParaRPr lang="en-US" dirty="0"/>
+          </a:p>
+        </p:txBody>
+      </p:sp>
+    </p:spTree>
+    <p:extLst>
+      <p:ext uri="{BB962C8B-B14F-4D97-AF65-F5344CB8AC3E}">
+        <p14:creationId xmlns:p14="http://schemas.microsoft.com/office/powerpoint/2010/main" val="4267729062"/>
+      </p:ext>
+    </p:extLst>
+  </p:cSld>
+  <p:clrMapOvr>
+    <a:masterClrMapping/>
+  </p:clrMapOvr>
+</p:sld>
+</file>
+
+<file path=ppt/slides/slide17.xml><?xml version="1.0" encoding="utf-8"?>
+<p:sld xmlns:a="http://schemas.openxmlformats.org/drawingml/2006/main" xmlns:r="http://schemas.openxmlformats.org/officeDocument/2006/relationships" xmlns:p="http://schemas.openxmlformats.org/presentationml/2006/main">
+  <p:cSld>
+    <p:bg>
+      <p:bgPr>
+        <a:solidFill>
+          <a:schemeClr val="bg1"/>
+        </a:solidFill>
+        <a:effectLst/>
+      </p:bgPr>
+    </p:bg>
+    <p:spTree>
+      <p:nvGrpSpPr>
+        <p:cNvPr id="1" name=""/>
+        <p:cNvGrpSpPr/>
+        <p:nvPr/>
+      </p:nvGrpSpPr>
+      <p:grpSpPr>
+        <a:xfrm>
+          <a:off x="0" y="0"/>
+          <a:ext cx="0" cy="0"/>
+          <a:chOff x="0" y="0"/>
+          <a:chExt cx="0" cy="0"/>
+        </a:xfrm>
+      </p:grpSpPr>
+      <p:sp>
+        <p:nvSpPr>
+          <p:cNvPr id="42" name="Rectangle 34">
+            <a:extLst>
+              <a:ext uri="{FF2B5EF4-FFF2-40B4-BE49-F238E27FC236}">
+                <a16:creationId xmlns:a16="http://schemas.microsoft.com/office/drawing/2014/main" id="{A078A52F-85EA-4C0B-962B-D9D9DD4DD78C}"/>
+              </a:ext>
+              <a:ext uri="{C183D7F6-B498-43B3-948B-1728B52AA6E4}">
+                <adec:decorative xmlns:adec="http://schemas.microsoft.com/office/drawing/2017/decorative" val="1"/>
+              </a:ext>
+            </a:extLst>
+          </p:cNvPr>
+          <p:cNvSpPr>
+            <a:spLocks noGrp="1" noRot="1" noChangeAspect="1" noMove="1" noResize="1" noEditPoints="1" noAdjustHandles="1" noChangeArrowheads="1" noChangeShapeType="1" noTextEdit="1"/>
+          </p:cNvSpPr>
+          <p:nvPr>
+            <p:extLst>
+              <p:ext uri="{386F3935-93C4-4BCD-93E2-E3B085C9AB24}">
+                <p16:designElem xmlns:p16="http://schemas.microsoft.com/office/powerpoint/2015/main" val="1"/>
+              </p:ext>
+            </p:extLst>
+          </p:nvPr>
+        </p:nvSpPr>
+        <p:spPr>
+          <a:xfrm>
+            <a:off x="446534" y="457200"/>
+            <a:ext cx="3703320" cy="94997"/>
+          </a:xfrm>
+          <a:prstGeom prst="rect">
+            <a:avLst/>
+          </a:prstGeom>
+          <a:solidFill>
+            <a:schemeClr val="accent1"/>
+          </a:solidFill>
+          <a:ln>
+            <a:noFill/>
+          </a:ln>
+          <a:effectLst/>
+        </p:spPr>
+        <p:style>
+          <a:lnRef idx="1">
+            <a:schemeClr val="accent1"/>
+          </a:lnRef>
+          <a:fillRef idx="3">
+            <a:schemeClr val="accent1"/>
+          </a:fillRef>
+          <a:effectRef idx="2">
+            <a:schemeClr val="accent1"/>
+          </a:effectRef>
+          <a:fontRef idx="minor">
+            <a:schemeClr val="lt1"/>
+          </a:fontRef>
+        </p:style>
+      </p:sp>
+      <p:sp>
+        <p:nvSpPr>
+          <p:cNvPr id="44" name="Rectangle 36">
+            <a:extLst>
+              <a:ext uri="{FF2B5EF4-FFF2-40B4-BE49-F238E27FC236}">
+                <a16:creationId xmlns:a16="http://schemas.microsoft.com/office/drawing/2014/main" id="{919797D5-5700-4683-B30A-5B4D56CB8270}"/>
+              </a:ext>
+              <a:ext uri="{C183D7F6-B498-43B3-948B-1728B52AA6E4}">
+                <adec:decorative xmlns:adec="http://schemas.microsoft.com/office/drawing/2017/decorative" val="1"/>
+              </a:ext>
+            </a:extLst>
+          </p:cNvPr>
+          <p:cNvSpPr>
+            <a:spLocks noGrp="1" noRot="1" noChangeAspect="1" noMove="1" noResize="1" noEditPoints="1" noAdjustHandles="1" noChangeArrowheads="1" noChangeShapeType="1" noTextEdit="1"/>
+          </p:cNvSpPr>
+          <p:nvPr>
+            <p:extLst>
+              <p:ext uri="{386F3935-93C4-4BCD-93E2-E3B085C9AB24}">
+                <p16:designElem xmlns:p16="http://schemas.microsoft.com/office/powerpoint/2015/main" val="1"/>
+              </p:ext>
+            </p:extLst>
+          </p:nvPr>
+        </p:nvSpPr>
+        <p:spPr>
+          <a:xfrm>
+            <a:off x="8042147" y="453643"/>
+            <a:ext cx="3703320" cy="98554"/>
+          </a:xfrm>
+          <a:prstGeom prst="rect">
+            <a:avLst/>
+          </a:prstGeom>
+          <a:solidFill>
+            <a:schemeClr val="accent4"/>
+          </a:solidFill>
+          <a:ln>
+            <a:noFill/>
+          </a:ln>
+          <a:effectLst/>
+        </p:spPr>
+        <p:style>
+          <a:lnRef idx="1">
+            <a:schemeClr val="accent1"/>
+          </a:lnRef>
+          <a:fillRef idx="3">
+            <a:schemeClr val="accent1"/>
+          </a:fillRef>
+          <a:effectRef idx="2">
+            <a:schemeClr val="accent1"/>
+          </a:effectRef>
+          <a:fontRef idx="minor">
+            <a:schemeClr val="lt1"/>
+          </a:fontRef>
+        </p:style>
+      </p:sp>
+      <p:sp>
+        <p:nvSpPr>
+          <p:cNvPr id="46" name="Rectangle 38">
+            <a:extLst>
+              <a:ext uri="{FF2B5EF4-FFF2-40B4-BE49-F238E27FC236}">
+                <a16:creationId xmlns:a16="http://schemas.microsoft.com/office/drawing/2014/main" id="{4856A7B9-9801-42EC-A4C9-7E22A56EF53D}"/>
+              </a:ext>
+              <a:ext uri="{C183D7F6-B498-43B3-948B-1728B52AA6E4}">
+                <adec:decorative xmlns:adec="http://schemas.microsoft.com/office/drawing/2017/decorative" val="1"/>
+              </a:ext>
+            </a:extLst>
+          </p:cNvPr>
+          <p:cNvSpPr>
+            <a:spLocks noGrp="1" noRot="1" noChangeAspect="1" noMove="1" noResize="1" noEditPoints="1" noAdjustHandles="1" noChangeArrowheads="1" noChangeShapeType="1" noTextEdit="1"/>
+          </p:cNvSpPr>
+          <p:nvPr>
+            <p:extLst>
+              <p:ext uri="{386F3935-93C4-4BCD-93E2-E3B085C9AB24}">
+                <p16:designElem xmlns:p16="http://schemas.microsoft.com/office/powerpoint/2015/main" val="1"/>
+              </p:ext>
+            </p:extLst>
+          </p:nvPr>
+        </p:nvSpPr>
+        <p:spPr>
+          <a:xfrm>
+            <a:off x="4241830" y="457200"/>
+            <a:ext cx="3703320" cy="91440"/>
+          </a:xfrm>
+          <a:prstGeom prst="rect">
+            <a:avLst/>
+          </a:prstGeom>
+          <a:solidFill>
+            <a:schemeClr val="accent2"/>
+          </a:solidFill>
+          <a:ln>
+            <a:noFill/>
+          </a:ln>
+          <a:effectLst/>
+        </p:spPr>
+        <p:style>
+          <a:lnRef idx="1">
+            <a:schemeClr val="accent1"/>
+          </a:lnRef>
+          <a:fillRef idx="3">
+            <a:schemeClr val="accent1"/>
+          </a:fillRef>
+          <a:effectRef idx="2">
+            <a:schemeClr val="accent1"/>
+          </a:effectRef>
+          <a:fontRef idx="minor">
+            <a:schemeClr val="lt1"/>
+          </a:fontRef>
+        </p:style>
+      </p:sp>
+      <p:sp>
+        <p:nvSpPr>
+          <p:cNvPr id="51" name="Rectangle 40">
+            <a:extLst>
+              <a:ext uri="{FF2B5EF4-FFF2-40B4-BE49-F238E27FC236}">
+                <a16:creationId xmlns:a16="http://schemas.microsoft.com/office/drawing/2014/main" id="{8AD54DB8-C150-4290-85D6-F5B0262BFEEF}"/>
+              </a:ext>
+              <a:ext uri="{C183D7F6-B498-43B3-948B-1728B52AA6E4}">
+                <adec:decorative xmlns:adec="http://schemas.microsoft.com/office/drawing/2017/decorative" val="1"/>
+              </a:ext>
+            </a:extLst>
+          </p:cNvPr>
+          <p:cNvSpPr>
+            <a:spLocks noGrp="1" noRot="1" noChangeAspect="1" noMove="1" noResize="1" noEditPoints="1" noAdjustHandles="1" noChangeArrowheads="1" noChangeShapeType="1" noTextEdit="1"/>
+          </p:cNvSpPr>
+          <p:nvPr>
+            <p:extLst>
+              <p:ext uri="{386F3935-93C4-4BCD-93E2-E3B085C9AB24}">
+                <p16:designElem xmlns:p16="http://schemas.microsoft.com/office/powerpoint/2015/main" val="1"/>
+              </p:ext>
+            </p:extLst>
+          </p:nvPr>
+        </p:nvSpPr>
+        <p:spPr>
+          <a:xfrm>
+            <a:off x="446534" y="3085765"/>
+            <a:ext cx="11262866" cy="3304800"/>
+          </a:xfrm>
+          <a:prstGeom prst="rect">
+            <a:avLst/>
+          </a:prstGeom>
+          <a:solidFill>
+            <a:schemeClr val="accent1"/>
+          </a:solidFill>
+          <a:ln>
+            <a:noFill/>
+          </a:ln>
+          <a:effectLst/>
+        </p:spPr>
+        <p:style>
+          <a:lnRef idx="1">
+            <a:schemeClr val="accent1"/>
+          </a:lnRef>
+          <a:fillRef idx="3">
+            <a:schemeClr val="accent1"/>
+          </a:fillRef>
+          <a:effectRef idx="2">
+            <a:schemeClr val="accent1"/>
+          </a:effectRef>
+          <a:fontRef idx="minor">
+            <a:schemeClr val="lt1"/>
+          </a:fontRef>
+        </p:style>
+      </p:sp>
+      <p:sp useBgFill="1">
+        <p:nvSpPr>
+          <p:cNvPr id="52" name="Rectangle 42">
+            <a:extLst>
+              <a:ext uri="{FF2B5EF4-FFF2-40B4-BE49-F238E27FC236}">
+                <a16:creationId xmlns:a16="http://schemas.microsoft.com/office/drawing/2014/main" id="{379F11E2-8BA5-4C5C-AE7C-361E5EA011FF}"/>
+              </a:ext>
+              <a:ext uri="{C183D7F6-B498-43B3-948B-1728B52AA6E4}">
+                <adec:decorative xmlns:adec="http://schemas.microsoft.com/office/drawing/2017/decorative" val="1"/>
+              </a:ext>
+            </a:extLst>
+          </p:cNvPr>
+          <p:cNvSpPr>
+            <a:spLocks noGrp="1" noRot="1" noChangeAspect="1" noMove="1" noResize="1" noEditPoints="1" noAdjustHandles="1" noChangeArrowheads="1" noChangeShapeType="1" noTextEdit="1"/>
+          </p:cNvSpPr>
+          <p:nvPr>
+            <p:extLst>
+              <p:ext uri="{386F3935-93C4-4BCD-93E2-E3B085C9AB24}">
+                <p16:designElem xmlns:p16="http://schemas.microsoft.com/office/powerpoint/2015/main" val="1"/>
+              </p:ext>
+            </p:extLst>
+          </p:nvPr>
+        </p:nvSpPr>
+        <p:spPr>
+          <a:xfrm>
+            <a:off x="0" y="1"/>
+            <a:ext cx="12191999" cy="6858000"/>
+          </a:xfrm>
+          <a:prstGeom prst="rect">
+            <a:avLst/>
+          </a:prstGeom>
+          <a:ln>
+            <a:noFill/>
+          </a:ln>
+        </p:spPr>
+        <p:style>
+          <a:lnRef idx="2">
+            <a:schemeClr val="accent1">
+              <a:shade val="50000"/>
+            </a:schemeClr>
+          </a:lnRef>
+          <a:fillRef idx="1">
+            <a:schemeClr val="accent1"/>
+          </a:fillRef>
+          <a:effectRef idx="0">
+            <a:schemeClr val="accent1"/>
+          </a:effectRef>
+          <a:fontRef idx="minor">
+            <a:schemeClr val="lt1"/>
+          </a:fontRef>
+        </p:style>
+        <p:txBody>
+          <a:bodyPr rtlCol="0" anchor="ctr"/>
+          <a:lstStyle/>
+          <a:p>
+            <a:pPr algn="ctr"/>
+            <a:endParaRPr lang="en-US"/>
+          </a:p>
+        </p:txBody>
+      </p:sp>
+      <p:pic>
+        <p:nvPicPr>
+          <p:cNvPr id="6" name="Picture 6" descr="A close up of a logo&#10;&#10;Description generated with very high confidence">
+            <a:extLst>
+              <a:ext uri="{FF2B5EF4-FFF2-40B4-BE49-F238E27FC236}">
+                <a16:creationId xmlns:a16="http://schemas.microsoft.com/office/drawing/2014/main" id="{84572086-40D8-43BC-BEA8-82DA23C9263F}"/>
+              </a:ext>
+            </a:extLst>
+          </p:cNvPr>
+          <p:cNvPicPr>
+            <a:picLocks noGrp="1" noChangeAspect="1"/>
+          </p:cNvPicPr>
+          <p:nvPr>
+            <p:ph idx="1"/>
+          </p:nvPr>
+        </p:nvPicPr>
+        <p:blipFill rotWithShape="1">
+          <a:blip r:embed="rId2"/>
+          <a:srcRect l="933"/>
+          <a:stretch/>
+        </p:blipFill>
+        <p:spPr>
+          <a:xfrm>
+            <a:off x="446534" y="723899"/>
+            <a:ext cx="7498616" cy="5676901"/>
+          </a:xfrm>
+          <a:prstGeom prst="rect">
+            <a:avLst/>
+          </a:prstGeom>
+        </p:spPr>
+      </p:pic>
+      <p:sp>
+        <p:nvSpPr>
+          <p:cNvPr id="53" name="Rectangle 44">
+            <a:extLst>
+              <a:ext uri="{FF2B5EF4-FFF2-40B4-BE49-F238E27FC236}">
+                <a16:creationId xmlns:a16="http://schemas.microsoft.com/office/drawing/2014/main" id="{7C00E1DA-EC7C-40FC-95E3-11FDCD2E4291}"/>
+              </a:ext>
+              <a:ext uri="{C183D7F6-B498-43B3-948B-1728B52AA6E4}">
+                <adec:decorative xmlns:adec="http://schemas.microsoft.com/office/drawing/2017/decorative" val="1"/>
+              </a:ext>
+            </a:extLst>
+          </p:cNvPr>
+          <p:cNvSpPr>
+            <a:spLocks noGrp="1" noRot="1" noChangeAspect="1" noMove="1" noResize="1" noEditPoints="1" noAdjustHandles="1" noChangeArrowheads="1" noChangeShapeType="1" noTextEdit="1"/>
+          </p:cNvSpPr>
+          <p:nvPr>
+            <p:extLst>
+              <p:ext uri="{386F3935-93C4-4BCD-93E2-E3B085C9AB24}">
+                <p16:designElem xmlns:p16="http://schemas.microsoft.com/office/powerpoint/2015/main" val="1"/>
+              </p:ext>
+            </p:extLst>
+          </p:nvPr>
+        </p:nvSpPr>
+        <p:spPr>
+          <a:xfrm>
+            <a:off x="8042147" y="723899"/>
+            <a:ext cx="3703320" cy="5666666"/>
+          </a:xfrm>
+          <a:prstGeom prst="rect">
+            <a:avLst/>
+          </a:prstGeom>
+          <a:solidFill>
+            <a:schemeClr val="accent1"/>
+          </a:solidFill>
+          <a:ln>
+            <a:noFill/>
+          </a:ln>
+          <a:effectLst/>
+        </p:spPr>
+        <p:style>
+          <a:lnRef idx="1">
+            <a:schemeClr val="accent1"/>
+          </a:lnRef>
+          <a:fillRef idx="3">
+            <a:schemeClr val="accent1"/>
+          </a:fillRef>
+          <a:effectRef idx="2">
+            <a:schemeClr val="accent1"/>
+          </a:effectRef>
+          <a:fontRef idx="minor">
+            <a:schemeClr val="lt1"/>
+          </a:fontRef>
+        </p:style>
+      </p:sp>
+      <p:sp>
+        <p:nvSpPr>
+          <p:cNvPr id="2" name="Title 1">
+            <a:extLst>
+              <a:ext uri="{FF2B5EF4-FFF2-40B4-BE49-F238E27FC236}">
+                <a16:creationId xmlns:a16="http://schemas.microsoft.com/office/drawing/2014/main" id="{759A7E26-C444-4DE0-A1E3-48B229F69804}"/>
+              </a:ext>
+            </a:extLst>
+          </p:cNvPr>
+          <p:cNvSpPr>
+            <a:spLocks noGrp="1"/>
+          </p:cNvSpPr>
+          <p:nvPr>
+            <p:ph type="title"/>
+          </p:nvPr>
+        </p:nvSpPr>
+        <p:spPr>
+          <a:xfrm>
+            <a:off x="8296275" y="1419225"/>
+            <a:ext cx="3081576" cy="2085869"/>
+          </a:xfrm>
+        </p:spPr>
+        <p:txBody>
+          <a:bodyPr vert="horz" lIns="91440" tIns="45720" rIns="91440" bIns="45720" rtlCol="0" anchor="b">
+            <a:normAutofit/>
+          </a:bodyPr>
+          <a:lstStyle/>
+          <a:p>
+            <a:pPr>
+              <a:lnSpc>
+                <a:spcPct val="90000"/>
+              </a:lnSpc>
+            </a:pPr>
+            <a:r>
+              <a:rPr lang="en-US" sz="3600">
+                <a:solidFill>
+                  <a:srgbClr val="FFFFFF"/>
+                </a:solidFill>
+              </a:rPr>
+              <a:t>Results</a:t>
+            </a:r>
+            <a:br>
+              <a:rPr lang="en-US" sz="3600" dirty="0">
+                <a:solidFill>
+                  <a:srgbClr val="FFFFFF"/>
+                </a:solidFill>
+              </a:rPr>
+            </a:br>
+            <a:r>
+              <a:rPr lang="en-US" sz="3600">
+                <a:solidFill>
+                  <a:srgbClr val="FFFFFF"/>
+                </a:solidFill>
+              </a:rPr>
+              <a:t>with gradual drift</a:t>
+            </a:r>
+          </a:p>
+        </p:txBody>
+      </p:sp>
+      <p:grpSp>
+        <p:nvGrpSpPr>
+          <p:cNvPr id="54" name="Group 46">
+            <a:extLst>
+              <a:ext uri="{FF2B5EF4-FFF2-40B4-BE49-F238E27FC236}">
+                <a16:creationId xmlns:a16="http://schemas.microsoft.com/office/drawing/2014/main" id="{9A421166-2996-41A7-B094-AE5316F347DD}"/>
+              </a:ext>
+              <a:ext uri="{C183D7F6-B498-43B3-948B-1728B52AA6E4}">
+                <adec:decorative xmlns:adec="http://schemas.microsoft.com/office/drawing/2017/decorative" val="1"/>
+              </a:ext>
+            </a:extLst>
+          </p:cNvPr>
+          <p:cNvGrpSpPr>
+            <a:grpSpLocks noGrp="1" noUngrp="1" noRot="1" noChangeAspect="1" noMove="1" noResize="1"/>
+          </p:cNvGrpSpPr>
+          <p:nvPr>
+            <p:extLst>
+              <p:ext uri="{386F3935-93C4-4BCD-93E2-E3B085C9AB24}">
+                <p16:designElem xmlns:p16="http://schemas.microsoft.com/office/powerpoint/2015/main" val="1"/>
+              </p:ext>
+            </p:extLst>
+          </p:nvPr>
+        </p:nvGrpSpPr>
+        <p:grpSpPr>
+          <a:xfrm>
+            <a:off x="446534" y="453643"/>
+            <a:ext cx="11298933" cy="98554"/>
+            <a:chOff x="446534" y="453643"/>
+            <a:chExt cx="11298933" cy="98554"/>
+          </a:xfrm>
+        </p:grpSpPr>
+        <p:sp>
+          <p:nvSpPr>
+            <p:cNvPr id="48" name="Rectangle 47">
+              <a:extLst>
+                <a:ext uri="{FF2B5EF4-FFF2-40B4-BE49-F238E27FC236}">
+                  <a16:creationId xmlns:a16="http://schemas.microsoft.com/office/drawing/2014/main" id="{FDBB1B92-A3EB-43E4-8FAB-D20E8ED14CEF}"/>
+                </a:ext>
+                <a:ext uri="{C183D7F6-B498-43B3-948B-1728B52AA6E4}">
+                  <adec:decorative xmlns:adec="http://schemas.microsoft.com/office/drawing/2017/decorative" val="1"/>
+                </a:ext>
+              </a:extLst>
+            </p:cNvPr>
+            <p:cNvSpPr/>
+            <p:nvPr>
+              <p:extLst>
+                <p:ext uri="{386F3935-93C4-4BCD-93E2-E3B085C9AB24}">
+                  <p16:designElem xmlns:p16="http://schemas.microsoft.com/office/powerpoint/2015/main" val="1"/>
+                </p:ext>
+              </p:extLst>
+            </p:nvPr>
+          </p:nvSpPr>
+          <p:spPr>
+            <a:xfrm>
+              <a:off x="446534" y="457200"/>
+              <a:ext cx="3703320" cy="94997"/>
+            </a:xfrm>
+            <a:prstGeom prst="rect">
+              <a:avLst/>
+            </a:prstGeom>
+            <a:solidFill>
+              <a:schemeClr val="accent1"/>
+            </a:solidFill>
+            <a:ln>
+              <a:noFill/>
+            </a:ln>
+            <a:effectLst/>
+          </p:spPr>
+          <p:style>
+            <a:lnRef idx="1">
+              <a:schemeClr val="accent1"/>
+            </a:lnRef>
+            <a:fillRef idx="3">
+              <a:schemeClr val="accent1"/>
+            </a:fillRef>
+            <a:effectRef idx="2">
+              <a:schemeClr val="accent1"/>
+            </a:effectRef>
+            <a:fontRef idx="minor">
+              <a:schemeClr val="lt1"/>
+            </a:fontRef>
+          </p:style>
+        </p:sp>
+        <p:sp>
+          <p:nvSpPr>
+            <p:cNvPr id="49" name="Rectangle 48">
+              <a:extLst>
+                <a:ext uri="{FF2B5EF4-FFF2-40B4-BE49-F238E27FC236}">
+                  <a16:creationId xmlns:a16="http://schemas.microsoft.com/office/drawing/2014/main" id="{3F3972F4-FE7E-48EA-AAD8-9BE5750A6672}"/>
+                </a:ext>
+                <a:ext uri="{C183D7F6-B498-43B3-948B-1728B52AA6E4}">
+                  <adec:decorative xmlns:adec="http://schemas.microsoft.com/office/drawing/2017/decorative" val="1"/>
+                </a:ext>
+              </a:extLst>
+            </p:cNvPr>
+            <p:cNvSpPr/>
+            <p:nvPr>
+              <p:extLst>
+                <p:ext uri="{386F3935-93C4-4BCD-93E2-E3B085C9AB24}">
+                  <p16:designElem xmlns:p16="http://schemas.microsoft.com/office/powerpoint/2015/main" val="1"/>
+                </p:ext>
+              </p:extLst>
+            </p:nvPr>
+          </p:nvSpPr>
+          <p:spPr>
+            <a:xfrm>
+              <a:off x="8042147" y="453643"/>
+              <a:ext cx="3703320" cy="98554"/>
+            </a:xfrm>
+            <a:prstGeom prst="rect">
+              <a:avLst/>
+            </a:prstGeom>
+            <a:solidFill>
+              <a:schemeClr val="accent4"/>
+            </a:solidFill>
+            <a:ln>
+              <a:noFill/>
+            </a:ln>
+            <a:effectLst/>
+          </p:spPr>
+          <p:style>
+            <a:lnRef idx="1">
+              <a:schemeClr val="accent1"/>
+            </a:lnRef>
+            <a:fillRef idx="3">
+              <a:schemeClr val="accent1"/>
+            </a:fillRef>
+            <a:effectRef idx="2">
+              <a:schemeClr val="accent1"/>
+            </a:effectRef>
+            <a:fontRef idx="minor">
+              <a:schemeClr val="lt1"/>
+            </a:fontRef>
+          </p:style>
+        </p:sp>
+        <p:sp>
+          <p:nvSpPr>
+            <p:cNvPr id="50" name="Rectangle 49">
+              <a:extLst>
+                <a:ext uri="{FF2B5EF4-FFF2-40B4-BE49-F238E27FC236}">
+                  <a16:creationId xmlns:a16="http://schemas.microsoft.com/office/drawing/2014/main" id="{221614E5-870B-4D5E-A43B-8FF7E5323484}"/>
+                </a:ext>
+                <a:ext uri="{C183D7F6-B498-43B3-948B-1728B52AA6E4}">
+                  <adec:decorative xmlns:adec="http://schemas.microsoft.com/office/drawing/2017/decorative" val="1"/>
+                </a:ext>
+              </a:extLst>
+            </p:cNvPr>
+            <p:cNvSpPr/>
+            <p:nvPr>
+              <p:extLst>
+                <p:ext uri="{386F3935-93C4-4BCD-93E2-E3B085C9AB24}">
+                  <p16:designElem xmlns:p16="http://schemas.microsoft.com/office/powerpoint/2015/main" val="1"/>
+                </p:ext>
+              </p:extLst>
+            </p:nvPr>
+          </p:nvSpPr>
+          <p:spPr>
+            <a:xfrm>
+              <a:off x="4241830" y="457200"/>
+              <a:ext cx="3703320" cy="91440"/>
+            </a:xfrm>
+            <a:prstGeom prst="rect">
+              <a:avLst/>
+            </a:prstGeom>
+            <a:solidFill>
+              <a:schemeClr val="accent2"/>
+            </a:solidFill>
+            <a:ln>
+              <a:noFill/>
+            </a:ln>
+            <a:effectLst/>
+          </p:spPr>
+          <p:style>
+            <a:lnRef idx="1">
+              <a:schemeClr val="accent1"/>
+            </a:lnRef>
+            <a:fillRef idx="3">
+              <a:schemeClr val="accent1"/>
+            </a:fillRef>
+            <a:effectRef idx="2">
+              <a:schemeClr val="accent1"/>
+            </a:effectRef>
+            <a:fontRef idx="minor">
+              <a:schemeClr val="lt1"/>
+            </a:fontRef>
+          </p:style>
+        </p:sp>
+      </p:grpSp>
+    </p:spTree>
+    <p:extLst>
+      <p:ext uri="{BB962C8B-B14F-4D97-AF65-F5344CB8AC3E}">
+        <p14:creationId xmlns:p14="http://schemas.microsoft.com/office/powerpoint/2010/main" val="1204616611"/>
+      </p:ext>
+    </p:extLst>
+  </p:cSld>
+  <p:clrMapOvr>
+    <a:masterClrMapping/>
+  </p:clrMapOvr>
+</p:sld>
+</file>
+
+<file path=ppt/slides/slide18.xml><?xml version="1.0" encoding="utf-8"?>
+<p:sld xmlns:a="http://schemas.openxmlformats.org/drawingml/2006/main" xmlns:r="http://schemas.openxmlformats.org/officeDocument/2006/relationships" xmlns:p="http://schemas.openxmlformats.org/presentationml/2006/main">
+  <p:cSld>
+    <p:bg>
+      <p:bgPr>
+        <a:solidFill>
+          <a:schemeClr val="bg1"/>
+        </a:solidFill>
+        <a:effectLst/>
+      </p:bgPr>
+    </p:bg>
+    <p:spTree>
+      <p:nvGrpSpPr>
+        <p:cNvPr id="1" name=""/>
+        <p:cNvGrpSpPr/>
+        <p:nvPr/>
+      </p:nvGrpSpPr>
+      <p:grpSpPr>
+        <a:xfrm>
+          <a:off x="0" y="0"/>
+          <a:ext cx="0" cy="0"/>
+          <a:chOff x="0" y="0"/>
+          <a:chExt cx="0" cy="0"/>
+        </a:xfrm>
+      </p:grpSpPr>
+      <p:sp>
+        <p:nvSpPr>
+          <p:cNvPr id="56" name="Rectangle 58">
+            <a:extLst>
+              <a:ext uri="{FF2B5EF4-FFF2-40B4-BE49-F238E27FC236}">
+                <a16:creationId xmlns:a16="http://schemas.microsoft.com/office/drawing/2014/main" id="{A078A52F-85EA-4C0B-962B-D9D9DD4DD78C}"/>
+              </a:ext>
+              <a:ext uri="{C183D7F6-B498-43B3-948B-1728B52AA6E4}">
+                <adec:decorative xmlns:adec="http://schemas.microsoft.com/office/drawing/2017/decorative" val="1"/>
+              </a:ext>
+            </a:extLst>
+          </p:cNvPr>
+          <p:cNvSpPr>
+            <a:spLocks noGrp="1" noRot="1" noChangeAspect="1" noMove="1" noResize="1" noEditPoints="1" noAdjustHandles="1" noChangeArrowheads="1" noChangeShapeType="1" noTextEdit="1"/>
+          </p:cNvSpPr>
+          <p:nvPr>
+            <p:extLst>
+              <p:ext uri="{386F3935-93C4-4BCD-93E2-E3B085C9AB24}">
+                <p16:designElem xmlns:p16="http://schemas.microsoft.com/office/powerpoint/2015/main" val="1"/>
+              </p:ext>
+            </p:extLst>
+          </p:nvPr>
+        </p:nvSpPr>
+        <p:spPr>
+          <a:xfrm>
+            <a:off x="446534" y="457200"/>
+            <a:ext cx="3703320" cy="94997"/>
+          </a:xfrm>
+          <a:prstGeom prst="rect">
+            <a:avLst/>
+          </a:prstGeom>
+          <a:solidFill>
+            <a:schemeClr val="accent1"/>
+          </a:solidFill>
+          <a:ln>
+            <a:noFill/>
+          </a:ln>
+          <a:effectLst/>
+        </p:spPr>
+        <p:style>
+          <a:lnRef idx="1">
+            <a:schemeClr val="accent1"/>
+          </a:lnRef>
+          <a:fillRef idx="3">
+            <a:schemeClr val="accent1"/>
+          </a:fillRef>
+          <a:effectRef idx="2">
+            <a:schemeClr val="accent1"/>
+          </a:effectRef>
+          <a:fontRef idx="minor">
+            <a:schemeClr val="lt1"/>
+          </a:fontRef>
+        </p:style>
+      </p:sp>
+      <p:sp>
+        <p:nvSpPr>
+          <p:cNvPr id="57" name="Rectangle 60">
+            <a:extLst>
+              <a:ext uri="{FF2B5EF4-FFF2-40B4-BE49-F238E27FC236}">
+                <a16:creationId xmlns:a16="http://schemas.microsoft.com/office/drawing/2014/main" id="{919797D5-5700-4683-B30A-5B4D56CB8270}"/>
+              </a:ext>
+              <a:ext uri="{C183D7F6-B498-43B3-948B-1728B52AA6E4}">
+                <adec:decorative xmlns:adec="http://schemas.microsoft.com/office/drawing/2017/decorative" val="1"/>
+              </a:ext>
+            </a:extLst>
+          </p:cNvPr>
+          <p:cNvSpPr>
+            <a:spLocks noGrp="1" noRot="1" noChangeAspect="1" noMove="1" noResize="1" noEditPoints="1" noAdjustHandles="1" noChangeArrowheads="1" noChangeShapeType="1" noTextEdit="1"/>
+          </p:cNvSpPr>
+          <p:nvPr>
+            <p:extLst>
+              <p:ext uri="{386F3935-93C4-4BCD-93E2-E3B085C9AB24}">
+                <p16:designElem xmlns:p16="http://schemas.microsoft.com/office/powerpoint/2015/main" val="1"/>
+              </p:ext>
+            </p:extLst>
+          </p:nvPr>
+        </p:nvSpPr>
+        <p:spPr>
+          <a:xfrm>
+            <a:off x="8042147" y="453643"/>
+            <a:ext cx="3703320" cy="98554"/>
+          </a:xfrm>
+          <a:prstGeom prst="rect">
+            <a:avLst/>
+          </a:prstGeom>
+          <a:solidFill>
+            <a:schemeClr val="accent4"/>
+          </a:solidFill>
+          <a:ln>
+            <a:noFill/>
+          </a:ln>
+          <a:effectLst/>
+        </p:spPr>
+        <p:style>
+          <a:lnRef idx="1">
+            <a:schemeClr val="accent1"/>
+          </a:lnRef>
+          <a:fillRef idx="3">
+            <a:schemeClr val="accent1"/>
+          </a:fillRef>
+          <a:effectRef idx="2">
+            <a:schemeClr val="accent1"/>
+          </a:effectRef>
+          <a:fontRef idx="minor">
+            <a:schemeClr val="lt1"/>
+          </a:fontRef>
+        </p:style>
+      </p:sp>
+      <p:sp>
+        <p:nvSpPr>
+          <p:cNvPr id="58" name="Rectangle 62">
+            <a:extLst>
+              <a:ext uri="{FF2B5EF4-FFF2-40B4-BE49-F238E27FC236}">
+                <a16:creationId xmlns:a16="http://schemas.microsoft.com/office/drawing/2014/main" id="{4856A7B9-9801-42EC-A4C9-7E22A56EF53D}"/>
+              </a:ext>
+              <a:ext uri="{C183D7F6-B498-43B3-948B-1728B52AA6E4}">
+                <adec:decorative xmlns:adec="http://schemas.microsoft.com/office/drawing/2017/decorative" val="1"/>
+              </a:ext>
+            </a:extLst>
+          </p:cNvPr>
+          <p:cNvSpPr>
+            <a:spLocks noGrp="1" noRot="1" noChangeAspect="1" noMove="1" noResize="1" noEditPoints="1" noAdjustHandles="1" noChangeArrowheads="1" noChangeShapeType="1" noTextEdit="1"/>
+          </p:cNvSpPr>
+          <p:nvPr>
+            <p:extLst>
+              <p:ext uri="{386F3935-93C4-4BCD-93E2-E3B085C9AB24}">
+                <p16:designElem xmlns:p16="http://schemas.microsoft.com/office/powerpoint/2015/main" val="1"/>
+              </p:ext>
+            </p:extLst>
+          </p:nvPr>
+        </p:nvSpPr>
+        <p:spPr>
+          <a:xfrm>
+            <a:off x="4241830" y="457200"/>
+            <a:ext cx="3703320" cy="91440"/>
+          </a:xfrm>
+          <a:prstGeom prst="rect">
+            <a:avLst/>
+          </a:prstGeom>
+          <a:solidFill>
+            <a:schemeClr val="accent2"/>
+          </a:solidFill>
+          <a:ln>
+            <a:noFill/>
+          </a:ln>
+          <a:effectLst/>
+        </p:spPr>
+        <p:style>
+          <a:lnRef idx="1">
+            <a:schemeClr val="accent1"/>
+          </a:lnRef>
+          <a:fillRef idx="3">
+            <a:schemeClr val="accent1"/>
+          </a:fillRef>
+          <a:effectRef idx="2">
+            <a:schemeClr val="accent1"/>
+          </a:effectRef>
+          <a:fontRef idx="minor">
+            <a:schemeClr val="lt1"/>
+          </a:fontRef>
+        </p:style>
+      </p:sp>
+      <p:sp>
+        <p:nvSpPr>
+          <p:cNvPr id="60" name="Rectangle 64">
+            <a:extLst>
+              <a:ext uri="{FF2B5EF4-FFF2-40B4-BE49-F238E27FC236}">
+                <a16:creationId xmlns:a16="http://schemas.microsoft.com/office/drawing/2014/main" id="{8AD54DB8-C150-4290-85D6-F5B0262BFEEF}"/>
+              </a:ext>
+              <a:ext uri="{C183D7F6-B498-43B3-948B-1728B52AA6E4}">
+                <adec:decorative xmlns:adec="http://schemas.microsoft.com/office/drawing/2017/decorative" val="1"/>
+              </a:ext>
+            </a:extLst>
+          </p:cNvPr>
+          <p:cNvSpPr>
+            <a:spLocks noGrp="1" noRot="1" noChangeAspect="1" noMove="1" noResize="1" noEditPoints="1" noAdjustHandles="1" noChangeArrowheads="1" noChangeShapeType="1" noTextEdit="1"/>
+          </p:cNvSpPr>
+          <p:nvPr>
+            <p:extLst>
+              <p:ext uri="{386F3935-93C4-4BCD-93E2-E3B085C9AB24}">
+                <p16:designElem xmlns:p16="http://schemas.microsoft.com/office/powerpoint/2015/main" val="1"/>
+              </p:ext>
+            </p:extLst>
+          </p:nvPr>
+        </p:nvSpPr>
+        <p:spPr>
+          <a:xfrm>
+            <a:off x="446534" y="3085765"/>
+            <a:ext cx="11262866" cy="3304800"/>
+          </a:xfrm>
+          <a:prstGeom prst="rect">
+            <a:avLst/>
+          </a:prstGeom>
+          <a:solidFill>
+            <a:schemeClr val="accent1"/>
+          </a:solidFill>
+          <a:ln>
+            <a:noFill/>
+          </a:ln>
+          <a:effectLst/>
+        </p:spPr>
+        <p:style>
+          <a:lnRef idx="1">
+            <a:schemeClr val="accent1"/>
+          </a:lnRef>
+          <a:fillRef idx="3">
+            <a:schemeClr val="accent1"/>
+          </a:fillRef>
+          <a:effectRef idx="2">
+            <a:schemeClr val="accent1"/>
+          </a:effectRef>
+          <a:fontRef idx="minor">
+            <a:schemeClr val="lt1"/>
+          </a:fontRef>
+        </p:style>
+      </p:sp>
+      <p:sp useBgFill="1">
+        <p:nvSpPr>
+          <p:cNvPr id="62" name="Rectangle 66">
+            <a:extLst>
+              <a:ext uri="{FF2B5EF4-FFF2-40B4-BE49-F238E27FC236}">
+                <a16:creationId xmlns:a16="http://schemas.microsoft.com/office/drawing/2014/main" id="{379F11E2-8BA5-4C5C-AE7C-361E5EA011FF}"/>
+              </a:ext>
+              <a:ext uri="{C183D7F6-B498-43B3-948B-1728B52AA6E4}">
+                <adec:decorative xmlns:adec="http://schemas.microsoft.com/office/drawing/2017/decorative" val="1"/>
+              </a:ext>
+            </a:extLst>
+          </p:cNvPr>
+          <p:cNvSpPr>
+            <a:spLocks noGrp="1" noRot="1" noChangeAspect="1" noMove="1" noResize="1" noEditPoints="1" noAdjustHandles="1" noChangeArrowheads="1" noChangeShapeType="1" noTextEdit="1"/>
+          </p:cNvSpPr>
+          <p:nvPr>
+            <p:extLst>
+              <p:ext uri="{386F3935-93C4-4BCD-93E2-E3B085C9AB24}">
+                <p16:designElem xmlns:p16="http://schemas.microsoft.com/office/powerpoint/2015/main" val="1"/>
+              </p:ext>
+            </p:extLst>
+          </p:nvPr>
+        </p:nvSpPr>
+        <p:spPr>
+          <a:xfrm>
+            <a:off x="0" y="1"/>
+            <a:ext cx="12191999" cy="6858000"/>
+          </a:xfrm>
+          <a:prstGeom prst="rect">
+            <a:avLst/>
+          </a:prstGeom>
+          <a:ln>
+            <a:noFill/>
+          </a:ln>
+        </p:spPr>
+        <p:style>
+          <a:lnRef idx="2">
+            <a:schemeClr val="accent1">
+              <a:shade val="50000"/>
+            </a:schemeClr>
+          </a:lnRef>
+          <a:fillRef idx="1">
+            <a:schemeClr val="accent1"/>
+          </a:fillRef>
+          <a:effectRef idx="0">
+            <a:schemeClr val="accent1"/>
+          </a:effectRef>
+          <a:fontRef idx="minor">
+            <a:schemeClr val="lt1"/>
+          </a:fontRef>
+        </p:style>
+        <p:txBody>
+          <a:bodyPr rtlCol="0" anchor="ctr"/>
+          <a:lstStyle/>
+          <a:p>
+            <a:pPr algn="ctr"/>
+            <a:endParaRPr lang="en-US"/>
+          </a:p>
+        </p:txBody>
+      </p:sp>
+      <p:pic>
+        <p:nvPicPr>
+          <p:cNvPr id="5" name="Picture 6" descr="A close up of a logo&#10;&#10;Description generated with very high confidence">
+            <a:extLst>
+              <a:ext uri="{FF2B5EF4-FFF2-40B4-BE49-F238E27FC236}">
+                <a16:creationId xmlns:a16="http://schemas.microsoft.com/office/drawing/2014/main" id="{681DF38B-9ED5-408E-9251-A001B35E97E2}"/>
+              </a:ext>
+            </a:extLst>
+          </p:cNvPr>
+          <p:cNvPicPr>
+            <a:picLocks noGrp="1" noChangeAspect="1"/>
+          </p:cNvPicPr>
+          <p:nvPr>
+            <p:ph idx="1"/>
+          </p:nvPr>
+        </p:nvPicPr>
+        <p:blipFill rotWithShape="1">
+          <a:blip r:embed="rId2"/>
+          <a:srcRect r="934" b="1"/>
+          <a:stretch/>
+        </p:blipFill>
+        <p:spPr>
+          <a:xfrm>
+            <a:off x="446534" y="723899"/>
+            <a:ext cx="7498616" cy="5676901"/>
+          </a:xfrm>
+          <a:prstGeom prst="rect">
+            <a:avLst/>
+          </a:prstGeom>
+        </p:spPr>
+      </p:pic>
+      <p:sp>
+        <p:nvSpPr>
+          <p:cNvPr id="64" name="Rectangle 68">
+            <a:extLst>
+              <a:ext uri="{FF2B5EF4-FFF2-40B4-BE49-F238E27FC236}">
+                <a16:creationId xmlns:a16="http://schemas.microsoft.com/office/drawing/2014/main" id="{7C00E1DA-EC7C-40FC-95E3-11FDCD2E4291}"/>
+              </a:ext>
+              <a:ext uri="{C183D7F6-B498-43B3-948B-1728B52AA6E4}">
+                <adec:decorative xmlns:adec="http://schemas.microsoft.com/office/drawing/2017/decorative" val="1"/>
+              </a:ext>
+            </a:extLst>
+          </p:cNvPr>
+          <p:cNvSpPr>
+            <a:spLocks noGrp="1" noRot="1" noChangeAspect="1" noMove="1" noResize="1" noEditPoints="1" noAdjustHandles="1" noChangeArrowheads="1" noChangeShapeType="1" noTextEdit="1"/>
+          </p:cNvSpPr>
+          <p:nvPr>
+            <p:extLst>
+              <p:ext uri="{386F3935-93C4-4BCD-93E2-E3B085C9AB24}">
+                <p16:designElem xmlns:p16="http://schemas.microsoft.com/office/powerpoint/2015/main" val="1"/>
+              </p:ext>
+            </p:extLst>
+          </p:nvPr>
+        </p:nvSpPr>
+        <p:spPr>
+          <a:xfrm>
+            <a:off x="8042147" y="723899"/>
+            <a:ext cx="3703320" cy="5666666"/>
+          </a:xfrm>
+          <a:prstGeom prst="rect">
+            <a:avLst/>
+          </a:prstGeom>
+          <a:solidFill>
+            <a:schemeClr val="accent1"/>
+          </a:solidFill>
+          <a:ln>
+            <a:noFill/>
+          </a:ln>
+          <a:effectLst/>
+        </p:spPr>
+        <p:style>
+          <a:lnRef idx="1">
+            <a:schemeClr val="accent1"/>
+          </a:lnRef>
+          <a:fillRef idx="3">
+            <a:schemeClr val="accent1"/>
+          </a:fillRef>
+          <a:effectRef idx="2">
+            <a:schemeClr val="accent1"/>
+          </a:effectRef>
+          <a:fontRef idx="minor">
+            <a:schemeClr val="lt1"/>
+          </a:fontRef>
+        </p:style>
+      </p:sp>
+      <p:sp>
+        <p:nvSpPr>
+          <p:cNvPr id="2" name="Title 1">
+            <a:extLst>
+              <a:ext uri="{FF2B5EF4-FFF2-40B4-BE49-F238E27FC236}">
+                <a16:creationId xmlns:a16="http://schemas.microsoft.com/office/drawing/2014/main" id="{759A7E26-C444-4DE0-A1E3-48B229F69804}"/>
+              </a:ext>
+            </a:extLst>
+          </p:cNvPr>
+          <p:cNvSpPr>
+            <a:spLocks noGrp="1"/>
+          </p:cNvSpPr>
+          <p:nvPr>
+            <p:ph type="title"/>
+          </p:nvPr>
+        </p:nvSpPr>
+        <p:spPr>
+          <a:xfrm>
+            <a:off x="8296275" y="1419225"/>
+            <a:ext cx="3081576" cy="2085869"/>
+          </a:xfrm>
+        </p:spPr>
+        <p:txBody>
+          <a:bodyPr vert="horz" lIns="91440" tIns="45720" rIns="91440" bIns="45720" rtlCol="0" anchor="b">
+            <a:normAutofit/>
+          </a:bodyPr>
+          <a:lstStyle/>
+          <a:p>
+            <a:pPr>
+              <a:lnSpc>
+                <a:spcPct val="90000"/>
+              </a:lnSpc>
+            </a:pPr>
+            <a:r>
+              <a:rPr lang="en-US" sz="3600">
+                <a:solidFill>
+                  <a:srgbClr val="FFFFFF"/>
+                </a:solidFill>
+              </a:rPr>
+              <a:t>Results</a:t>
+            </a:r>
+            <a:br>
+              <a:rPr lang="en-US" sz="3600" dirty="0">
+                <a:solidFill>
+                  <a:srgbClr val="FFFFFF"/>
+                </a:solidFill>
+              </a:rPr>
+            </a:br>
+            <a:r>
+              <a:rPr lang="en-US" sz="3600">
+                <a:solidFill>
+                  <a:srgbClr val="FFFFFF"/>
+                </a:solidFill>
+              </a:rPr>
+              <a:t>with gradual drift</a:t>
+            </a:r>
+          </a:p>
+        </p:txBody>
+      </p:sp>
+      <p:grpSp>
+        <p:nvGrpSpPr>
+          <p:cNvPr id="66" name="Group 70">
+            <a:extLst>
+              <a:ext uri="{FF2B5EF4-FFF2-40B4-BE49-F238E27FC236}">
+                <a16:creationId xmlns:a16="http://schemas.microsoft.com/office/drawing/2014/main" id="{9A421166-2996-41A7-B094-AE5316F347DD}"/>
+              </a:ext>
+              <a:ext uri="{C183D7F6-B498-43B3-948B-1728B52AA6E4}">
+                <adec:decorative xmlns:adec="http://schemas.microsoft.com/office/drawing/2017/decorative" val="1"/>
+              </a:ext>
+            </a:extLst>
+          </p:cNvPr>
+          <p:cNvGrpSpPr>
+            <a:grpSpLocks noGrp="1" noUngrp="1" noRot="1" noChangeAspect="1" noMove="1" noResize="1"/>
+          </p:cNvGrpSpPr>
+          <p:nvPr>
+            <p:extLst>
+              <p:ext uri="{386F3935-93C4-4BCD-93E2-E3B085C9AB24}">
+                <p16:designElem xmlns:p16="http://schemas.microsoft.com/office/powerpoint/2015/main" val="1"/>
+              </p:ext>
+            </p:extLst>
+          </p:nvPr>
+        </p:nvGrpSpPr>
+        <p:grpSpPr>
+          <a:xfrm>
+            <a:off x="446534" y="453643"/>
+            <a:ext cx="11298933" cy="98554"/>
+            <a:chOff x="446534" y="453643"/>
+            <a:chExt cx="11298933" cy="98554"/>
+          </a:xfrm>
+        </p:grpSpPr>
+        <p:sp>
+          <p:nvSpPr>
+            <p:cNvPr id="72" name="Rectangle 71">
+              <a:extLst>
+                <a:ext uri="{FF2B5EF4-FFF2-40B4-BE49-F238E27FC236}">
+                  <a16:creationId xmlns:a16="http://schemas.microsoft.com/office/drawing/2014/main" id="{FDBB1B92-A3EB-43E4-8FAB-D20E8ED14CEF}"/>
+                </a:ext>
+                <a:ext uri="{C183D7F6-B498-43B3-948B-1728B52AA6E4}">
+                  <adec:decorative xmlns:adec="http://schemas.microsoft.com/office/drawing/2017/decorative" val="1"/>
+                </a:ext>
+              </a:extLst>
+            </p:cNvPr>
+            <p:cNvSpPr/>
+            <p:nvPr>
+              <p:extLst>
+                <p:ext uri="{386F3935-93C4-4BCD-93E2-E3B085C9AB24}">
+                  <p16:designElem xmlns:p16="http://schemas.microsoft.com/office/powerpoint/2015/main" val="1"/>
+                </p:ext>
+              </p:extLst>
+            </p:nvPr>
+          </p:nvSpPr>
+          <p:spPr>
+            <a:xfrm>
+              <a:off x="446534" y="457200"/>
+              <a:ext cx="3703320" cy="94997"/>
+            </a:xfrm>
+            <a:prstGeom prst="rect">
+              <a:avLst/>
+            </a:prstGeom>
+            <a:solidFill>
+              <a:schemeClr val="accent1"/>
+            </a:solidFill>
+            <a:ln>
+              <a:noFill/>
+            </a:ln>
+            <a:effectLst/>
+          </p:spPr>
+          <p:style>
+            <a:lnRef idx="1">
+              <a:schemeClr val="accent1"/>
+            </a:lnRef>
+            <a:fillRef idx="3">
+              <a:schemeClr val="accent1"/>
+            </a:fillRef>
+            <a:effectRef idx="2">
+              <a:schemeClr val="accent1"/>
+            </a:effectRef>
+            <a:fontRef idx="minor">
+              <a:schemeClr val="lt1"/>
+            </a:fontRef>
+          </p:style>
+        </p:sp>
+        <p:sp>
+          <p:nvSpPr>
+            <p:cNvPr id="68" name="Rectangle 72">
+              <a:extLst>
+                <a:ext uri="{FF2B5EF4-FFF2-40B4-BE49-F238E27FC236}">
+                  <a16:creationId xmlns:a16="http://schemas.microsoft.com/office/drawing/2014/main" id="{3F3972F4-FE7E-48EA-AAD8-9BE5750A6672}"/>
+                </a:ext>
+                <a:ext uri="{C183D7F6-B498-43B3-948B-1728B52AA6E4}">
+                  <adec:decorative xmlns:adec="http://schemas.microsoft.com/office/drawing/2017/decorative" val="1"/>
+                </a:ext>
+              </a:extLst>
+            </p:cNvPr>
+            <p:cNvSpPr/>
+            <p:nvPr>
+              <p:extLst>
+                <p:ext uri="{386F3935-93C4-4BCD-93E2-E3B085C9AB24}">
+                  <p16:designElem xmlns:p16="http://schemas.microsoft.com/office/powerpoint/2015/main" val="1"/>
+                </p:ext>
+              </p:extLst>
+            </p:nvPr>
+          </p:nvSpPr>
+          <p:spPr>
+            <a:xfrm>
+              <a:off x="8042147" y="453643"/>
+              <a:ext cx="3703320" cy="98554"/>
+            </a:xfrm>
+            <a:prstGeom prst="rect">
+              <a:avLst/>
+            </a:prstGeom>
+            <a:solidFill>
+              <a:schemeClr val="accent4"/>
+            </a:solidFill>
+            <a:ln>
+              <a:noFill/>
+            </a:ln>
+            <a:effectLst/>
+          </p:spPr>
+          <p:style>
+            <a:lnRef idx="1">
+              <a:schemeClr val="accent1"/>
+            </a:lnRef>
+            <a:fillRef idx="3">
+              <a:schemeClr val="accent1"/>
+            </a:fillRef>
+            <a:effectRef idx="2">
+              <a:schemeClr val="accent1"/>
+            </a:effectRef>
+            <a:fontRef idx="minor">
+              <a:schemeClr val="lt1"/>
+            </a:fontRef>
+          </p:style>
+        </p:sp>
+        <p:sp>
+          <p:nvSpPr>
+            <p:cNvPr id="74" name="Rectangle 73">
+              <a:extLst>
+                <a:ext uri="{FF2B5EF4-FFF2-40B4-BE49-F238E27FC236}">
+                  <a16:creationId xmlns:a16="http://schemas.microsoft.com/office/drawing/2014/main" id="{221614E5-870B-4D5E-A43B-8FF7E5323484}"/>
+                </a:ext>
+                <a:ext uri="{C183D7F6-B498-43B3-948B-1728B52AA6E4}">
+                  <adec:decorative xmlns:adec="http://schemas.microsoft.com/office/drawing/2017/decorative" val="1"/>
+                </a:ext>
+              </a:extLst>
+            </p:cNvPr>
+            <p:cNvSpPr/>
+            <p:nvPr>
+              <p:extLst>
+                <p:ext uri="{386F3935-93C4-4BCD-93E2-E3B085C9AB24}">
+                  <p16:designElem xmlns:p16="http://schemas.microsoft.com/office/powerpoint/2015/main" val="1"/>
+                </p:ext>
+              </p:extLst>
+            </p:nvPr>
+          </p:nvSpPr>
+          <p:spPr>
+            <a:xfrm>
+              <a:off x="4241830" y="457200"/>
+              <a:ext cx="3703320" cy="91440"/>
+            </a:xfrm>
+            <a:prstGeom prst="rect">
+              <a:avLst/>
+            </a:prstGeom>
+            <a:solidFill>
+              <a:schemeClr val="accent2"/>
+            </a:solidFill>
+            <a:ln>
+              <a:noFill/>
+            </a:ln>
+            <a:effectLst/>
+          </p:spPr>
+          <p:style>
+            <a:lnRef idx="1">
+              <a:schemeClr val="accent1"/>
+            </a:lnRef>
+            <a:fillRef idx="3">
+              <a:schemeClr val="accent1"/>
+            </a:fillRef>
+            <a:effectRef idx="2">
+              <a:schemeClr val="accent1"/>
+            </a:effectRef>
+            <a:fontRef idx="minor">
+              <a:schemeClr val="lt1"/>
+            </a:fontRef>
+          </p:style>
+        </p:sp>
+      </p:grpSp>
+    </p:spTree>
+    <p:extLst>
+      <p:ext uri="{BB962C8B-B14F-4D97-AF65-F5344CB8AC3E}">
+        <p14:creationId xmlns:p14="http://schemas.microsoft.com/office/powerpoint/2010/main" val="186129712"/>
+      </p:ext>
+    </p:extLst>
+  </p:cSld>
+  <p:clrMapOvr>
+    <a:masterClrMapping/>
+  </p:clrMapOvr>
+</p:sld>
+</file>
+
+<file path=ppt/slides/slide19.xml><?xml version="1.0" encoding="utf-8"?>
+<p:sld xmlns:a="http://schemas.openxmlformats.org/drawingml/2006/main" xmlns:r="http://schemas.openxmlformats.org/officeDocument/2006/relationships" xmlns:p="http://schemas.openxmlformats.org/presentationml/2006/main">
+  <p:cSld>
+    <p:bg>
+      <p:bgPr>
+        <a:solidFill>
+          <a:schemeClr val="bg1"/>
+        </a:solidFill>
+        <a:effectLst/>
+      </p:bgPr>
+    </p:bg>
+    <p:spTree>
+      <p:nvGrpSpPr>
+        <p:cNvPr id="1" name=""/>
+        <p:cNvGrpSpPr/>
+        <p:nvPr/>
+      </p:nvGrpSpPr>
+      <p:grpSpPr>
+        <a:xfrm>
+          <a:off x="0" y="0"/>
+          <a:ext cx="0" cy="0"/>
+          <a:chOff x="0" y="0"/>
+          <a:chExt cx="0" cy="0"/>
+        </a:xfrm>
+      </p:grpSpPr>
+      <p:sp>
+        <p:nvSpPr>
+          <p:cNvPr id="29" name="Rectangle 28">
+            <a:extLst>
+              <a:ext uri="{FF2B5EF4-FFF2-40B4-BE49-F238E27FC236}">
+                <a16:creationId xmlns:a16="http://schemas.microsoft.com/office/drawing/2014/main" id="{A078A52F-85EA-4C0B-962B-D9D9DD4DD78C}"/>
+              </a:ext>
+              <a:ext uri="{C183D7F6-B498-43B3-948B-1728B52AA6E4}">
+                <adec:decorative xmlns:adec="http://schemas.microsoft.com/office/drawing/2017/decorative" val="1"/>
+              </a:ext>
+            </a:extLst>
+          </p:cNvPr>
+          <p:cNvSpPr>
+            <a:spLocks noGrp="1" noRot="1" noChangeAspect="1" noMove="1" noResize="1" noEditPoints="1" noAdjustHandles="1" noChangeArrowheads="1" noChangeShapeType="1" noTextEdit="1"/>
+          </p:cNvSpPr>
+          <p:nvPr>
+            <p:extLst>
+              <p:ext uri="{386F3935-93C4-4BCD-93E2-E3B085C9AB24}">
+                <p16:designElem xmlns:p16="http://schemas.microsoft.com/office/powerpoint/2015/main" val="1"/>
+              </p:ext>
+            </p:extLst>
+          </p:nvPr>
+        </p:nvSpPr>
+        <p:spPr>
+          <a:xfrm>
+            <a:off x="446534" y="457200"/>
+            <a:ext cx="3703320" cy="94997"/>
+          </a:xfrm>
+          <a:prstGeom prst="rect">
+            <a:avLst/>
+          </a:prstGeom>
+          <a:solidFill>
+            <a:schemeClr val="accent1"/>
+          </a:solidFill>
+          <a:ln>
+            <a:noFill/>
+          </a:ln>
+          <a:effectLst/>
+        </p:spPr>
+        <p:style>
+          <a:lnRef idx="1">
+            <a:schemeClr val="accent1"/>
+          </a:lnRef>
+          <a:fillRef idx="3">
+            <a:schemeClr val="accent1"/>
+          </a:fillRef>
+          <a:effectRef idx="2">
+            <a:schemeClr val="accent1"/>
+          </a:effectRef>
+          <a:fontRef idx="minor">
+            <a:schemeClr val="lt1"/>
+          </a:fontRef>
+        </p:style>
+      </p:sp>
+      <p:sp>
+        <p:nvSpPr>
+          <p:cNvPr id="31" name="Rectangle 30">
+            <a:extLst>
+              <a:ext uri="{FF2B5EF4-FFF2-40B4-BE49-F238E27FC236}">
+                <a16:creationId xmlns:a16="http://schemas.microsoft.com/office/drawing/2014/main" id="{919797D5-5700-4683-B30A-5B4D56CB8270}"/>
+              </a:ext>
+              <a:ext uri="{C183D7F6-B498-43B3-948B-1728B52AA6E4}">
+                <adec:decorative xmlns:adec="http://schemas.microsoft.com/office/drawing/2017/decorative" val="1"/>
+              </a:ext>
+            </a:extLst>
+          </p:cNvPr>
+          <p:cNvSpPr>
+            <a:spLocks noGrp="1" noRot="1" noChangeAspect="1" noMove="1" noResize="1" noEditPoints="1" noAdjustHandles="1" noChangeArrowheads="1" noChangeShapeType="1" noTextEdit="1"/>
+          </p:cNvSpPr>
+          <p:nvPr>
+            <p:extLst>
+              <p:ext uri="{386F3935-93C4-4BCD-93E2-E3B085C9AB24}">
+                <p16:designElem xmlns:p16="http://schemas.microsoft.com/office/powerpoint/2015/main" val="1"/>
+              </p:ext>
+            </p:extLst>
+          </p:nvPr>
+        </p:nvSpPr>
+        <p:spPr>
+          <a:xfrm>
+            <a:off x="8042147" y="453643"/>
+            <a:ext cx="3703320" cy="98554"/>
+          </a:xfrm>
+          <a:prstGeom prst="rect">
+            <a:avLst/>
+          </a:prstGeom>
+          <a:solidFill>
+            <a:schemeClr val="accent4"/>
+          </a:solidFill>
+          <a:ln>
+            <a:noFill/>
+          </a:ln>
+          <a:effectLst/>
+        </p:spPr>
+        <p:style>
+          <a:lnRef idx="1">
+            <a:schemeClr val="accent1"/>
+          </a:lnRef>
+          <a:fillRef idx="3">
+            <a:schemeClr val="accent1"/>
+          </a:fillRef>
+          <a:effectRef idx="2">
+            <a:schemeClr val="accent1"/>
+          </a:effectRef>
+          <a:fontRef idx="minor">
+            <a:schemeClr val="lt1"/>
+          </a:fontRef>
+        </p:style>
+      </p:sp>
+      <p:sp>
+        <p:nvSpPr>
+          <p:cNvPr id="33" name="Rectangle 32">
+            <a:extLst>
+              <a:ext uri="{FF2B5EF4-FFF2-40B4-BE49-F238E27FC236}">
+                <a16:creationId xmlns:a16="http://schemas.microsoft.com/office/drawing/2014/main" id="{4856A7B9-9801-42EC-A4C9-7E22A56EF53D}"/>
+              </a:ext>
+              <a:ext uri="{C183D7F6-B498-43B3-948B-1728B52AA6E4}">
+                <adec:decorative xmlns:adec="http://schemas.microsoft.com/office/drawing/2017/decorative" val="1"/>
+              </a:ext>
+            </a:extLst>
+          </p:cNvPr>
+          <p:cNvSpPr>
+            <a:spLocks noGrp="1" noRot="1" noChangeAspect="1" noMove="1" noResize="1" noEditPoints="1" noAdjustHandles="1" noChangeArrowheads="1" noChangeShapeType="1" noTextEdit="1"/>
+          </p:cNvSpPr>
+          <p:nvPr>
+            <p:extLst>
+              <p:ext uri="{386F3935-93C4-4BCD-93E2-E3B085C9AB24}">
+                <p16:designElem xmlns:p16="http://schemas.microsoft.com/office/powerpoint/2015/main" val="1"/>
+              </p:ext>
+            </p:extLst>
+          </p:nvPr>
+        </p:nvSpPr>
+        <p:spPr>
+          <a:xfrm>
+            <a:off x="4241830" y="457200"/>
+            <a:ext cx="3703320" cy="91440"/>
+          </a:xfrm>
+          <a:prstGeom prst="rect">
+            <a:avLst/>
+          </a:prstGeom>
+          <a:solidFill>
+            <a:schemeClr val="accent2"/>
+          </a:solidFill>
+          <a:ln>
+            <a:noFill/>
+          </a:ln>
+          <a:effectLst/>
+        </p:spPr>
+        <p:style>
+          <a:lnRef idx="1">
+            <a:schemeClr val="accent1"/>
+          </a:lnRef>
+          <a:fillRef idx="3">
+            <a:schemeClr val="accent1"/>
+          </a:fillRef>
+          <a:effectRef idx="2">
+            <a:schemeClr val="accent1"/>
+          </a:effectRef>
+          <a:fontRef idx="minor">
+            <a:schemeClr val="lt1"/>
+          </a:fontRef>
+        </p:style>
+      </p:sp>
+      <p:sp>
+        <p:nvSpPr>
+          <p:cNvPr id="35" name="Rectangle 34">
+            <a:extLst>
+              <a:ext uri="{FF2B5EF4-FFF2-40B4-BE49-F238E27FC236}">
+                <a16:creationId xmlns:a16="http://schemas.microsoft.com/office/drawing/2014/main" id="{8AD54DB8-C150-4290-85D6-F5B0262BFEEF}"/>
+              </a:ext>
+              <a:ext uri="{C183D7F6-B498-43B3-948B-1728B52AA6E4}">
+                <adec:decorative xmlns:adec="http://schemas.microsoft.com/office/drawing/2017/decorative" val="1"/>
+              </a:ext>
+            </a:extLst>
+          </p:cNvPr>
+          <p:cNvSpPr>
+            <a:spLocks noGrp="1" noRot="1" noChangeAspect="1" noMove="1" noResize="1" noEditPoints="1" noAdjustHandles="1" noChangeArrowheads="1" noChangeShapeType="1" noTextEdit="1"/>
+          </p:cNvSpPr>
+          <p:nvPr>
+            <p:extLst>
+              <p:ext uri="{386F3935-93C4-4BCD-93E2-E3B085C9AB24}">
+                <p16:designElem xmlns:p16="http://schemas.microsoft.com/office/powerpoint/2015/main" val="1"/>
+              </p:ext>
+            </p:extLst>
+          </p:nvPr>
+        </p:nvSpPr>
+        <p:spPr>
+          <a:xfrm>
+            <a:off x="446534" y="3085765"/>
+            <a:ext cx="11262866" cy="3304800"/>
+          </a:xfrm>
+          <a:prstGeom prst="rect">
+            <a:avLst/>
+          </a:prstGeom>
+          <a:solidFill>
+            <a:schemeClr val="accent1"/>
+          </a:solidFill>
+          <a:ln>
+            <a:noFill/>
+          </a:ln>
+          <a:effectLst/>
+        </p:spPr>
+        <p:style>
+          <a:lnRef idx="1">
+            <a:schemeClr val="accent1"/>
+          </a:lnRef>
+          <a:fillRef idx="3">
+            <a:schemeClr val="accent1"/>
+          </a:fillRef>
+          <a:effectRef idx="2">
+            <a:schemeClr val="accent1"/>
+          </a:effectRef>
+          <a:fontRef idx="minor">
+            <a:schemeClr val="lt1"/>
+          </a:fontRef>
+        </p:style>
+      </p:sp>
+      <p:sp useBgFill="1">
+        <p:nvSpPr>
+          <p:cNvPr id="37" name="Rectangle 36">
+            <a:extLst>
+              <a:ext uri="{FF2B5EF4-FFF2-40B4-BE49-F238E27FC236}">
+                <a16:creationId xmlns:a16="http://schemas.microsoft.com/office/drawing/2014/main" id="{379F11E2-8BA5-4C5C-AE7C-361E5EA011FF}"/>
+              </a:ext>
+              <a:ext uri="{C183D7F6-B498-43B3-948B-1728B52AA6E4}">
+                <adec:decorative xmlns:adec="http://schemas.microsoft.com/office/drawing/2017/decorative" val="1"/>
+              </a:ext>
+            </a:extLst>
+          </p:cNvPr>
+          <p:cNvSpPr>
+            <a:spLocks noGrp="1" noRot="1" noChangeAspect="1" noMove="1" noResize="1" noEditPoints="1" noAdjustHandles="1" noChangeArrowheads="1" noChangeShapeType="1" noTextEdit="1"/>
+          </p:cNvSpPr>
+          <p:nvPr>
+            <p:extLst>
+              <p:ext uri="{386F3935-93C4-4BCD-93E2-E3B085C9AB24}">
+                <p16:designElem xmlns:p16="http://schemas.microsoft.com/office/powerpoint/2015/main" val="1"/>
+              </p:ext>
+            </p:extLst>
+          </p:nvPr>
+        </p:nvSpPr>
+        <p:spPr>
+          <a:xfrm>
+            <a:off x="0" y="1"/>
+            <a:ext cx="12191999" cy="6858000"/>
+          </a:xfrm>
+          <a:prstGeom prst="rect">
+            <a:avLst/>
+          </a:prstGeom>
+          <a:ln>
+            <a:noFill/>
+          </a:ln>
+        </p:spPr>
+        <p:style>
+          <a:lnRef idx="2">
+            <a:schemeClr val="accent1">
+              <a:shade val="50000"/>
+            </a:schemeClr>
+          </a:lnRef>
+          <a:fillRef idx="1">
+            <a:schemeClr val="accent1"/>
+          </a:fillRef>
+          <a:effectRef idx="0">
+            <a:schemeClr val="accent1"/>
+          </a:effectRef>
+          <a:fontRef idx="minor">
+            <a:schemeClr val="lt1"/>
+          </a:fontRef>
+        </p:style>
+        <p:txBody>
+          <a:bodyPr rtlCol="0" anchor="ctr"/>
+          <a:lstStyle/>
+          <a:p>
+            <a:pPr algn="ctr"/>
+            <a:endParaRPr lang="en-US"/>
+          </a:p>
+        </p:txBody>
+      </p:sp>
+      <p:pic>
+        <p:nvPicPr>
+          <p:cNvPr id="6" name="Picture 6" descr="A screenshot of a cell phone&#10;&#10;Description generated with very high confidence">
+            <a:extLst>
+              <a:ext uri="{FF2B5EF4-FFF2-40B4-BE49-F238E27FC236}">
+                <a16:creationId xmlns:a16="http://schemas.microsoft.com/office/drawing/2014/main" id="{A72B133E-6E3C-4964-9F69-2778E500EB3D}"/>
+              </a:ext>
+            </a:extLst>
+          </p:cNvPr>
+          <p:cNvPicPr>
+            <a:picLocks noGrp="1" noChangeAspect="1"/>
+          </p:cNvPicPr>
+          <p:nvPr>
+            <p:ph idx="1"/>
+          </p:nvPr>
+        </p:nvPicPr>
+        <p:blipFill rotWithShape="1">
+          <a:blip r:embed="rId2"/>
+          <a:srcRect l="933"/>
+          <a:stretch/>
+        </p:blipFill>
+        <p:spPr>
+          <a:xfrm>
+            <a:off x="446534" y="723899"/>
+            <a:ext cx="7498616" cy="5676901"/>
+          </a:xfrm>
+          <a:prstGeom prst="rect">
+            <a:avLst/>
+          </a:prstGeom>
+        </p:spPr>
+      </p:pic>
+      <p:sp>
+        <p:nvSpPr>
+          <p:cNvPr id="39" name="Rectangle 38">
+            <a:extLst>
+              <a:ext uri="{FF2B5EF4-FFF2-40B4-BE49-F238E27FC236}">
+                <a16:creationId xmlns:a16="http://schemas.microsoft.com/office/drawing/2014/main" id="{7C00E1DA-EC7C-40FC-95E3-11FDCD2E4291}"/>
+              </a:ext>
+              <a:ext uri="{C183D7F6-B498-43B3-948B-1728B52AA6E4}">
+                <adec:decorative xmlns:adec="http://schemas.microsoft.com/office/drawing/2017/decorative" val="1"/>
+              </a:ext>
+            </a:extLst>
+          </p:cNvPr>
+          <p:cNvSpPr>
+            <a:spLocks noGrp="1" noRot="1" noChangeAspect="1" noMove="1" noResize="1" noEditPoints="1" noAdjustHandles="1" noChangeArrowheads="1" noChangeShapeType="1" noTextEdit="1"/>
+          </p:cNvSpPr>
+          <p:nvPr>
+            <p:extLst>
+              <p:ext uri="{386F3935-93C4-4BCD-93E2-E3B085C9AB24}">
+                <p16:designElem xmlns:p16="http://schemas.microsoft.com/office/powerpoint/2015/main" val="1"/>
+              </p:ext>
+            </p:extLst>
+          </p:nvPr>
+        </p:nvSpPr>
+        <p:spPr>
+          <a:xfrm>
+            <a:off x="8042147" y="723899"/>
+            <a:ext cx="3703320" cy="5666666"/>
+          </a:xfrm>
+          <a:prstGeom prst="rect">
+            <a:avLst/>
+          </a:prstGeom>
+          <a:solidFill>
+            <a:schemeClr val="accent1"/>
+          </a:solidFill>
+          <a:ln>
+            <a:noFill/>
+          </a:ln>
+          <a:effectLst/>
+        </p:spPr>
+        <p:style>
+          <a:lnRef idx="1">
+            <a:schemeClr val="accent1"/>
+          </a:lnRef>
+          <a:fillRef idx="3">
+            <a:schemeClr val="accent1"/>
+          </a:fillRef>
+          <a:effectRef idx="2">
+            <a:schemeClr val="accent1"/>
+          </a:effectRef>
+          <a:fontRef idx="minor">
+            <a:schemeClr val="lt1"/>
+          </a:fontRef>
+        </p:style>
+      </p:sp>
+      <p:sp>
+        <p:nvSpPr>
+          <p:cNvPr id="2" name="Title 1">
+            <a:extLst>
+              <a:ext uri="{FF2B5EF4-FFF2-40B4-BE49-F238E27FC236}">
+                <a16:creationId xmlns:a16="http://schemas.microsoft.com/office/drawing/2014/main" id="{90143ADB-D332-4D6D-82CE-702463EA5553}"/>
+              </a:ext>
+            </a:extLst>
+          </p:cNvPr>
+          <p:cNvSpPr>
+            <a:spLocks noGrp="1"/>
+          </p:cNvSpPr>
+          <p:nvPr>
+            <p:ph type="title"/>
+          </p:nvPr>
+        </p:nvSpPr>
+        <p:spPr>
+          <a:xfrm>
+            <a:off x="8296275" y="1419225"/>
+            <a:ext cx="3081576" cy="2085869"/>
+          </a:xfrm>
+        </p:spPr>
+        <p:txBody>
+          <a:bodyPr vert="horz" lIns="91440" tIns="45720" rIns="91440" bIns="45720" rtlCol="0" anchor="b">
+            <a:normAutofit/>
+          </a:bodyPr>
+          <a:lstStyle/>
+          <a:p>
+            <a:pPr>
+              <a:lnSpc>
+                <a:spcPct val="90000"/>
+              </a:lnSpc>
+            </a:pPr>
+            <a:r>
+              <a:rPr lang="en-US" sz="3600">
+                <a:solidFill>
+                  <a:srgbClr val="FFFFFF"/>
+                </a:solidFill>
+              </a:rPr>
+              <a:t>Results with sudden drift</a:t>
+            </a:r>
+          </a:p>
+        </p:txBody>
+      </p:sp>
+      <p:grpSp>
+        <p:nvGrpSpPr>
+          <p:cNvPr id="41" name="Group 40">
+            <a:extLst>
+              <a:ext uri="{FF2B5EF4-FFF2-40B4-BE49-F238E27FC236}">
+                <a16:creationId xmlns:a16="http://schemas.microsoft.com/office/drawing/2014/main" id="{9A421166-2996-41A7-B094-AE5316F347DD}"/>
+              </a:ext>
+              <a:ext uri="{C183D7F6-B498-43B3-948B-1728B52AA6E4}">
+                <adec:decorative xmlns:adec="http://schemas.microsoft.com/office/drawing/2017/decorative" val="1"/>
+              </a:ext>
+            </a:extLst>
+          </p:cNvPr>
+          <p:cNvGrpSpPr>
+            <a:grpSpLocks noGrp="1" noUngrp="1" noRot="1" noChangeAspect="1" noMove="1" noResize="1"/>
+          </p:cNvGrpSpPr>
+          <p:nvPr>
+            <p:extLst>
+              <p:ext uri="{386F3935-93C4-4BCD-93E2-E3B085C9AB24}">
+                <p16:designElem xmlns:p16="http://schemas.microsoft.com/office/powerpoint/2015/main" val="1"/>
+              </p:ext>
+            </p:extLst>
+          </p:nvPr>
+        </p:nvGrpSpPr>
+        <p:grpSpPr>
+          <a:xfrm>
+            <a:off x="446534" y="453643"/>
+            <a:ext cx="11298933" cy="98554"/>
+            <a:chOff x="446534" y="453643"/>
+            <a:chExt cx="11298933" cy="98554"/>
+          </a:xfrm>
+        </p:grpSpPr>
+        <p:sp>
+          <p:nvSpPr>
+            <p:cNvPr id="42" name="Rectangle 41">
+              <a:extLst>
+                <a:ext uri="{FF2B5EF4-FFF2-40B4-BE49-F238E27FC236}">
+                  <a16:creationId xmlns:a16="http://schemas.microsoft.com/office/drawing/2014/main" id="{FDBB1B92-A3EB-43E4-8FAB-D20E8ED14CEF}"/>
+                </a:ext>
+                <a:ext uri="{C183D7F6-B498-43B3-948B-1728B52AA6E4}">
+                  <adec:decorative xmlns:adec="http://schemas.microsoft.com/office/drawing/2017/decorative" val="1"/>
+                </a:ext>
+              </a:extLst>
+            </p:cNvPr>
+            <p:cNvSpPr/>
+            <p:nvPr>
+              <p:extLst>
+                <p:ext uri="{386F3935-93C4-4BCD-93E2-E3B085C9AB24}">
+                  <p16:designElem xmlns:p16="http://schemas.microsoft.com/office/powerpoint/2015/main" val="1"/>
+                </p:ext>
+              </p:extLst>
+            </p:nvPr>
+          </p:nvSpPr>
+          <p:spPr>
+            <a:xfrm>
+              <a:off x="446534" y="457200"/>
+              <a:ext cx="3703320" cy="94997"/>
+            </a:xfrm>
+            <a:prstGeom prst="rect">
+              <a:avLst/>
+            </a:prstGeom>
+            <a:solidFill>
+              <a:schemeClr val="accent1"/>
+            </a:solidFill>
+            <a:ln>
+              <a:noFill/>
+            </a:ln>
+            <a:effectLst/>
+          </p:spPr>
+          <p:style>
+            <a:lnRef idx="1">
+              <a:schemeClr val="accent1"/>
+            </a:lnRef>
+            <a:fillRef idx="3">
+              <a:schemeClr val="accent1"/>
+            </a:fillRef>
+            <a:effectRef idx="2">
+              <a:schemeClr val="accent1"/>
+            </a:effectRef>
+            <a:fontRef idx="minor">
+              <a:schemeClr val="lt1"/>
+            </a:fontRef>
+          </p:style>
+        </p:sp>
+        <p:sp>
+          <p:nvSpPr>
+            <p:cNvPr id="43" name="Rectangle 42">
+              <a:extLst>
+                <a:ext uri="{FF2B5EF4-FFF2-40B4-BE49-F238E27FC236}">
+                  <a16:creationId xmlns:a16="http://schemas.microsoft.com/office/drawing/2014/main" id="{3F3972F4-FE7E-48EA-AAD8-9BE5750A6672}"/>
+                </a:ext>
+                <a:ext uri="{C183D7F6-B498-43B3-948B-1728B52AA6E4}">
+                  <adec:decorative xmlns:adec="http://schemas.microsoft.com/office/drawing/2017/decorative" val="1"/>
+                </a:ext>
+              </a:extLst>
+            </p:cNvPr>
+            <p:cNvSpPr/>
+            <p:nvPr>
+              <p:extLst>
+                <p:ext uri="{386F3935-93C4-4BCD-93E2-E3B085C9AB24}">
+                  <p16:designElem xmlns:p16="http://schemas.microsoft.com/office/powerpoint/2015/main" val="1"/>
+                </p:ext>
+              </p:extLst>
+            </p:nvPr>
+          </p:nvSpPr>
+          <p:spPr>
+            <a:xfrm>
+              <a:off x="8042147" y="453643"/>
+              <a:ext cx="3703320" cy="98554"/>
+            </a:xfrm>
+            <a:prstGeom prst="rect">
+              <a:avLst/>
+            </a:prstGeom>
+            <a:solidFill>
+              <a:schemeClr val="accent4"/>
+            </a:solidFill>
+            <a:ln>
+              <a:noFill/>
+            </a:ln>
+            <a:effectLst/>
+          </p:spPr>
+          <p:style>
+            <a:lnRef idx="1">
+              <a:schemeClr val="accent1"/>
+            </a:lnRef>
+            <a:fillRef idx="3">
+              <a:schemeClr val="accent1"/>
+            </a:fillRef>
+            <a:effectRef idx="2">
+              <a:schemeClr val="accent1"/>
+            </a:effectRef>
+            <a:fontRef idx="minor">
+              <a:schemeClr val="lt1"/>
+            </a:fontRef>
+          </p:style>
+        </p:sp>
+        <p:sp>
+          <p:nvSpPr>
+            <p:cNvPr id="44" name="Rectangle 43">
+              <a:extLst>
+                <a:ext uri="{FF2B5EF4-FFF2-40B4-BE49-F238E27FC236}">
+                  <a16:creationId xmlns:a16="http://schemas.microsoft.com/office/drawing/2014/main" id="{221614E5-870B-4D5E-A43B-8FF7E5323484}"/>
+                </a:ext>
+                <a:ext uri="{C183D7F6-B498-43B3-948B-1728B52AA6E4}">
+                  <adec:decorative xmlns:adec="http://schemas.microsoft.com/office/drawing/2017/decorative" val="1"/>
+                </a:ext>
+              </a:extLst>
+            </p:cNvPr>
+            <p:cNvSpPr/>
+            <p:nvPr>
+              <p:extLst>
+                <p:ext uri="{386F3935-93C4-4BCD-93E2-E3B085C9AB24}">
+                  <p16:designElem xmlns:p16="http://schemas.microsoft.com/office/powerpoint/2015/main" val="1"/>
+                </p:ext>
+              </p:extLst>
+            </p:nvPr>
+          </p:nvSpPr>
+          <p:spPr>
+            <a:xfrm>
+              <a:off x="4241830" y="457200"/>
+              <a:ext cx="3703320" cy="91440"/>
+            </a:xfrm>
+            <a:prstGeom prst="rect">
+              <a:avLst/>
+            </a:prstGeom>
+            <a:solidFill>
+              <a:schemeClr val="accent2"/>
+            </a:solidFill>
+            <a:ln>
+              <a:noFill/>
+            </a:ln>
+            <a:effectLst/>
+          </p:spPr>
+          <p:style>
+            <a:lnRef idx="1">
+              <a:schemeClr val="accent1"/>
+            </a:lnRef>
+            <a:fillRef idx="3">
+              <a:schemeClr val="accent1"/>
+            </a:fillRef>
+            <a:effectRef idx="2">
+              <a:schemeClr val="accent1"/>
+            </a:effectRef>
+            <a:fontRef idx="minor">
+              <a:schemeClr val="lt1"/>
+            </a:fontRef>
+          </p:style>
+        </p:sp>
+      </p:grpSp>
+    </p:spTree>
+    <p:extLst>
+      <p:ext uri="{BB962C8B-B14F-4D97-AF65-F5344CB8AC3E}">
+        <p14:creationId xmlns:p14="http://schemas.microsoft.com/office/powerpoint/2010/main" val="581641872"/>
+      </p:ext>
+    </p:extLst>
+  </p:cSld>
+  <p:clrMapOvr>
+    <a:masterClrMapping/>
+  </p:clrMapOvr>
+</p:sld>
+</file>
+
+<file path=ppt/slides/slide2.xml><?xml version="1.0" encoding="utf-8"?>
+<p:sld xmlns:a="http://schemas.openxmlformats.org/drawingml/2006/main" xmlns:r="http://schemas.openxmlformats.org/officeDocument/2006/relationships" xmlns:p="http://schemas.openxmlformats.org/presentationml/2006/main">
+  <p:cSld>
+    <p:spTree>
+      <p:nvGrpSpPr>
+        <p:cNvPr id="1" name=""/>
+        <p:cNvGrpSpPr/>
+        <p:nvPr/>
+      </p:nvGrpSpPr>
+      <p:grpSpPr>
+        <a:xfrm>
+          <a:off x="0" y="0"/>
+          <a:ext cx="0" cy="0"/>
+          <a:chOff x="0" y="0"/>
+          <a:chExt cx="0" cy="0"/>
+        </a:xfrm>
+      </p:grpSpPr>
+      <p:sp>
+        <p:nvSpPr>
+          <p:cNvPr id="2" name="Title 1">
+            <a:extLst>
+              <a:ext uri="{FF2B5EF4-FFF2-40B4-BE49-F238E27FC236}">
+                <a16:creationId xmlns:a16="http://schemas.microsoft.com/office/drawing/2014/main" id="{39BBCE20-D7C3-4A00-A3E7-4B273D8C2963}"/>
+              </a:ext>
+            </a:extLst>
+          </p:cNvPr>
+          <p:cNvSpPr>
+            <a:spLocks noGrp="1"/>
+          </p:cNvSpPr>
+          <p:nvPr>
+            <p:ph type="title"/>
+          </p:nvPr>
+        </p:nvSpPr>
+        <p:spPr/>
+        <p:txBody>
+          <a:bodyPr/>
+          <a:lstStyle/>
+          <a:p>
+            <a:r>
+              <a:rPr lang="en-US" dirty="0"/>
+              <a:t>About the paper</a:t>
+            </a:r>
+          </a:p>
+        </p:txBody>
+      </p:sp>
+      <p:sp>
+        <p:nvSpPr>
+          <p:cNvPr id="3" name="Content Placeholder 2">
+            <a:extLst>
+              <a:ext uri="{FF2B5EF4-FFF2-40B4-BE49-F238E27FC236}">
+                <a16:creationId xmlns:a16="http://schemas.microsoft.com/office/drawing/2014/main" id="{168B052A-8015-4A7B-824A-CC4F3E97F812}"/>
+              </a:ext>
+            </a:extLst>
+          </p:cNvPr>
+          <p:cNvSpPr>
+            <a:spLocks noGrp="1"/>
+          </p:cNvSpPr>
+          <p:nvPr>
+            <p:ph idx="1"/>
+          </p:nvPr>
+        </p:nvSpPr>
+        <p:spPr/>
+        <p:txBody>
+          <a:bodyPr/>
+          <a:lstStyle/>
+          <a:p>
+            <a:pPr marL="305435" indent="-305435"/>
+            <a:r>
+              <a:rPr lang="en-US" dirty="0"/>
+              <a:t>This paper was done by </a:t>
+            </a:r>
+            <a:r>
+              <a:rPr lang="en-US" dirty="0">
+                <a:ea typeface="+mn-lt"/>
+                <a:cs typeface="+mn-lt"/>
+              </a:rPr>
+              <a:t>HANG ZHANG1 , WEIKE LIU , SHUO WANG , JICHENG SHAN1 , QINGBAO LIU</a:t>
+            </a:r>
+          </a:p>
+          <a:p>
+            <a:pPr marL="305435" indent="-305435"/>
+            <a:r>
+              <a:rPr lang="en-US" dirty="0"/>
+              <a:t>Was published in </a:t>
+            </a:r>
+            <a:r>
+              <a:rPr lang="en-US" dirty="0">
+                <a:ea typeface="+mn-lt"/>
+                <a:cs typeface="+mn-lt"/>
+              </a:rPr>
+              <a:t>06 May 2019.</a:t>
+            </a:r>
+          </a:p>
+          <a:p>
+            <a:pPr marL="305435" indent="-305435"/>
+            <a:r>
+              <a:rPr lang="en-US" dirty="0"/>
+              <a:t>Made in China</a:t>
+            </a:r>
+          </a:p>
+          <a:p>
+            <a:pPr marL="305435" indent="-305435"/>
+            <a:r>
+              <a:rPr lang="en-US" dirty="0"/>
+              <a:t>IEEE paper.</a:t>
+            </a:r>
+          </a:p>
+          <a:p>
+            <a:pPr marL="305435" indent="-305435"/>
+            <a:r>
+              <a:rPr lang="en-US" dirty="0"/>
+              <a:t>Unfortunately there is no open source implementation for it online.</a:t>
+            </a:r>
+          </a:p>
+        </p:txBody>
+      </p:sp>
+    </p:spTree>
+    <p:extLst>
+      <p:ext uri="{BB962C8B-B14F-4D97-AF65-F5344CB8AC3E}">
+        <p14:creationId xmlns:p14="http://schemas.microsoft.com/office/powerpoint/2010/main" val="1781753432"/>
+      </p:ext>
+    </p:extLst>
+  </p:cSld>
+  <p:clrMapOvr>
+    <a:masterClrMapping/>
+  </p:clrMapOvr>
+</p:sld>
+</file>
+
+<file path=ppt/slides/slide20.xml><?xml version="1.0" encoding="utf-8"?>
+<p:sld xmlns:a="http://schemas.openxmlformats.org/drawingml/2006/main" xmlns:r="http://schemas.openxmlformats.org/officeDocument/2006/relationships" xmlns:p="http://schemas.openxmlformats.org/presentationml/2006/main">
+  <p:cSld>
+    <p:bg>
+      <p:bgPr>
+        <a:solidFill>
+          <a:schemeClr val="bg1"/>
+        </a:solidFill>
+        <a:effectLst/>
+      </p:bgPr>
+    </p:bg>
+    <p:spTree>
+      <p:nvGrpSpPr>
+        <p:cNvPr id="1" name=""/>
+        <p:cNvGrpSpPr/>
+        <p:nvPr/>
+      </p:nvGrpSpPr>
+      <p:grpSpPr>
+        <a:xfrm>
+          <a:off x="0" y="0"/>
+          <a:ext cx="0" cy="0"/>
+          <a:chOff x="0" y="0"/>
+          <a:chExt cx="0" cy="0"/>
+        </a:xfrm>
+      </p:grpSpPr>
+      <p:sp>
+        <p:nvSpPr>
+          <p:cNvPr id="49" name="Rectangle 48">
+            <a:extLst>
+              <a:ext uri="{FF2B5EF4-FFF2-40B4-BE49-F238E27FC236}">
+                <a16:creationId xmlns:a16="http://schemas.microsoft.com/office/drawing/2014/main" id="{A078A52F-85EA-4C0B-962B-D9D9DD4DD78C}"/>
+              </a:ext>
+              <a:ext uri="{C183D7F6-B498-43B3-948B-1728B52AA6E4}">
+                <adec:decorative xmlns:adec="http://schemas.microsoft.com/office/drawing/2017/decorative" val="1"/>
+              </a:ext>
+            </a:extLst>
+          </p:cNvPr>
+          <p:cNvSpPr>
+            <a:spLocks noGrp="1" noRot="1" noChangeAspect="1" noMove="1" noResize="1" noEditPoints="1" noAdjustHandles="1" noChangeArrowheads="1" noChangeShapeType="1" noTextEdit="1"/>
+          </p:cNvSpPr>
+          <p:nvPr>
+            <p:extLst>
+              <p:ext uri="{386F3935-93C4-4BCD-93E2-E3B085C9AB24}">
+                <p16:designElem xmlns:p16="http://schemas.microsoft.com/office/powerpoint/2015/main" val="1"/>
+              </p:ext>
+            </p:extLst>
+          </p:nvPr>
+        </p:nvSpPr>
+        <p:spPr>
+          <a:xfrm>
+            <a:off x="446534" y="457200"/>
+            <a:ext cx="3703320" cy="94997"/>
+          </a:xfrm>
+          <a:prstGeom prst="rect">
+            <a:avLst/>
+          </a:prstGeom>
+          <a:solidFill>
+            <a:schemeClr val="accent1"/>
+          </a:solidFill>
+          <a:ln>
+            <a:noFill/>
+          </a:ln>
+          <a:effectLst/>
+        </p:spPr>
+        <p:style>
+          <a:lnRef idx="1">
+            <a:schemeClr val="accent1"/>
+          </a:lnRef>
+          <a:fillRef idx="3">
+            <a:schemeClr val="accent1"/>
+          </a:fillRef>
+          <a:effectRef idx="2">
+            <a:schemeClr val="accent1"/>
+          </a:effectRef>
+          <a:fontRef idx="minor">
+            <a:schemeClr val="lt1"/>
+          </a:fontRef>
+        </p:style>
+      </p:sp>
+      <p:sp>
+        <p:nvSpPr>
+          <p:cNvPr id="51" name="Rectangle 50">
+            <a:extLst>
+              <a:ext uri="{FF2B5EF4-FFF2-40B4-BE49-F238E27FC236}">
+                <a16:creationId xmlns:a16="http://schemas.microsoft.com/office/drawing/2014/main" id="{919797D5-5700-4683-B30A-5B4D56CB8270}"/>
+              </a:ext>
+              <a:ext uri="{C183D7F6-B498-43B3-948B-1728B52AA6E4}">
+                <adec:decorative xmlns:adec="http://schemas.microsoft.com/office/drawing/2017/decorative" val="1"/>
+              </a:ext>
+            </a:extLst>
+          </p:cNvPr>
+          <p:cNvSpPr>
+            <a:spLocks noGrp="1" noRot="1" noChangeAspect="1" noMove="1" noResize="1" noEditPoints="1" noAdjustHandles="1" noChangeArrowheads="1" noChangeShapeType="1" noTextEdit="1"/>
+          </p:cNvSpPr>
+          <p:nvPr>
+            <p:extLst>
+              <p:ext uri="{386F3935-93C4-4BCD-93E2-E3B085C9AB24}">
+                <p16:designElem xmlns:p16="http://schemas.microsoft.com/office/powerpoint/2015/main" val="1"/>
+              </p:ext>
+            </p:extLst>
+          </p:nvPr>
+        </p:nvSpPr>
+        <p:spPr>
+          <a:xfrm>
+            <a:off x="8042147" y="453643"/>
+            <a:ext cx="3703320" cy="98554"/>
+          </a:xfrm>
+          <a:prstGeom prst="rect">
+            <a:avLst/>
+          </a:prstGeom>
+          <a:solidFill>
+            <a:schemeClr val="accent4"/>
+          </a:solidFill>
+          <a:ln>
+            <a:noFill/>
+          </a:ln>
+          <a:effectLst/>
+        </p:spPr>
+        <p:style>
+          <a:lnRef idx="1">
+            <a:schemeClr val="accent1"/>
+          </a:lnRef>
+          <a:fillRef idx="3">
+            <a:schemeClr val="accent1"/>
+          </a:fillRef>
+          <a:effectRef idx="2">
+            <a:schemeClr val="accent1"/>
+          </a:effectRef>
+          <a:fontRef idx="minor">
+            <a:schemeClr val="lt1"/>
+          </a:fontRef>
+        </p:style>
+      </p:sp>
+      <p:sp>
+        <p:nvSpPr>
+          <p:cNvPr id="53" name="Rectangle 52">
+            <a:extLst>
+              <a:ext uri="{FF2B5EF4-FFF2-40B4-BE49-F238E27FC236}">
+                <a16:creationId xmlns:a16="http://schemas.microsoft.com/office/drawing/2014/main" id="{4856A7B9-9801-42EC-A4C9-7E22A56EF53D}"/>
+              </a:ext>
+              <a:ext uri="{C183D7F6-B498-43B3-948B-1728B52AA6E4}">
+                <adec:decorative xmlns:adec="http://schemas.microsoft.com/office/drawing/2017/decorative" val="1"/>
+              </a:ext>
+            </a:extLst>
+          </p:cNvPr>
+          <p:cNvSpPr>
+            <a:spLocks noGrp="1" noRot="1" noChangeAspect="1" noMove="1" noResize="1" noEditPoints="1" noAdjustHandles="1" noChangeArrowheads="1" noChangeShapeType="1" noTextEdit="1"/>
+          </p:cNvSpPr>
+          <p:nvPr>
+            <p:extLst>
+              <p:ext uri="{386F3935-93C4-4BCD-93E2-E3B085C9AB24}">
+                <p16:designElem xmlns:p16="http://schemas.microsoft.com/office/powerpoint/2015/main" val="1"/>
+              </p:ext>
+            </p:extLst>
+          </p:nvPr>
+        </p:nvSpPr>
+        <p:spPr>
+          <a:xfrm>
+            <a:off x="4241830" y="457200"/>
+            <a:ext cx="3703320" cy="91440"/>
+          </a:xfrm>
+          <a:prstGeom prst="rect">
+            <a:avLst/>
+          </a:prstGeom>
+          <a:solidFill>
+            <a:schemeClr val="accent2"/>
+          </a:solidFill>
+          <a:ln>
+            <a:noFill/>
+          </a:ln>
+          <a:effectLst/>
+        </p:spPr>
+        <p:style>
+          <a:lnRef idx="1">
+            <a:schemeClr val="accent1"/>
+          </a:lnRef>
+          <a:fillRef idx="3">
+            <a:schemeClr val="accent1"/>
+          </a:fillRef>
+          <a:effectRef idx="2">
+            <a:schemeClr val="accent1"/>
+          </a:effectRef>
+          <a:fontRef idx="minor">
+            <a:schemeClr val="lt1"/>
+          </a:fontRef>
+        </p:style>
+      </p:sp>
+      <p:sp>
+        <p:nvSpPr>
+          <p:cNvPr id="55" name="Rectangle 54">
+            <a:extLst>
+              <a:ext uri="{FF2B5EF4-FFF2-40B4-BE49-F238E27FC236}">
+                <a16:creationId xmlns:a16="http://schemas.microsoft.com/office/drawing/2014/main" id="{8AD54DB8-C150-4290-85D6-F5B0262BFEEF}"/>
+              </a:ext>
+              <a:ext uri="{C183D7F6-B498-43B3-948B-1728B52AA6E4}">
+                <adec:decorative xmlns:adec="http://schemas.microsoft.com/office/drawing/2017/decorative" val="1"/>
+              </a:ext>
+            </a:extLst>
+          </p:cNvPr>
+          <p:cNvSpPr>
+            <a:spLocks noGrp="1" noRot="1" noChangeAspect="1" noMove="1" noResize="1" noEditPoints="1" noAdjustHandles="1" noChangeArrowheads="1" noChangeShapeType="1" noTextEdit="1"/>
+          </p:cNvSpPr>
+          <p:nvPr>
+            <p:extLst>
+              <p:ext uri="{386F3935-93C4-4BCD-93E2-E3B085C9AB24}">
+                <p16:designElem xmlns:p16="http://schemas.microsoft.com/office/powerpoint/2015/main" val="1"/>
+              </p:ext>
+            </p:extLst>
+          </p:nvPr>
+        </p:nvSpPr>
+        <p:spPr>
+          <a:xfrm>
+            <a:off x="446534" y="3085765"/>
+            <a:ext cx="11262866" cy="3304800"/>
+          </a:xfrm>
+          <a:prstGeom prst="rect">
+            <a:avLst/>
+          </a:prstGeom>
+          <a:solidFill>
+            <a:schemeClr val="accent1"/>
+          </a:solidFill>
+          <a:ln>
+            <a:noFill/>
+          </a:ln>
+          <a:effectLst/>
+        </p:spPr>
+        <p:style>
+          <a:lnRef idx="1">
+            <a:schemeClr val="accent1"/>
+          </a:lnRef>
+          <a:fillRef idx="3">
+            <a:schemeClr val="accent1"/>
+          </a:fillRef>
+          <a:effectRef idx="2">
+            <a:schemeClr val="accent1"/>
+          </a:effectRef>
+          <a:fontRef idx="minor">
+            <a:schemeClr val="lt1"/>
+          </a:fontRef>
+        </p:style>
+      </p:sp>
+      <p:sp useBgFill="1">
+        <p:nvSpPr>
+          <p:cNvPr id="57" name="Rectangle 56">
+            <a:extLst>
+              <a:ext uri="{FF2B5EF4-FFF2-40B4-BE49-F238E27FC236}">
+                <a16:creationId xmlns:a16="http://schemas.microsoft.com/office/drawing/2014/main" id="{379F11E2-8BA5-4C5C-AE7C-361E5EA011FF}"/>
+              </a:ext>
+              <a:ext uri="{C183D7F6-B498-43B3-948B-1728B52AA6E4}">
+                <adec:decorative xmlns:adec="http://schemas.microsoft.com/office/drawing/2017/decorative" val="1"/>
+              </a:ext>
+            </a:extLst>
+          </p:cNvPr>
+          <p:cNvSpPr>
+            <a:spLocks noGrp="1" noRot="1" noChangeAspect="1" noMove="1" noResize="1" noEditPoints="1" noAdjustHandles="1" noChangeArrowheads="1" noChangeShapeType="1" noTextEdit="1"/>
+          </p:cNvSpPr>
+          <p:nvPr>
+            <p:extLst>
+              <p:ext uri="{386F3935-93C4-4BCD-93E2-E3B085C9AB24}">
+                <p16:designElem xmlns:p16="http://schemas.microsoft.com/office/powerpoint/2015/main" val="1"/>
+              </p:ext>
+            </p:extLst>
+          </p:nvPr>
+        </p:nvSpPr>
+        <p:spPr>
+          <a:xfrm>
+            <a:off x="0" y="1"/>
+            <a:ext cx="12191999" cy="6858000"/>
+          </a:xfrm>
+          <a:prstGeom prst="rect">
+            <a:avLst/>
+          </a:prstGeom>
+          <a:ln>
+            <a:noFill/>
+          </a:ln>
+        </p:spPr>
+        <p:style>
+          <a:lnRef idx="2">
+            <a:schemeClr val="accent1">
+              <a:shade val="50000"/>
+            </a:schemeClr>
+          </a:lnRef>
+          <a:fillRef idx="1">
+            <a:schemeClr val="accent1"/>
+          </a:fillRef>
+          <a:effectRef idx="0">
+            <a:schemeClr val="accent1"/>
+          </a:effectRef>
+          <a:fontRef idx="minor">
+            <a:schemeClr val="lt1"/>
+          </a:fontRef>
+        </p:style>
+        <p:txBody>
+          <a:bodyPr rtlCol="0" anchor="ctr"/>
+          <a:lstStyle/>
+          <a:p>
+            <a:pPr algn="ctr"/>
+            <a:endParaRPr lang="en-US"/>
+          </a:p>
+        </p:txBody>
+      </p:sp>
+      <p:pic>
+        <p:nvPicPr>
+          <p:cNvPr id="5" name="Picture 6" descr="A screenshot of a cell phone&#10;&#10;Description generated with very high confidence">
+            <a:extLst>
+              <a:ext uri="{FF2B5EF4-FFF2-40B4-BE49-F238E27FC236}">
+                <a16:creationId xmlns:a16="http://schemas.microsoft.com/office/drawing/2014/main" id="{4E357A72-AACF-43F0-8EDD-70E598145B99}"/>
+              </a:ext>
+            </a:extLst>
+          </p:cNvPr>
+          <p:cNvPicPr>
+            <a:picLocks noGrp="1" noChangeAspect="1"/>
+          </p:cNvPicPr>
+          <p:nvPr>
+            <p:ph idx="1"/>
+          </p:nvPr>
+        </p:nvPicPr>
+        <p:blipFill rotWithShape="1">
+          <a:blip r:embed="rId2"/>
+          <a:srcRect r="934" b="1"/>
+          <a:stretch/>
+        </p:blipFill>
+        <p:spPr>
+          <a:xfrm>
+            <a:off x="446534" y="723899"/>
+            <a:ext cx="7498616" cy="5676901"/>
+          </a:xfrm>
+          <a:prstGeom prst="rect">
+            <a:avLst/>
+          </a:prstGeom>
+        </p:spPr>
+      </p:pic>
+      <p:sp>
+        <p:nvSpPr>
+          <p:cNvPr id="59" name="Rectangle 58">
+            <a:extLst>
+              <a:ext uri="{FF2B5EF4-FFF2-40B4-BE49-F238E27FC236}">
+                <a16:creationId xmlns:a16="http://schemas.microsoft.com/office/drawing/2014/main" id="{7C00E1DA-EC7C-40FC-95E3-11FDCD2E4291}"/>
+              </a:ext>
+              <a:ext uri="{C183D7F6-B498-43B3-948B-1728B52AA6E4}">
+                <adec:decorative xmlns:adec="http://schemas.microsoft.com/office/drawing/2017/decorative" val="1"/>
+              </a:ext>
+            </a:extLst>
+          </p:cNvPr>
+          <p:cNvSpPr>
+            <a:spLocks noGrp="1" noRot="1" noChangeAspect="1" noMove="1" noResize="1" noEditPoints="1" noAdjustHandles="1" noChangeArrowheads="1" noChangeShapeType="1" noTextEdit="1"/>
+          </p:cNvSpPr>
+          <p:nvPr>
+            <p:extLst>
+              <p:ext uri="{386F3935-93C4-4BCD-93E2-E3B085C9AB24}">
+                <p16:designElem xmlns:p16="http://schemas.microsoft.com/office/powerpoint/2015/main" val="1"/>
+              </p:ext>
+            </p:extLst>
+          </p:nvPr>
+        </p:nvSpPr>
+        <p:spPr>
+          <a:xfrm>
+            <a:off x="8042147" y="723899"/>
+            <a:ext cx="3703320" cy="5666666"/>
+          </a:xfrm>
+          <a:prstGeom prst="rect">
+            <a:avLst/>
+          </a:prstGeom>
+          <a:solidFill>
+            <a:schemeClr val="accent1"/>
+          </a:solidFill>
+          <a:ln>
+            <a:noFill/>
+          </a:ln>
+          <a:effectLst/>
+        </p:spPr>
+        <p:style>
+          <a:lnRef idx="1">
+            <a:schemeClr val="accent1"/>
+          </a:lnRef>
+          <a:fillRef idx="3">
+            <a:schemeClr val="accent1"/>
+          </a:fillRef>
+          <a:effectRef idx="2">
+            <a:schemeClr val="accent1"/>
+          </a:effectRef>
+          <a:fontRef idx="minor">
+            <a:schemeClr val="lt1"/>
+          </a:fontRef>
+        </p:style>
+      </p:sp>
+      <p:sp>
+        <p:nvSpPr>
+          <p:cNvPr id="2" name="Title 1">
+            <a:extLst>
+              <a:ext uri="{FF2B5EF4-FFF2-40B4-BE49-F238E27FC236}">
+                <a16:creationId xmlns:a16="http://schemas.microsoft.com/office/drawing/2014/main" id="{90143ADB-D332-4D6D-82CE-702463EA5553}"/>
+              </a:ext>
+            </a:extLst>
+          </p:cNvPr>
+          <p:cNvSpPr>
+            <a:spLocks noGrp="1"/>
+          </p:cNvSpPr>
+          <p:nvPr>
+            <p:ph type="title"/>
+          </p:nvPr>
+        </p:nvSpPr>
+        <p:spPr>
+          <a:xfrm>
+            <a:off x="8296275" y="1419225"/>
+            <a:ext cx="3081576" cy="2085869"/>
+          </a:xfrm>
+        </p:spPr>
+        <p:txBody>
+          <a:bodyPr vert="horz" lIns="91440" tIns="45720" rIns="91440" bIns="45720" rtlCol="0" anchor="b">
+            <a:normAutofit/>
+          </a:bodyPr>
+          <a:lstStyle/>
+          <a:p>
+            <a:pPr>
+              <a:lnSpc>
+                <a:spcPct val="90000"/>
+              </a:lnSpc>
+            </a:pPr>
+            <a:r>
+              <a:rPr lang="en-US" sz="3600">
+                <a:solidFill>
+                  <a:srgbClr val="FFFFFF"/>
+                </a:solidFill>
+              </a:rPr>
+              <a:t>Results with sudden drift</a:t>
+            </a:r>
+          </a:p>
+        </p:txBody>
+      </p:sp>
+      <p:grpSp>
+        <p:nvGrpSpPr>
+          <p:cNvPr id="61" name="Group 60">
+            <a:extLst>
+              <a:ext uri="{FF2B5EF4-FFF2-40B4-BE49-F238E27FC236}">
+                <a16:creationId xmlns:a16="http://schemas.microsoft.com/office/drawing/2014/main" id="{9A421166-2996-41A7-B094-AE5316F347DD}"/>
+              </a:ext>
+              <a:ext uri="{C183D7F6-B498-43B3-948B-1728B52AA6E4}">
+                <adec:decorative xmlns:adec="http://schemas.microsoft.com/office/drawing/2017/decorative" val="1"/>
+              </a:ext>
+            </a:extLst>
+          </p:cNvPr>
+          <p:cNvGrpSpPr>
+            <a:grpSpLocks noGrp="1" noUngrp="1" noRot="1" noChangeAspect="1" noMove="1" noResize="1"/>
+          </p:cNvGrpSpPr>
+          <p:nvPr>
+            <p:extLst>
+              <p:ext uri="{386F3935-93C4-4BCD-93E2-E3B085C9AB24}">
+                <p16:designElem xmlns:p16="http://schemas.microsoft.com/office/powerpoint/2015/main" val="1"/>
+              </p:ext>
+            </p:extLst>
+          </p:nvPr>
+        </p:nvGrpSpPr>
+        <p:grpSpPr>
+          <a:xfrm>
+            <a:off x="446534" y="453643"/>
+            <a:ext cx="11298933" cy="98554"/>
+            <a:chOff x="446534" y="453643"/>
+            <a:chExt cx="11298933" cy="98554"/>
+          </a:xfrm>
+        </p:grpSpPr>
+        <p:sp>
+          <p:nvSpPr>
+            <p:cNvPr id="62" name="Rectangle 61">
+              <a:extLst>
+                <a:ext uri="{FF2B5EF4-FFF2-40B4-BE49-F238E27FC236}">
+                  <a16:creationId xmlns:a16="http://schemas.microsoft.com/office/drawing/2014/main" id="{FDBB1B92-A3EB-43E4-8FAB-D20E8ED14CEF}"/>
+                </a:ext>
+                <a:ext uri="{C183D7F6-B498-43B3-948B-1728B52AA6E4}">
+                  <adec:decorative xmlns:adec="http://schemas.microsoft.com/office/drawing/2017/decorative" val="1"/>
+                </a:ext>
+              </a:extLst>
+            </p:cNvPr>
+            <p:cNvSpPr/>
+            <p:nvPr>
+              <p:extLst>
+                <p:ext uri="{386F3935-93C4-4BCD-93E2-E3B085C9AB24}">
+                  <p16:designElem xmlns:p16="http://schemas.microsoft.com/office/powerpoint/2015/main" val="1"/>
+                </p:ext>
+              </p:extLst>
+            </p:nvPr>
+          </p:nvSpPr>
+          <p:spPr>
+            <a:xfrm>
+              <a:off x="446534" y="457200"/>
+              <a:ext cx="3703320" cy="94997"/>
+            </a:xfrm>
+            <a:prstGeom prst="rect">
+              <a:avLst/>
+            </a:prstGeom>
+            <a:solidFill>
+              <a:schemeClr val="accent1"/>
+            </a:solidFill>
+            <a:ln>
+              <a:noFill/>
+            </a:ln>
+            <a:effectLst/>
+          </p:spPr>
+          <p:style>
+            <a:lnRef idx="1">
+              <a:schemeClr val="accent1"/>
+            </a:lnRef>
+            <a:fillRef idx="3">
+              <a:schemeClr val="accent1"/>
+            </a:fillRef>
+            <a:effectRef idx="2">
+              <a:schemeClr val="accent1"/>
+            </a:effectRef>
+            <a:fontRef idx="minor">
+              <a:schemeClr val="lt1"/>
+            </a:fontRef>
+          </p:style>
+        </p:sp>
+        <p:sp>
+          <p:nvSpPr>
+            <p:cNvPr id="63" name="Rectangle 62">
+              <a:extLst>
+                <a:ext uri="{FF2B5EF4-FFF2-40B4-BE49-F238E27FC236}">
+                  <a16:creationId xmlns:a16="http://schemas.microsoft.com/office/drawing/2014/main" id="{3F3972F4-FE7E-48EA-AAD8-9BE5750A6672}"/>
+                </a:ext>
+                <a:ext uri="{C183D7F6-B498-43B3-948B-1728B52AA6E4}">
+                  <adec:decorative xmlns:adec="http://schemas.microsoft.com/office/drawing/2017/decorative" val="1"/>
+                </a:ext>
+              </a:extLst>
+            </p:cNvPr>
+            <p:cNvSpPr/>
+            <p:nvPr>
+              <p:extLst>
+                <p:ext uri="{386F3935-93C4-4BCD-93E2-E3B085C9AB24}">
+                  <p16:designElem xmlns:p16="http://schemas.microsoft.com/office/powerpoint/2015/main" val="1"/>
+                </p:ext>
+              </p:extLst>
+            </p:nvPr>
+          </p:nvSpPr>
+          <p:spPr>
+            <a:xfrm>
+              <a:off x="8042147" y="453643"/>
+              <a:ext cx="3703320" cy="98554"/>
+            </a:xfrm>
+            <a:prstGeom prst="rect">
+              <a:avLst/>
+            </a:prstGeom>
+            <a:solidFill>
+              <a:schemeClr val="accent4"/>
+            </a:solidFill>
+            <a:ln>
+              <a:noFill/>
+            </a:ln>
+            <a:effectLst/>
+          </p:spPr>
+          <p:style>
+            <a:lnRef idx="1">
+              <a:schemeClr val="accent1"/>
+            </a:lnRef>
+            <a:fillRef idx="3">
+              <a:schemeClr val="accent1"/>
+            </a:fillRef>
+            <a:effectRef idx="2">
+              <a:schemeClr val="accent1"/>
+            </a:effectRef>
+            <a:fontRef idx="minor">
+              <a:schemeClr val="lt1"/>
+            </a:fontRef>
+          </p:style>
+        </p:sp>
+        <p:sp>
+          <p:nvSpPr>
+            <p:cNvPr id="64" name="Rectangle 63">
+              <a:extLst>
+                <a:ext uri="{FF2B5EF4-FFF2-40B4-BE49-F238E27FC236}">
+                  <a16:creationId xmlns:a16="http://schemas.microsoft.com/office/drawing/2014/main" id="{221614E5-870B-4D5E-A43B-8FF7E5323484}"/>
+                </a:ext>
+                <a:ext uri="{C183D7F6-B498-43B3-948B-1728B52AA6E4}">
+                  <adec:decorative xmlns:adec="http://schemas.microsoft.com/office/drawing/2017/decorative" val="1"/>
+                </a:ext>
+              </a:extLst>
+            </p:cNvPr>
+            <p:cNvSpPr/>
+            <p:nvPr>
+              <p:extLst>
+                <p:ext uri="{386F3935-93C4-4BCD-93E2-E3B085C9AB24}">
+                  <p16:designElem xmlns:p16="http://schemas.microsoft.com/office/powerpoint/2015/main" val="1"/>
+                </p:ext>
+              </p:extLst>
+            </p:nvPr>
+          </p:nvSpPr>
+          <p:spPr>
+            <a:xfrm>
+              <a:off x="4241830" y="457200"/>
+              <a:ext cx="3703320" cy="91440"/>
+            </a:xfrm>
+            <a:prstGeom prst="rect">
+              <a:avLst/>
+            </a:prstGeom>
+            <a:solidFill>
+              <a:schemeClr val="accent2"/>
+            </a:solidFill>
+            <a:ln>
+              <a:noFill/>
+            </a:ln>
+            <a:effectLst/>
+          </p:spPr>
+          <p:style>
+            <a:lnRef idx="1">
+              <a:schemeClr val="accent1"/>
+            </a:lnRef>
+            <a:fillRef idx="3">
+              <a:schemeClr val="accent1"/>
+            </a:fillRef>
+            <a:effectRef idx="2">
+              <a:schemeClr val="accent1"/>
+            </a:effectRef>
+            <a:fontRef idx="minor">
+              <a:schemeClr val="lt1"/>
+            </a:fontRef>
+          </p:style>
+        </p:sp>
+      </p:grpSp>
+    </p:spTree>
+    <p:extLst>
+      <p:ext uri="{BB962C8B-B14F-4D97-AF65-F5344CB8AC3E}">
+        <p14:creationId xmlns:p14="http://schemas.microsoft.com/office/powerpoint/2010/main" val="3552831861"/>
+      </p:ext>
+    </p:extLst>
+  </p:cSld>
+  <p:clrMapOvr>
+    <a:masterClrMapping/>
+  </p:clrMapOvr>
+</p:sld>
+</file>
+
+<file path=ppt/slides/slide21.xml><?xml version="1.0" encoding="utf-8"?>
+<p:sld xmlns:a="http://schemas.openxmlformats.org/drawingml/2006/main" xmlns:r="http://schemas.openxmlformats.org/officeDocument/2006/relationships" xmlns:p="http://schemas.openxmlformats.org/presentationml/2006/main">
+  <p:cSld>
+    <p:bg>
+      <p:bgPr>
+        <a:solidFill>
+          <a:schemeClr val="bg1"/>
+        </a:solidFill>
+        <a:effectLst/>
+      </p:bgPr>
+    </p:bg>
+    <p:spTree>
+      <p:nvGrpSpPr>
+        <p:cNvPr id="1" name=""/>
+        <p:cNvGrpSpPr/>
+        <p:nvPr/>
+      </p:nvGrpSpPr>
+      <p:grpSpPr>
+        <a:xfrm>
+          <a:off x="0" y="0"/>
+          <a:ext cx="0" cy="0"/>
+          <a:chOff x="0" y="0"/>
+          <a:chExt cx="0" cy="0"/>
+        </a:xfrm>
+      </p:grpSpPr>
       <p:sp useBgFill="1">
         <p:nvSpPr>
           <p:cNvPr id="10" name="Rectangle 9">
@@ -5520,135 +10531,6 @@
     <p:extLst>
       <p:ext uri="{BB962C8B-B14F-4D97-AF65-F5344CB8AC3E}">
         <p14:creationId xmlns:p14="http://schemas.microsoft.com/office/powerpoint/2010/main" val="3501347425"/>
-      </p:ext>
-    </p:extLst>
-  </p:cSld>
-  <p:clrMapOvr>
-    <a:masterClrMapping/>
-  </p:clrMapOvr>
-</p:sld>
-</file>
-
-<file path=ppt/slides/slide2.xml><?xml version="1.0" encoding="utf-8"?>
-<p:sld xmlns:a="http://schemas.openxmlformats.org/drawingml/2006/main" xmlns:r="http://schemas.openxmlformats.org/officeDocument/2006/relationships" xmlns:p="http://schemas.openxmlformats.org/presentationml/2006/main">
-  <p:cSld>
-    <p:spTree>
-      <p:nvGrpSpPr>
-        <p:cNvPr id="1" name=""/>
-        <p:cNvGrpSpPr/>
-        <p:nvPr/>
-      </p:nvGrpSpPr>
-      <p:grpSpPr>
-        <a:xfrm>
-          <a:off x="0" y="0"/>
-          <a:ext cx="0" cy="0"/>
-          <a:chOff x="0" y="0"/>
-          <a:chExt cx="0" cy="0"/>
-        </a:xfrm>
-      </p:grpSpPr>
-      <p:sp>
-        <p:nvSpPr>
-          <p:cNvPr id="2" name="Title 1">
-            <a:extLst>
-              <a:ext uri="{FF2B5EF4-FFF2-40B4-BE49-F238E27FC236}">
-                <a16:creationId xmlns:a16="http://schemas.microsoft.com/office/drawing/2014/main" id="{39BBCE20-D7C3-4A00-A3E7-4B273D8C2963}"/>
-              </a:ext>
-            </a:extLst>
-          </p:cNvPr>
-          <p:cNvSpPr>
-            <a:spLocks noGrp="1"/>
-          </p:cNvSpPr>
-          <p:nvPr>
-            <p:ph type="title"/>
-          </p:nvPr>
-        </p:nvSpPr>
-        <p:spPr/>
-        <p:txBody>
-          <a:bodyPr/>
-          <a:lstStyle/>
-          <a:p>
-            <a:r>
-              <a:rPr lang="en-US" dirty="0"/>
-              <a:t>About the paper</a:t>
-            </a:r>
-          </a:p>
-        </p:txBody>
-      </p:sp>
-      <p:sp>
-        <p:nvSpPr>
-          <p:cNvPr id="3" name="Content Placeholder 2">
-            <a:extLst>
-              <a:ext uri="{FF2B5EF4-FFF2-40B4-BE49-F238E27FC236}">
-                <a16:creationId xmlns:a16="http://schemas.microsoft.com/office/drawing/2014/main" id="{168B052A-8015-4A7B-824A-CC4F3E97F812}"/>
-              </a:ext>
-            </a:extLst>
-          </p:cNvPr>
-          <p:cNvSpPr>
-            <a:spLocks noGrp="1"/>
-          </p:cNvSpPr>
-          <p:nvPr>
-            <p:ph idx="1"/>
-          </p:nvPr>
-        </p:nvSpPr>
-        <p:spPr/>
-        <p:txBody>
-          <a:bodyPr/>
-          <a:lstStyle/>
-          <a:p>
-            <a:pPr marL="305435" indent="-305435"/>
-            <a:r>
-              <a:rPr lang="en-US" dirty="0"/>
-              <a:t>This paper was done by </a:t>
-            </a:r>
-            <a:r>
-              <a:rPr lang="en-US" dirty="0">
-                <a:ea typeface="+mn-lt"/>
-                <a:cs typeface="+mn-lt"/>
-              </a:rPr>
-              <a:t>HANG ZHANG1 , WEIKE LIU , SHUO WANG , JICHENG SHAN1 , QINGBAO LIU</a:t>
-            </a:r>
-          </a:p>
-          <a:p>
-            <a:pPr marL="305435" indent="-305435"/>
-            <a:r>
-              <a:rPr lang="en-US" dirty="0"/>
-              <a:t>Was published in </a:t>
-            </a:r>
-            <a:r>
-              <a:rPr lang="en-US" dirty="0">
-                <a:ea typeface="+mn-lt"/>
-                <a:cs typeface="+mn-lt"/>
-              </a:rPr>
-              <a:t>06 May 2019.</a:t>
-            </a:r>
-          </a:p>
-          <a:p>
-            <a:pPr marL="305435" indent="-305435"/>
-            <a:r>
-              <a:rPr lang="en-US" dirty="0"/>
-              <a:t>Made in China</a:t>
-            </a:r>
-          </a:p>
-          <a:p>
-            <a:pPr marL="305435" indent="-305435"/>
-            <a:r>
-              <a:rPr lang="en-US" dirty="0"/>
-              <a:t>IEEE paper.</a:t>
-            </a:r>
-          </a:p>
-          <a:p>
-            <a:pPr marL="305435" indent="-305435"/>
-            <a:r>
-              <a:rPr lang="en-US" dirty="0"/>
-              <a:t>Unfortunately there is no open source implementation for it online.</a:t>
-            </a:r>
-          </a:p>
-        </p:txBody>
-      </p:sp>
-    </p:spTree>
-    <p:extLst>
-      <p:ext uri="{BB962C8B-B14F-4D97-AF65-F5344CB8AC3E}">
-        <p14:creationId xmlns:p14="http://schemas.microsoft.com/office/powerpoint/2010/main" val="1781753432"/>
       </p:ext>
     </p:extLst>
   </p:cSld>
@@ -6424,9 +11306,10 @@
           <a:lstStyle/>
           <a:p>
             <a:r>
-              <a:rPr lang="en-US" dirty="0"/>
-              <a:t>The solution</a:t>
+              <a:rPr lang="en-US"/>
+              <a:t>The Main algorithm</a:t>
             </a:r>
+            <a:endParaRPr lang="en-US" dirty="0"/>
           </a:p>
         </p:txBody>
       </p:sp>
@@ -6579,8 +11462,11 @@
           <a:lstStyle/>
           <a:p>
             <a:r>
-              <a:rPr lang="en-US" dirty="0"/>
-              <a:t>The solution algorithm</a:t>
+              <a:rPr lang="en-US">
+                <a:ea typeface="+mj-lt"/>
+                <a:cs typeface="+mj-lt"/>
+              </a:rPr>
+              <a:t>THE MAIN ALGORITHM</a:t>
             </a:r>
           </a:p>
         </p:txBody>
@@ -6706,6 +11592,14 @@
 <file path=ppt/slides/slide7.xml><?xml version="1.0" encoding="utf-8"?>
 <p:sld xmlns:a="http://schemas.openxmlformats.org/drawingml/2006/main" xmlns:r="http://schemas.openxmlformats.org/officeDocument/2006/relationships" xmlns:p="http://schemas.openxmlformats.org/presentationml/2006/main">
   <p:cSld>
+    <p:bg>
+      <p:bgPr>
+        <a:solidFill>
+          <a:schemeClr val="bg1"/>
+        </a:solidFill>
+        <a:effectLst/>
+      </p:bgPr>
+    </p:bg>
     <p:spTree>
       <p:nvGrpSpPr>
         <p:cNvPr id="1" name=""/>
@@ -6722,6 +11616,336 @@
       </p:grpSpPr>
       <p:sp>
         <p:nvSpPr>
+          <p:cNvPr id="6" name="Rectangle 8">
+            <a:extLst>
+              <a:ext uri="{FF2B5EF4-FFF2-40B4-BE49-F238E27FC236}">
+                <a16:creationId xmlns:a16="http://schemas.microsoft.com/office/drawing/2014/main" id="{A078A52F-85EA-4C0B-962B-D9D9DD4DD78C}"/>
+              </a:ext>
+              <a:ext uri="{C183D7F6-B498-43B3-948B-1728B52AA6E4}">
+                <adec:decorative xmlns:adec="http://schemas.microsoft.com/office/drawing/2017/decorative" val="1"/>
+              </a:ext>
+            </a:extLst>
+          </p:cNvPr>
+          <p:cNvSpPr>
+            <a:spLocks noGrp="1" noRot="1" noChangeAspect="1" noMove="1" noResize="1" noEditPoints="1" noAdjustHandles="1" noChangeArrowheads="1" noChangeShapeType="1" noTextEdit="1"/>
+          </p:cNvSpPr>
+          <p:nvPr>
+            <p:extLst>
+              <p:ext uri="{386F3935-93C4-4BCD-93E2-E3B085C9AB24}">
+                <p16:designElem xmlns:p16="http://schemas.microsoft.com/office/powerpoint/2015/main" val="1"/>
+              </p:ext>
+            </p:extLst>
+          </p:nvPr>
+        </p:nvSpPr>
+        <p:spPr>
+          <a:xfrm>
+            <a:off x="446534" y="457200"/>
+            <a:ext cx="3703320" cy="94997"/>
+          </a:xfrm>
+          <a:prstGeom prst="rect">
+            <a:avLst/>
+          </a:prstGeom>
+          <a:solidFill>
+            <a:schemeClr val="accent1"/>
+          </a:solidFill>
+          <a:ln>
+            <a:noFill/>
+          </a:ln>
+          <a:effectLst/>
+        </p:spPr>
+        <p:style>
+          <a:lnRef idx="1">
+            <a:schemeClr val="accent1"/>
+          </a:lnRef>
+          <a:fillRef idx="3">
+            <a:schemeClr val="accent1"/>
+          </a:fillRef>
+          <a:effectRef idx="2">
+            <a:schemeClr val="accent1"/>
+          </a:effectRef>
+          <a:fontRef idx="minor">
+            <a:schemeClr val="lt1"/>
+          </a:fontRef>
+        </p:style>
+      </p:sp>
+      <p:sp>
+        <p:nvSpPr>
+          <p:cNvPr id="7" name="Rectangle 10">
+            <a:extLst>
+              <a:ext uri="{FF2B5EF4-FFF2-40B4-BE49-F238E27FC236}">
+                <a16:creationId xmlns:a16="http://schemas.microsoft.com/office/drawing/2014/main" id="{919797D5-5700-4683-B30A-5B4D56CB8270}"/>
+              </a:ext>
+              <a:ext uri="{C183D7F6-B498-43B3-948B-1728B52AA6E4}">
+                <adec:decorative xmlns:adec="http://schemas.microsoft.com/office/drawing/2017/decorative" val="1"/>
+              </a:ext>
+            </a:extLst>
+          </p:cNvPr>
+          <p:cNvSpPr>
+            <a:spLocks noGrp="1" noRot="1" noChangeAspect="1" noMove="1" noResize="1" noEditPoints="1" noAdjustHandles="1" noChangeArrowheads="1" noChangeShapeType="1" noTextEdit="1"/>
+          </p:cNvSpPr>
+          <p:nvPr>
+            <p:extLst>
+              <p:ext uri="{386F3935-93C4-4BCD-93E2-E3B085C9AB24}">
+                <p16:designElem xmlns:p16="http://schemas.microsoft.com/office/powerpoint/2015/main" val="1"/>
+              </p:ext>
+            </p:extLst>
+          </p:nvPr>
+        </p:nvSpPr>
+        <p:spPr>
+          <a:xfrm>
+            <a:off x="8042147" y="453643"/>
+            <a:ext cx="3703320" cy="98554"/>
+          </a:xfrm>
+          <a:prstGeom prst="rect">
+            <a:avLst/>
+          </a:prstGeom>
+          <a:solidFill>
+            <a:schemeClr val="accent4"/>
+          </a:solidFill>
+          <a:ln>
+            <a:noFill/>
+          </a:ln>
+          <a:effectLst/>
+        </p:spPr>
+        <p:style>
+          <a:lnRef idx="1">
+            <a:schemeClr val="accent1"/>
+          </a:lnRef>
+          <a:fillRef idx="3">
+            <a:schemeClr val="accent1"/>
+          </a:fillRef>
+          <a:effectRef idx="2">
+            <a:schemeClr val="accent1"/>
+          </a:effectRef>
+          <a:fontRef idx="minor">
+            <a:schemeClr val="lt1"/>
+          </a:fontRef>
+        </p:style>
+      </p:sp>
+      <p:sp>
+        <p:nvSpPr>
+          <p:cNvPr id="8" name="Rectangle 12">
+            <a:extLst>
+              <a:ext uri="{FF2B5EF4-FFF2-40B4-BE49-F238E27FC236}">
+                <a16:creationId xmlns:a16="http://schemas.microsoft.com/office/drawing/2014/main" id="{4856A7B9-9801-42EC-A4C9-7E22A56EF53D}"/>
+              </a:ext>
+              <a:ext uri="{C183D7F6-B498-43B3-948B-1728B52AA6E4}">
+                <adec:decorative xmlns:adec="http://schemas.microsoft.com/office/drawing/2017/decorative" val="1"/>
+              </a:ext>
+            </a:extLst>
+          </p:cNvPr>
+          <p:cNvSpPr>
+            <a:spLocks noGrp="1" noRot="1" noChangeAspect="1" noMove="1" noResize="1" noEditPoints="1" noAdjustHandles="1" noChangeArrowheads="1" noChangeShapeType="1" noTextEdit="1"/>
+          </p:cNvSpPr>
+          <p:nvPr>
+            <p:extLst>
+              <p:ext uri="{386F3935-93C4-4BCD-93E2-E3B085C9AB24}">
+                <p16:designElem xmlns:p16="http://schemas.microsoft.com/office/powerpoint/2015/main" val="1"/>
+              </p:ext>
+            </p:extLst>
+          </p:nvPr>
+        </p:nvSpPr>
+        <p:spPr>
+          <a:xfrm>
+            <a:off x="4241830" y="457200"/>
+            <a:ext cx="3703320" cy="91440"/>
+          </a:xfrm>
+          <a:prstGeom prst="rect">
+            <a:avLst/>
+          </a:prstGeom>
+          <a:solidFill>
+            <a:schemeClr val="accent2"/>
+          </a:solidFill>
+          <a:ln>
+            <a:noFill/>
+          </a:ln>
+          <a:effectLst/>
+        </p:spPr>
+        <p:style>
+          <a:lnRef idx="1">
+            <a:schemeClr val="accent1"/>
+          </a:lnRef>
+          <a:fillRef idx="3">
+            <a:schemeClr val="accent1"/>
+          </a:fillRef>
+          <a:effectRef idx="2">
+            <a:schemeClr val="accent1"/>
+          </a:effectRef>
+          <a:fontRef idx="minor">
+            <a:schemeClr val="lt1"/>
+          </a:fontRef>
+        </p:style>
+      </p:sp>
+      <p:sp>
+        <p:nvSpPr>
+          <p:cNvPr id="10" name="Rectangle 14">
+            <a:extLst>
+              <a:ext uri="{FF2B5EF4-FFF2-40B4-BE49-F238E27FC236}">
+                <a16:creationId xmlns:a16="http://schemas.microsoft.com/office/drawing/2014/main" id="{8AD54DB8-C150-4290-85D6-F5B0262BFEEF}"/>
+              </a:ext>
+              <a:ext uri="{C183D7F6-B498-43B3-948B-1728B52AA6E4}">
+                <adec:decorative xmlns:adec="http://schemas.microsoft.com/office/drawing/2017/decorative" val="1"/>
+              </a:ext>
+            </a:extLst>
+          </p:cNvPr>
+          <p:cNvSpPr>
+            <a:spLocks noGrp="1" noRot="1" noChangeAspect="1" noMove="1" noResize="1" noEditPoints="1" noAdjustHandles="1" noChangeArrowheads="1" noChangeShapeType="1" noTextEdit="1"/>
+          </p:cNvSpPr>
+          <p:nvPr>
+            <p:extLst>
+              <p:ext uri="{386F3935-93C4-4BCD-93E2-E3B085C9AB24}">
+                <p16:designElem xmlns:p16="http://schemas.microsoft.com/office/powerpoint/2015/main" val="1"/>
+              </p:ext>
+            </p:extLst>
+          </p:nvPr>
+        </p:nvSpPr>
+        <p:spPr>
+          <a:xfrm>
+            <a:off x="446534" y="3085765"/>
+            <a:ext cx="11262866" cy="3304800"/>
+          </a:xfrm>
+          <a:prstGeom prst="rect">
+            <a:avLst/>
+          </a:prstGeom>
+          <a:solidFill>
+            <a:schemeClr val="accent1"/>
+          </a:solidFill>
+          <a:ln>
+            <a:noFill/>
+          </a:ln>
+          <a:effectLst/>
+        </p:spPr>
+        <p:style>
+          <a:lnRef idx="1">
+            <a:schemeClr val="accent1"/>
+          </a:lnRef>
+          <a:fillRef idx="3">
+            <a:schemeClr val="accent1"/>
+          </a:fillRef>
+          <a:effectRef idx="2">
+            <a:schemeClr val="accent1"/>
+          </a:effectRef>
+          <a:fontRef idx="minor">
+            <a:schemeClr val="lt1"/>
+          </a:fontRef>
+        </p:style>
+      </p:sp>
+      <p:sp useBgFill="1">
+        <p:nvSpPr>
+          <p:cNvPr id="12" name="Rectangle 16">
+            <a:extLst>
+              <a:ext uri="{FF2B5EF4-FFF2-40B4-BE49-F238E27FC236}">
+                <a16:creationId xmlns:a16="http://schemas.microsoft.com/office/drawing/2014/main" id="{49DC0F7B-EA19-435F-BA38-A576FE1A65F7}"/>
+              </a:ext>
+              <a:ext uri="{C183D7F6-B498-43B3-948B-1728B52AA6E4}">
+                <adec:decorative xmlns:adec="http://schemas.microsoft.com/office/drawing/2017/decorative" val="1"/>
+              </a:ext>
+            </a:extLst>
+          </p:cNvPr>
+          <p:cNvSpPr>
+            <a:spLocks noGrp="1" noRot="1" noChangeAspect="1" noMove="1" noResize="1" noEditPoints="1" noAdjustHandles="1" noChangeArrowheads="1" noChangeShapeType="1" noTextEdit="1"/>
+          </p:cNvSpPr>
+          <p:nvPr>
+            <p:extLst>
+              <p:ext uri="{386F3935-93C4-4BCD-93E2-E3B085C9AB24}">
+                <p16:designElem xmlns:p16="http://schemas.microsoft.com/office/powerpoint/2015/main" val="1"/>
+              </p:ext>
+            </p:extLst>
+          </p:nvPr>
+        </p:nvSpPr>
+        <p:spPr>
+          <a:xfrm>
+            <a:off x="0" y="1"/>
+            <a:ext cx="12191999" cy="6858000"/>
+          </a:xfrm>
+          <a:prstGeom prst="rect">
+            <a:avLst/>
+          </a:prstGeom>
+          <a:ln>
+            <a:noFill/>
+          </a:ln>
+        </p:spPr>
+        <p:style>
+          <a:lnRef idx="2">
+            <a:schemeClr val="accent1">
+              <a:shade val="50000"/>
+            </a:schemeClr>
+          </a:lnRef>
+          <a:fillRef idx="1">
+            <a:schemeClr val="accent1"/>
+          </a:fillRef>
+          <a:effectRef idx="0">
+            <a:schemeClr val="accent1"/>
+          </a:effectRef>
+          <a:fontRef idx="minor">
+            <a:schemeClr val="lt1"/>
+          </a:fontRef>
+        </p:style>
+        <p:txBody>
+          <a:bodyPr rtlCol="0" anchor="ctr"/>
+          <a:lstStyle/>
+          <a:p>
+            <a:pPr algn="ctr"/>
+            <a:endParaRPr lang="en-US"/>
+          </a:p>
+        </p:txBody>
+      </p:sp>
+      <p:sp>
+        <p:nvSpPr>
+          <p:cNvPr id="14" name="Rectangle 18">
+            <a:extLst>
+              <a:ext uri="{FF2B5EF4-FFF2-40B4-BE49-F238E27FC236}">
+                <a16:creationId xmlns:a16="http://schemas.microsoft.com/office/drawing/2014/main" id="{8523F451-F10A-4328-8198-58E5C6166758}"/>
+              </a:ext>
+              <a:ext uri="{C183D7F6-B498-43B3-948B-1728B52AA6E4}">
+                <adec:decorative xmlns:adec="http://schemas.microsoft.com/office/drawing/2017/decorative" val="1"/>
+              </a:ext>
+            </a:extLst>
+          </p:cNvPr>
+          <p:cNvSpPr>
+            <a:spLocks noGrp="1" noRot="1" noChangeAspect="1" noMove="1" noResize="1" noEditPoints="1" noAdjustHandles="1" noChangeArrowheads="1" noChangeShapeType="1" noTextEdit="1"/>
+          </p:cNvSpPr>
+          <p:nvPr>
+            <p:extLst>
+              <p:ext uri="{386F3935-93C4-4BCD-93E2-E3B085C9AB24}">
+                <p16:designElem xmlns:p16="http://schemas.microsoft.com/office/powerpoint/2015/main" val="1"/>
+              </p:ext>
+            </p:extLst>
+          </p:nvPr>
+        </p:nvSpPr>
+        <p:spPr>
+          <a:xfrm>
+            <a:off x="4252873" y="734134"/>
+            <a:ext cx="7498616" cy="5666666"/>
+          </a:xfrm>
+          <a:prstGeom prst="rect">
+            <a:avLst/>
+          </a:prstGeom>
+          <a:solidFill>
+            <a:schemeClr val="accent1"/>
+          </a:solidFill>
+          <a:ln>
+            <a:noFill/>
+          </a:ln>
+          <a:effectLst/>
+        </p:spPr>
+        <p:style>
+          <a:lnRef idx="1">
+            <a:schemeClr val="accent1"/>
+          </a:lnRef>
+          <a:fillRef idx="3">
+            <a:schemeClr val="accent1"/>
+          </a:fillRef>
+          <a:effectRef idx="2">
+            <a:schemeClr val="accent1"/>
+          </a:effectRef>
+          <a:fontRef idx="minor">
+            <a:schemeClr val="lt1"/>
+          </a:fontRef>
+        </p:style>
+      </p:sp>
+      <p:sp>
+        <p:nvSpPr>
           <p:cNvPr id="2" name="Title 1">
             <a:extLst>
               <a:ext uri="{FF2B5EF4-FFF2-40B4-BE49-F238E27FC236}">
@@ -6736,40 +11960,248 @@
             <p:ph type="title"/>
           </p:nvPr>
         </p:nvSpPr>
-        <p:spPr/>
+        <p:spPr>
+          <a:xfrm>
+            <a:off x="4579243" y="1419225"/>
+            <a:ext cx="6798608" cy="2085869"/>
+          </a:xfrm>
+        </p:spPr>
         <p:txBody>
-          <a:bodyPr/>
+          <a:bodyPr vert="horz" lIns="91440" tIns="45720" rIns="91440" bIns="45720" rtlCol="0" anchor="b">
+            <a:normAutofit/>
+          </a:bodyPr>
           <a:lstStyle/>
           <a:p>
-            <a:endParaRPr lang="en-US"/>
+            <a:r>
+              <a:rPr lang="en-US" sz="3600">
+                <a:solidFill>
+                  <a:srgbClr val="FFFFFF"/>
+                </a:solidFill>
+              </a:rPr>
+              <a:t>THE MAIN ALGORITHM</a:t>
+            </a:r>
           </a:p>
         </p:txBody>
       </p:sp>
-      <p:sp>
-        <p:nvSpPr>
-          <p:cNvPr id="3" name="Content Placeholder 2">
+      <p:grpSp>
+        <p:nvGrpSpPr>
+          <p:cNvPr id="21" name="Group 20">
             <a:extLst>
               <a:ext uri="{FF2B5EF4-FFF2-40B4-BE49-F238E27FC236}">
-                <a16:creationId xmlns:a16="http://schemas.microsoft.com/office/drawing/2014/main" id="{7B29ECEA-2664-478E-96BB-CEAC65851F54}"/>
+                <a16:creationId xmlns:a16="http://schemas.microsoft.com/office/drawing/2014/main" id="{BDAE63F2-766D-44DB-AAC5-B4B4F123BBCB}"/>
+              </a:ext>
+              <a:ext uri="{C183D7F6-B498-43B3-948B-1728B52AA6E4}">
+                <adec:decorative xmlns:adec="http://schemas.microsoft.com/office/drawing/2017/decorative" val="1"/>
               </a:ext>
             </a:extLst>
           </p:cNvPr>
-          <p:cNvSpPr>
-            <a:spLocks noGrp="1"/>
-          </p:cNvSpPr>
+          <p:cNvGrpSpPr>
+            <a:grpSpLocks noGrp="1" noUngrp="1" noRot="1" noChangeAspect="1" noMove="1" noResize="1"/>
+          </p:cNvGrpSpPr>
+          <p:nvPr>
+            <p:extLst>
+              <p:ext uri="{386F3935-93C4-4BCD-93E2-E3B085C9AB24}">
+                <p16:designElem xmlns:p16="http://schemas.microsoft.com/office/powerpoint/2015/main" val="1"/>
+              </p:ext>
+            </p:extLst>
+          </p:nvPr>
+        </p:nvGrpSpPr>
+        <p:grpSpPr>
+          <a:xfrm>
+            <a:off x="446534" y="453643"/>
+            <a:ext cx="11298933" cy="98554"/>
+            <a:chOff x="446534" y="453643"/>
+            <a:chExt cx="11298933" cy="98554"/>
+          </a:xfrm>
+        </p:grpSpPr>
+        <p:sp>
+          <p:nvSpPr>
+            <p:cNvPr id="22" name="Rectangle 21">
+              <a:extLst>
+                <a:ext uri="{FF2B5EF4-FFF2-40B4-BE49-F238E27FC236}">
+                  <a16:creationId xmlns:a16="http://schemas.microsoft.com/office/drawing/2014/main" id="{E7293047-1267-4462-B411-F1045BED621D}"/>
+                </a:ext>
+                <a:ext uri="{C183D7F6-B498-43B3-948B-1728B52AA6E4}">
+                  <adec:decorative xmlns:adec="http://schemas.microsoft.com/office/drawing/2017/decorative" val="1"/>
+                </a:ext>
+              </a:extLst>
+            </p:cNvPr>
+            <p:cNvSpPr/>
+            <p:nvPr>
+              <p:extLst>
+                <p:ext uri="{386F3935-93C4-4BCD-93E2-E3B085C9AB24}">
+                  <p16:designElem xmlns:p16="http://schemas.microsoft.com/office/powerpoint/2015/main" val="1"/>
+                </p:ext>
+              </p:extLst>
+            </p:nvPr>
+          </p:nvSpPr>
+          <p:spPr>
+            <a:xfrm>
+              <a:off x="446534" y="457200"/>
+              <a:ext cx="3703320" cy="94997"/>
+            </a:xfrm>
+            <a:prstGeom prst="rect">
+              <a:avLst/>
+            </a:prstGeom>
+            <a:solidFill>
+              <a:schemeClr val="accent1"/>
+            </a:solidFill>
+            <a:ln>
+              <a:noFill/>
+            </a:ln>
+            <a:effectLst/>
+          </p:spPr>
+          <p:style>
+            <a:lnRef idx="1">
+              <a:schemeClr val="accent1"/>
+            </a:lnRef>
+            <a:fillRef idx="3">
+              <a:schemeClr val="accent1"/>
+            </a:fillRef>
+            <a:effectRef idx="2">
+              <a:schemeClr val="accent1"/>
+            </a:effectRef>
+            <a:fontRef idx="minor">
+              <a:schemeClr val="lt1"/>
+            </a:fontRef>
+          </p:style>
+        </p:sp>
+        <p:sp>
+          <p:nvSpPr>
+            <p:cNvPr id="23" name="Rectangle 22">
+              <a:extLst>
+                <a:ext uri="{FF2B5EF4-FFF2-40B4-BE49-F238E27FC236}">
+                  <a16:creationId xmlns:a16="http://schemas.microsoft.com/office/drawing/2014/main" id="{651A4987-1513-4534-8894-FD82F7CDFF58}"/>
+                </a:ext>
+                <a:ext uri="{C183D7F6-B498-43B3-948B-1728B52AA6E4}">
+                  <adec:decorative xmlns:adec="http://schemas.microsoft.com/office/drawing/2017/decorative" val="1"/>
+                </a:ext>
+              </a:extLst>
+            </p:cNvPr>
+            <p:cNvSpPr/>
+            <p:nvPr>
+              <p:extLst>
+                <p:ext uri="{386F3935-93C4-4BCD-93E2-E3B085C9AB24}">
+                  <p16:designElem xmlns:p16="http://schemas.microsoft.com/office/powerpoint/2015/main" val="1"/>
+                </p:ext>
+              </p:extLst>
+            </p:nvPr>
+          </p:nvSpPr>
+          <p:spPr>
+            <a:xfrm>
+              <a:off x="8042147" y="453643"/>
+              <a:ext cx="3703320" cy="98554"/>
+            </a:xfrm>
+            <a:prstGeom prst="rect">
+              <a:avLst/>
+            </a:prstGeom>
+            <a:solidFill>
+              <a:schemeClr val="accent4"/>
+            </a:solidFill>
+            <a:ln>
+              <a:noFill/>
+            </a:ln>
+            <a:effectLst/>
+          </p:spPr>
+          <p:style>
+            <a:lnRef idx="1">
+              <a:schemeClr val="accent1"/>
+            </a:lnRef>
+            <a:fillRef idx="3">
+              <a:schemeClr val="accent1"/>
+            </a:fillRef>
+            <a:effectRef idx="2">
+              <a:schemeClr val="accent1"/>
+            </a:effectRef>
+            <a:fontRef idx="minor">
+              <a:schemeClr val="lt1"/>
+            </a:fontRef>
+          </p:style>
+        </p:sp>
+        <p:sp>
+          <p:nvSpPr>
+            <p:cNvPr id="24" name="Rectangle 23">
+              <a:extLst>
+                <a:ext uri="{FF2B5EF4-FFF2-40B4-BE49-F238E27FC236}">
+                  <a16:creationId xmlns:a16="http://schemas.microsoft.com/office/drawing/2014/main" id="{D49D1510-6EE8-4974-892D-67ECDC560A68}"/>
+                </a:ext>
+                <a:ext uri="{C183D7F6-B498-43B3-948B-1728B52AA6E4}">
+                  <adec:decorative xmlns:adec="http://schemas.microsoft.com/office/drawing/2017/decorative" val="1"/>
+                </a:ext>
+              </a:extLst>
+            </p:cNvPr>
+            <p:cNvSpPr/>
+            <p:nvPr>
+              <p:extLst>
+                <p:ext uri="{386F3935-93C4-4BCD-93E2-E3B085C9AB24}">
+                  <p16:designElem xmlns:p16="http://schemas.microsoft.com/office/powerpoint/2015/main" val="1"/>
+                </p:ext>
+              </p:extLst>
+            </p:nvPr>
+          </p:nvSpPr>
+          <p:spPr>
+            <a:xfrm>
+              <a:off x="4241830" y="457200"/>
+              <a:ext cx="3703320" cy="91440"/>
+            </a:xfrm>
+            <a:prstGeom prst="rect">
+              <a:avLst/>
+            </a:prstGeom>
+            <a:solidFill>
+              <a:schemeClr val="accent2"/>
+            </a:solidFill>
+            <a:ln>
+              <a:noFill/>
+            </a:ln>
+            <a:effectLst/>
+          </p:spPr>
+          <p:style>
+            <a:lnRef idx="1">
+              <a:schemeClr val="accent1"/>
+            </a:lnRef>
+            <a:fillRef idx="3">
+              <a:schemeClr val="accent1"/>
+            </a:fillRef>
+            <a:effectRef idx="2">
+              <a:schemeClr val="accent1"/>
+            </a:effectRef>
+            <a:fontRef idx="minor">
+              <a:schemeClr val="lt1"/>
+            </a:fontRef>
+          </p:style>
+        </p:sp>
+      </p:grpSp>
+      <p:pic>
+        <p:nvPicPr>
+          <p:cNvPr id="4" name="Picture 4" descr="A screenshot of text&#10;&#10;Description generated with very high confidence">
+            <a:extLst>
+              <a:ext uri="{FF2B5EF4-FFF2-40B4-BE49-F238E27FC236}">
+                <a16:creationId xmlns:a16="http://schemas.microsoft.com/office/drawing/2014/main" id="{BDD95FF8-F33F-49CD-9886-44AA078E0EBD}"/>
+              </a:ext>
+            </a:extLst>
+          </p:cNvPr>
+          <p:cNvPicPr>
+            <a:picLocks noGrp="1" noChangeAspect="1"/>
+          </p:cNvPicPr>
           <p:nvPr>
             <p:ph idx="1"/>
           </p:nvPr>
-        </p:nvSpPr>
-        <p:spPr/>
-        <p:txBody>
-          <a:bodyPr/>
-          <a:lstStyle/>
-          <a:p>
-            <a:endParaRPr lang="en-US"/>
-          </a:p>
-        </p:txBody>
-      </p:sp>
+        </p:nvPicPr>
+        <p:blipFill rotWithShape="1">
+          <a:blip r:embed="rId2"/>
+          <a:srcRect r="10788" b="-2"/>
+          <a:stretch/>
+        </p:blipFill>
+        <p:spPr>
+          <a:xfrm>
+            <a:off x="478172" y="723899"/>
+            <a:ext cx="3671681" cy="5676901"/>
+          </a:xfrm>
+          <a:prstGeom prst="rect">
+            <a:avLst/>
+          </a:prstGeom>
+        </p:spPr>
+      </p:pic>
     </p:spTree>
     <p:extLst>
       <p:ext uri="{BB962C8B-B14F-4D97-AF65-F5344CB8AC3E}">
@@ -6786,6 +12218,14 @@
 <file path=ppt/slides/slide8.xml><?xml version="1.0" encoding="utf-8"?>
 <p:sld xmlns:a="http://schemas.openxmlformats.org/drawingml/2006/main" xmlns:r="http://schemas.openxmlformats.org/officeDocument/2006/relationships" xmlns:p="http://schemas.openxmlformats.org/presentationml/2006/main">
   <p:cSld>
+    <p:bg>
+      <p:bgPr>
+        <a:solidFill>
+          <a:schemeClr val="bg1"/>
+        </a:solidFill>
+        <a:effectLst/>
+      </p:bgPr>
+    </p:bg>
     <p:spTree>
       <p:nvGrpSpPr>
         <p:cNvPr id="1" name=""/>
@@ -6802,6 +12242,367 @@
       </p:grpSpPr>
       <p:sp>
         <p:nvSpPr>
+          <p:cNvPr id="9" name="Rectangle 8">
+            <a:extLst>
+              <a:ext uri="{FF2B5EF4-FFF2-40B4-BE49-F238E27FC236}">
+                <a16:creationId xmlns:a16="http://schemas.microsoft.com/office/drawing/2014/main" id="{A078A52F-85EA-4C0B-962B-D9D9DD4DD78C}"/>
+              </a:ext>
+              <a:ext uri="{C183D7F6-B498-43B3-948B-1728B52AA6E4}">
+                <adec:decorative xmlns:adec="http://schemas.microsoft.com/office/drawing/2017/decorative" val="1"/>
+              </a:ext>
+            </a:extLst>
+          </p:cNvPr>
+          <p:cNvSpPr>
+            <a:spLocks noGrp="1" noRot="1" noChangeAspect="1" noMove="1" noResize="1" noEditPoints="1" noAdjustHandles="1" noChangeArrowheads="1" noChangeShapeType="1" noTextEdit="1"/>
+          </p:cNvSpPr>
+          <p:nvPr>
+            <p:extLst>
+              <p:ext uri="{386F3935-93C4-4BCD-93E2-E3B085C9AB24}">
+                <p16:designElem xmlns:p16="http://schemas.microsoft.com/office/powerpoint/2015/main" val="1"/>
+              </p:ext>
+            </p:extLst>
+          </p:nvPr>
+        </p:nvSpPr>
+        <p:spPr>
+          <a:xfrm>
+            <a:off x="446534" y="457200"/>
+            <a:ext cx="3703320" cy="94997"/>
+          </a:xfrm>
+          <a:prstGeom prst="rect">
+            <a:avLst/>
+          </a:prstGeom>
+          <a:solidFill>
+            <a:schemeClr val="accent1"/>
+          </a:solidFill>
+          <a:ln>
+            <a:noFill/>
+          </a:ln>
+          <a:effectLst/>
+        </p:spPr>
+        <p:style>
+          <a:lnRef idx="1">
+            <a:schemeClr val="accent1"/>
+          </a:lnRef>
+          <a:fillRef idx="3">
+            <a:schemeClr val="accent1"/>
+          </a:fillRef>
+          <a:effectRef idx="2">
+            <a:schemeClr val="accent1"/>
+          </a:effectRef>
+          <a:fontRef idx="minor">
+            <a:schemeClr val="lt1"/>
+          </a:fontRef>
+        </p:style>
+      </p:sp>
+      <p:sp>
+        <p:nvSpPr>
+          <p:cNvPr id="11" name="Rectangle 10">
+            <a:extLst>
+              <a:ext uri="{FF2B5EF4-FFF2-40B4-BE49-F238E27FC236}">
+                <a16:creationId xmlns:a16="http://schemas.microsoft.com/office/drawing/2014/main" id="{919797D5-5700-4683-B30A-5B4D56CB8270}"/>
+              </a:ext>
+              <a:ext uri="{C183D7F6-B498-43B3-948B-1728B52AA6E4}">
+                <adec:decorative xmlns:adec="http://schemas.microsoft.com/office/drawing/2017/decorative" val="1"/>
+              </a:ext>
+            </a:extLst>
+          </p:cNvPr>
+          <p:cNvSpPr>
+            <a:spLocks noGrp="1" noRot="1" noChangeAspect="1" noMove="1" noResize="1" noEditPoints="1" noAdjustHandles="1" noChangeArrowheads="1" noChangeShapeType="1" noTextEdit="1"/>
+          </p:cNvSpPr>
+          <p:nvPr>
+            <p:extLst>
+              <p:ext uri="{386F3935-93C4-4BCD-93E2-E3B085C9AB24}">
+                <p16:designElem xmlns:p16="http://schemas.microsoft.com/office/powerpoint/2015/main" val="1"/>
+              </p:ext>
+            </p:extLst>
+          </p:nvPr>
+        </p:nvSpPr>
+        <p:spPr>
+          <a:xfrm>
+            <a:off x="8042147" y="453643"/>
+            <a:ext cx="3703320" cy="98554"/>
+          </a:xfrm>
+          <a:prstGeom prst="rect">
+            <a:avLst/>
+          </a:prstGeom>
+          <a:solidFill>
+            <a:schemeClr val="accent4"/>
+          </a:solidFill>
+          <a:ln>
+            <a:noFill/>
+          </a:ln>
+          <a:effectLst/>
+        </p:spPr>
+        <p:style>
+          <a:lnRef idx="1">
+            <a:schemeClr val="accent1"/>
+          </a:lnRef>
+          <a:fillRef idx="3">
+            <a:schemeClr val="accent1"/>
+          </a:fillRef>
+          <a:effectRef idx="2">
+            <a:schemeClr val="accent1"/>
+          </a:effectRef>
+          <a:fontRef idx="minor">
+            <a:schemeClr val="lt1"/>
+          </a:fontRef>
+        </p:style>
+      </p:sp>
+      <p:sp>
+        <p:nvSpPr>
+          <p:cNvPr id="13" name="Rectangle 12">
+            <a:extLst>
+              <a:ext uri="{FF2B5EF4-FFF2-40B4-BE49-F238E27FC236}">
+                <a16:creationId xmlns:a16="http://schemas.microsoft.com/office/drawing/2014/main" id="{4856A7B9-9801-42EC-A4C9-7E22A56EF53D}"/>
+              </a:ext>
+              <a:ext uri="{C183D7F6-B498-43B3-948B-1728B52AA6E4}">
+                <adec:decorative xmlns:adec="http://schemas.microsoft.com/office/drawing/2017/decorative" val="1"/>
+              </a:ext>
+            </a:extLst>
+          </p:cNvPr>
+          <p:cNvSpPr>
+            <a:spLocks noGrp="1" noRot="1" noChangeAspect="1" noMove="1" noResize="1" noEditPoints="1" noAdjustHandles="1" noChangeArrowheads="1" noChangeShapeType="1" noTextEdit="1"/>
+          </p:cNvSpPr>
+          <p:nvPr>
+            <p:extLst>
+              <p:ext uri="{386F3935-93C4-4BCD-93E2-E3B085C9AB24}">
+                <p16:designElem xmlns:p16="http://schemas.microsoft.com/office/powerpoint/2015/main" val="1"/>
+              </p:ext>
+            </p:extLst>
+          </p:nvPr>
+        </p:nvSpPr>
+        <p:spPr>
+          <a:xfrm>
+            <a:off x="4241830" y="457200"/>
+            <a:ext cx="3703320" cy="91440"/>
+          </a:xfrm>
+          <a:prstGeom prst="rect">
+            <a:avLst/>
+          </a:prstGeom>
+          <a:solidFill>
+            <a:schemeClr val="accent2"/>
+          </a:solidFill>
+          <a:ln>
+            <a:noFill/>
+          </a:ln>
+          <a:effectLst/>
+        </p:spPr>
+        <p:style>
+          <a:lnRef idx="1">
+            <a:schemeClr val="accent1"/>
+          </a:lnRef>
+          <a:fillRef idx="3">
+            <a:schemeClr val="accent1"/>
+          </a:fillRef>
+          <a:effectRef idx="2">
+            <a:schemeClr val="accent1"/>
+          </a:effectRef>
+          <a:fontRef idx="minor">
+            <a:schemeClr val="lt1"/>
+          </a:fontRef>
+        </p:style>
+      </p:sp>
+      <p:sp>
+        <p:nvSpPr>
+          <p:cNvPr id="15" name="Rectangle 14">
+            <a:extLst>
+              <a:ext uri="{FF2B5EF4-FFF2-40B4-BE49-F238E27FC236}">
+                <a16:creationId xmlns:a16="http://schemas.microsoft.com/office/drawing/2014/main" id="{8AD54DB8-C150-4290-85D6-F5B0262BFEEF}"/>
+              </a:ext>
+              <a:ext uri="{C183D7F6-B498-43B3-948B-1728B52AA6E4}">
+                <adec:decorative xmlns:adec="http://schemas.microsoft.com/office/drawing/2017/decorative" val="1"/>
+              </a:ext>
+            </a:extLst>
+          </p:cNvPr>
+          <p:cNvSpPr>
+            <a:spLocks noGrp="1" noRot="1" noChangeAspect="1" noMove="1" noResize="1" noEditPoints="1" noAdjustHandles="1" noChangeArrowheads="1" noChangeShapeType="1" noTextEdit="1"/>
+          </p:cNvSpPr>
+          <p:nvPr>
+            <p:extLst>
+              <p:ext uri="{386F3935-93C4-4BCD-93E2-E3B085C9AB24}">
+                <p16:designElem xmlns:p16="http://schemas.microsoft.com/office/powerpoint/2015/main" val="1"/>
+              </p:ext>
+            </p:extLst>
+          </p:nvPr>
+        </p:nvSpPr>
+        <p:spPr>
+          <a:xfrm>
+            <a:off x="446534" y="3085765"/>
+            <a:ext cx="11262866" cy="3304800"/>
+          </a:xfrm>
+          <a:prstGeom prst="rect">
+            <a:avLst/>
+          </a:prstGeom>
+          <a:solidFill>
+            <a:schemeClr val="accent1"/>
+          </a:solidFill>
+          <a:ln>
+            <a:noFill/>
+          </a:ln>
+          <a:effectLst/>
+        </p:spPr>
+        <p:style>
+          <a:lnRef idx="1">
+            <a:schemeClr val="accent1"/>
+          </a:lnRef>
+          <a:fillRef idx="3">
+            <a:schemeClr val="accent1"/>
+          </a:fillRef>
+          <a:effectRef idx="2">
+            <a:schemeClr val="accent1"/>
+          </a:effectRef>
+          <a:fontRef idx="minor">
+            <a:schemeClr val="lt1"/>
+          </a:fontRef>
+        </p:style>
+      </p:sp>
+      <p:sp useBgFill="1">
+        <p:nvSpPr>
+          <p:cNvPr id="17" name="Rectangle 16">
+            <a:extLst>
+              <a:ext uri="{FF2B5EF4-FFF2-40B4-BE49-F238E27FC236}">
+                <a16:creationId xmlns:a16="http://schemas.microsoft.com/office/drawing/2014/main" id="{379F11E2-8BA5-4C5C-AE7C-361E5EA011FF}"/>
+              </a:ext>
+              <a:ext uri="{C183D7F6-B498-43B3-948B-1728B52AA6E4}">
+                <adec:decorative xmlns:adec="http://schemas.microsoft.com/office/drawing/2017/decorative" val="1"/>
+              </a:ext>
+            </a:extLst>
+          </p:cNvPr>
+          <p:cNvSpPr>
+            <a:spLocks noGrp="1" noRot="1" noChangeAspect="1" noMove="1" noResize="1" noEditPoints="1" noAdjustHandles="1" noChangeArrowheads="1" noChangeShapeType="1" noTextEdit="1"/>
+          </p:cNvSpPr>
+          <p:nvPr>
+            <p:extLst>
+              <p:ext uri="{386F3935-93C4-4BCD-93E2-E3B085C9AB24}">
+                <p16:designElem xmlns:p16="http://schemas.microsoft.com/office/powerpoint/2015/main" val="1"/>
+              </p:ext>
+            </p:extLst>
+          </p:nvPr>
+        </p:nvSpPr>
+        <p:spPr>
+          <a:xfrm>
+            <a:off x="0" y="1"/>
+            <a:ext cx="12191999" cy="6858000"/>
+          </a:xfrm>
+          <a:prstGeom prst="rect">
+            <a:avLst/>
+          </a:prstGeom>
+          <a:ln>
+            <a:noFill/>
+          </a:ln>
+        </p:spPr>
+        <p:style>
+          <a:lnRef idx="2">
+            <a:schemeClr val="accent1">
+              <a:shade val="50000"/>
+            </a:schemeClr>
+          </a:lnRef>
+          <a:fillRef idx="1">
+            <a:schemeClr val="accent1"/>
+          </a:fillRef>
+          <a:effectRef idx="0">
+            <a:schemeClr val="accent1"/>
+          </a:effectRef>
+          <a:fontRef idx="minor">
+            <a:schemeClr val="lt1"/>
+          </a:fontRef>
+        </p:style>
+        <p:txBody>
+          <a:bodyPr rtlCol="0" anchor="ctr"/>
+          <a:lstStyle/>
+          <a:p>
+            <a:pPr algn="ctr"/>
+            <a:endParaRPr lang="en-US"/>
+          </a:p>
+        </p:txBody>
+      </p:sp>
+      <p:pic>
+        <p:nvPicPr>
+          <p:cNvPr id="4" name="Picture 4" descr="A screenshot of a cell phone&#10;&#10;Description generated with very high confidence">
+            <a:extLst>
+              <a:ext uri="{FF2B5EF4-FFF2-40B4-BE49-F238E27FC236}">
+                <a16:creationId xmlns:a16="http://schemas.microsoft.com/office/drawing/2014/main" id="{949EABCF-B585-4DE6-BA88-9B1B3711F1E6}"/>
+              </a:ext>
+            </a:extLst>
+          </p:cNvPr>
+          <p:cNvPicPr>
+            <a:picLocks noGrp="1" noChangeAspect="1"/>
+          </p:cNvPicPr>
+          <p:nvPr>
+            <p:ph idx="1"/>
+          </p:nvPr>
+        </p:nvPicPr>
+        <p:blipFill rotWithShape="1">
+          <a:blip r:embed="rId2"/>
+          <a:srcRect r="274" b="2"/>
+          <a:stretch/>
+        </p:blipFill>
+        <p:spPr>
+          <a:xfrm>
+            <a:off x="446534" y="723899"/>
+            <a:ext cx="7498616" cy="5676901"/>
+          </a:xfrm>
+          <a:prstGeom prst="rect">
+            <a:avLst/>
+          </a:prstGeom>
+        </p:spPr>
+      </p:pic>
+      <p:sp>
+        <p:nvSpPr>
+          <p:cNvPr id="19" name="Rectangle 18">
+            <a:extLst>
+              <a:ext uri="{FF2B5EF4-FFF2-40B4-BE49-F238E27FC236}">
+                <a16:creationId xmlns:a16="http://schemas.microsoft.com/office/drawing/2014/main" id="{7C00E1DA-EC7C-40FC-95E3-11FDCD2E4291}"/>
+              </a:ext>
+              <a:ext uri="{C183D7F6-B498-43B3-948B-1728B52AA6E4}">
+                <adec:decorative xmlns:adec="http://schemas.microsoft.com/office/drawing/2017/decorative" val="1"/>
+              </a:ext>
+            </a:extLst>
+          </p:cNvPr>
+          <p:cNvSpPr>
+            <a:spLocks noGrp="1" noRot="1" noChangeAspect="1" noMove="1" noResize="1" noEditPoints="1" noAdjustHandles="1" noChangeArrowheads="1" noChangeShapeType="1" noTextEdit="1"/>
+          </p:cNvSpPr>
+          <p:nvPr>
+            <p:extLst>
+              <p:ext uri="{386F3935-93C4-4BCD-93E2-E3B085C9AB24}">
+                <p16:designElem xmlns:p16="http://schemas.microsoft.com/office/powerpoint/2015/main" val="1"/>
+              </p:ext>
+            </p:extLst>
+          </p:nvPr>
+        </p:nvSpPr>
+        <p:spPr>
+          <a:xfrm>
+            <a:off x="8042147" y="723899"/>
+            <a:ext cx="3703320" cy="5666666"/>
+          </a:xfrm>
+          <a:prstGeom prst="rect">
+            <a:avLst/>
+          </a:prstGeom>
+          <a:solidFill>
+            <a:schemeClr val="accent1"/>
+          </a:solidFill>
+          <a:ln>
+            <a:noFill/>
+          </a:ln>
+          <a:effectLst/>
+        </p:spPr>
+        <p:style>
+          <a:lnRef idx="1">
+            <a:schemeClr val="accent1"/>
+          </a:lnRef>
+          <a:fillRef idx="3">
+            <a:schemeClr val="accent1"/>
+          </a:fillRef>
+          <a:effectRef idx="2">
+            <a:schemeClr val="accent1"/>
+          </a:effectRef>
+          <a:fontRef idx="minor">
+            <a:schemeClr val="lt1"/>
+          </a:fontRef>
+        </p:style>
+      </p:sp>
+      <p:sp>
+        <p:nvSpPr>
           <p:cNvPr id="2" name="Title 1">
             <a:extLst>
               <a:ext uri="{FF2B5EF4-FFF2-40B4-BE49-F238E27FC236}">
@@ -6816,40 +12617,217 @@
             <p:ph type="title"/>
           </p:nvPr>
         </p:nvSpPr>
-        <p:spPr/>
+        <p:spPr>
+          <a:xfrm>
+            <a:off x="8296275" y="1419225"/>
+            <a:ext cx="3081576" cy="2085869"/>
+          </a:xfrm>
+        </p:spPr>
         <p:txBody>
-          <a:bodyPr/>
+          <a:bodyPr vert="horz" lIns="91440" tIns="45720" rIns="91440" bIns="45720" rtlCol="0" anchor="b">
+            <a:normAutofit/>
+          </a:bodyPr>
           <a:lstStyle/>
           <a:p>
-            <a:endParaRPr lang="en-US"/>
+            <a:r>
+              <a:rPr lang="en-US" sz="3600">
+                <a:solidFill>
+                  <a:srgbClr val="FFFFFF"/>
+                </a:solidFill>
+              </a:rPr>
+              <a:t>Train On Instance Algorithm</a:t>
+            </a:r>
           </a:p>
         </p:txBody>
       </p:sp>
-      <p:sp>
-        <p:nvSpPr>
-          <p:cNvPr id="3" name="Content Placeholder 2">
+      <p:grpSp>
+        <p:nvGrpSpPr>
+          <p:cNvPr id="21" name="Group 20">
             <a:extLst>
               <a:ext uri="{FF2B5EF4-FFF2-40B4-BE49-F238E27FC236}">
-                <a16:creationId xmlns:a16="http://schemas.microsoft.com/office/drawing/2014/main" id="{100402F6-7EF2-486C-90DE-F72C79E53431}"/>
+                <a16:creationId xmlns:a16="http://schemas.microsoft.com/office/drawing/2014/main" id="{9A421166-2996-41A7-B094-AE5316F347DD}"/>
+              </a:ext>
+              <a:ext uri="{C183D7F6-B498-43B3-948B-1728B52AA6E4}">
+                <adec:decorative xmlns:adec="http://schemas.microsoft.com/office/drawing/2017/decorative" val="1"/>
               </a:ext>
             </a:extLst>
           </p:cNvPr>
-          <p:cNvSpPr>
-            <a:spLocks noGrp="1"/>
-          </p:cNvSpPr>
-          <p:nvPr>
-            <p:ph idx="1"/>
-          </p:nvPr>
-        </p:nvSpPr>
-        <p:spPr/>
-        <p:txBody>
-          <a:bodyPr/>
-          <a:lstStyle/>
-          <a:p>
-            <a:endParaRPr lang="en-US"/>
-          </a:p>
-        </p:txBody>
-      </p:sp>
+          <p:cNvGrpSpPr>
+            <a:grpSpLocks noGrp="1" noUngrp="1" noRot="1" noChangeAspect="1" noMove="1" noResize="1"/>
+          </p:cNvGrpSpPr>
+          <p:nvPr>
+            <p:extLst>
+              <p:ext uri="{386F3935-93C4-4BCD-93E2-E3B085C9AB24}">
+                <p16:designElem xmlns:p16="http://schemas.microsoft.com/office/powerpoint/2015/main" val="1"/>
+              </p:ext>
+            </p:extLst>
+          </p:nvPr>
+        </p:nvGrpSpPr>
+        <p:grpSpPr>
+          <a:xfrm>
+            <a:off x="446534" y="453643"/>
+            <a:ext cx="11298933" cy="98554"/>
+            <a:chOff x="446534" y="453643"/>
+            <a:chExt cx="11298933" cy="98554"/>
+          </a:xfrm>
+        </p:grpSpPr>
+        <p:sp>
+          <p:nvSpPr>
+            <p:cNvPr id="22" name="Rectangle 21">
+              <a:extLst>
+                <a:ext uri="{FF2B5EF4-FFF2-40B4-BE49-F238E27FC236}">
+                  <a16:creationId xmlns:a16="http://schemas.microsoft.com/office/drawing/2014/main" id="{FDBB1B92-A3EB-43E4-8FAB-D20E8ED14CEF}"/>
+                </a:ext>
+                <a:ext uri="{C183D7F6-B498-43B3-948B-1728B52AA6E4}">
+                  <adec:decorative xmlns:adec="http://schemas.microsoft.com/office/drawing/2017/decorative" val="1"/>
+                </a:ext>
+              </a:extLst>
+            </p:cNvPr>
+            <p:cNvSpPr/>
+            <p:nvPr>
+              <p:extLst>
+                <p:ext uri="{386F3935-93C4-4BCD-93E2-E3B085C9AB24}">
+                  <p16:designElem xmlns:p16="http://schemas.microsoft.com/office/powerpoint/2015/main" val="1"/>
+                </p:ext>
+              </p:extLst>
+            </p:nvPr>
+          </p:nvSpPr>
+          <p:spPr>
+            <a:xfrm>
+              <a:off x="446534" y="457200"/>
+              <a:ext cx="3703320" cy="94997"/>
+            </a:xfrm>
+            <a:prstGeom prst="rect">
+              <a:avLst/>
+            </a:prstGeom>
+            <a:solidFill>
+              <a:schemeClr val="accent1"/>
+            </a:solidFill>
+            <a:ln>
+              <a:noFill/>
+            </a:ln>
+            <a:effectLst/>
+          </p:spPr>
+          <p:style>
+            <a:lnRef idx="1">
+              <a:schemeClr val="accent1"/>
+            </a:lnRef>
+            <a:fillRef idx="3">
+              <a:schemeClr val="accent1"/>
+            </a:fillRef>
+            <a:effectRef idx="2">
+              <a:schemeClr val="accent1"/>
+            </a:effectRef>
+            <a:fontRef idx="minor">
+              <a:schemeClr val="lt1"/>
+            </a:fontRef>
+          </p:style>
+        </p:sp>
+        <p:sp>
+          <p:nvSpPr>
+            <p:cNvPr id="23" name="Rectangle 22">
+              <a:extLst>
+                <a:ext uri="{FF2B5EF4-FFF2-40B4-BE49-F238E27FC236}">
+                  <a16:creationId xmlns:a16="http://schemas.microsoft.com/office/drawing/2014/main" id="{3F3972F4-FE7E-48EA-AAD8-9BE5750A6672}"/>
+                </a:ext>
+                <a:ext uri="{C183D7F6-B498-43B3-948B-1728B52AA6E4}">
+                  <adec:decorative xmlns:adec="http://schemas.microsoft.com/office/drawing/2017/decorative" val="1"/>
+                </a:ext>
+              </a:extLst>
+            </p:cNvPr>
+            <p:cNvSpPr/>
+            <p:nvPr>
+              <p:extLst>
+                <p:ext uri="{386F3935-93C4-4BCD-93E2-E3B085C9AB24}">
+                  <p16:designElem xmlns:p16="http://schemas.microsoft.com/office/powerpoint/2015/main" val="1"/>
+                </p:ext>
+              </p:extLst>
+            </p:nvPr>
+          </p:nvSpPr>
+          <p:spPr>
+            <a:xfrm>
+              <a:off x="8042147" y="453643"/>
+              <a:ext cx="3703320" cy="98554"/>
+            </a:xfrm>
+            <a:prstGeom prst="rect">
+              <a:avLst/>
+            </a:prstGeom>
+            <a:solidFill>
+              <a:schemeClr val="accent4"/>
+            </a:solidFill>
+            <a:ln>
+              <a:noFill/>
+            </a:ln>
+            <a:effectLst/>
+          </p:spPr>
+          <p:style>
+            <a:lnRef idx="1">
+              <a:schemeClr val="accent1"/>
+            </a:lnRef>
+            <a:fillRef idx="3">
+              <a:schemeClr val="accent1"/>
+            </a:fillRef>
+            <a:effectRef idx="2">
+              <a:schemeClr val="accent1"/>
+            </a:effectRef>
+            <a:fontRef idx="minor">
+              <a:schemeClr val="lt1"/>
+            </a:fontRef>
+          </p:style>
+        </p:sp>
+        <p:sp>
+          <p:nvSpPr>
+            <p:cNvPr id="24" name="Rectangle 23">
+              <a:extLst>
+                <a:ext uri="{FF2B5EF4-FFF2-40B4-BE49-F238E27FC236}">
+                  <a16:creationId xmlns:a16="http://schemas.microsoft.com/office/drawing/2014/main" id="{221614E5-870B-4D5E-A43B-8FF7E5323484}"/>
+                </a:ext>
+                <a:ext uri="{C183D7F6-B498-43B3-948B-1728B52AA6E4}">
+                  <adec:decorative xmlns:adec="http://schemas.microsoft.com/office/drawing/2017/decorative" val="1"/>
+                </a:ext>
+              </a:extLst>
+            </p:cNvPr>
+            <p:cNvSpPr/>
+            <p:nvPr>
+              <p:extLst>
+                <p:ext uri="{386F3935-93C4-4BCD-93E2-E3B085C9AB24}">
+                  <p16:designElem xmlns:p16="http://schemas.microsoft.com/office/powerpoint/2015/main" val="1"/>
+                </p:ext>
+              </p:extLst>
+            </p:nvPr>
+          </p:nvSpPr>
+          <p:spPr>
+            <a:xfrm>
+              <a:off x="4241830" y="457200"/>
+              <a:ext cx="3703320" cy="91440"/>
+            </a:xfrm>
+            <a:prstGeom prst="rect">
+              <a:avLst/>
+            </a:prstGeom>
+            <a:solidFill>
+              <a:schemeClr val="accent2"/>
+            </a:solidFill>
+            <a:ln>
+              <a:noFill/>
+            </a:ln>
+            <a:effectLst/>
+          </p:spPr>
+          <p:style>
+            <a:lnRef idx="1">
+              <a:schemeClr val="accent1"/>
+            </a:lnRef>
+            <a:fillRef idx="3">
+              <a:schemeClr val="accent1"/>
+            </a:fillRef>
+            <a:effectRef idx="2">
+              <a:schemeClr val="accent1"/>
+            </a:effectRef>
+            <a:fontRef idx="minor">
+              <a:schemeClr val="lt1"/>
+            </a:fontRef>
+          </p:style>
+        </p:sp>
+      </p:grpSp>
     </p:spTree>
     <p:extLst>
       <p:ext uri="{BB962C8B-B14F-4D97-AF65-F5344CB8AC3E}">
@@ -6901,6 +12879,13 @@
           <a:bodyPr/>
           <a:lstStyle/>
           <a:p>
+            <a:r>
+              <a:rPr lang="en-US">
+                <a:ea typeface="+mj-lt"/>
+                <a:cs typeface="+mj-lt"/>
+              </a:rPr>
+              <a:t>Reinforcement Weight Adjustment</a:t>
+            </a:r>
             <a:endParaRPr lang="en-US"/>
           </a:p>
         </p:txBody>
@@ -6926,7 +12911,75 @@
           <a:bodyPr/>
           <a:lstStyle/>
           <a:p>
-            <a:endParaRPr lang="en-US"/>
+            <a:pPr marL="305435" indent="-305435"/>
+            <a:r>
+              <a:rPr lang="en-US">
+                <a:ea typeface="+mn-lt"/>
+                <a:cs typeface="+mn-lt"/>
+              </a:rPr>
+              <a:t>Inputs:</a:t>
+            </a:r>
+          </a:p>
+          <a:p>
+            <a:pPr marL="305435" indent="-305435"/>
+            <a:r>
+              <a:rPr lang="en-US">
+                <a:ea typeface="+mn-lt"/>
+                <a:cs typeface="+mn-lt"/>
+              </a:rPr>
+              <a:t>1. x: processed instance of label y </a:t>
+            </a:r>
+          </a:p>
+          <a:p>
+            <a:pPr marL="305435" indent="-305435"/>
+            <a:r>
+              <a:rPr lang="en-US">
+                <a:ea typeface="+mn-lt"/>
+                <a:cs typeface="+mn-lt"/>
+              </a:rPr>
+              <a:t>2. L: number of classes </a:t>
+            </a:r>
+          </a:p>
+          <a:p>
+            <a:pPr marL="305435" indent="-305435"/>
+            <a:r>
+              <a:rPr lang="en-US">
+                <a:ea typeface="+mn-lt"/>
+                <a:cs typeface="+mn-lt"/>
+              </a:rPr>
+              <a:t>3. D: number of dynamic classifiers </a:t>
+            </a:r>
+          </a:p>
+          <a:p>
+            <a:pPr marL="305435" indent="-305435"/>
+            <a:r>
+              <a:rPr lang="en-US">
+                <a:ea typeface="+mn-lt"/>
+                <a:cs typeface="+mn-lt"/>
+              </a:rPr>
+              <a:t>4. w s : weight of static classifier </a:t>
+            </a:r>
+          </a:p>
+          <a:p>
+            <a:pPr marL="305435" indent="-305435"/>
+            <a:r>
+              <a:rPr lang="en-US">
+                <a:ea typeface="+mn-lt"/>
+                <a:cs typeface="+mn-lt"/>
+              </a:rPr>
+              <a:t>5. w d : weights of dynamic classifiers (d=1, …, D) </a:t>
+            </a:r>
+          </a:p>
+          <a:p>
+            <a:pPr marL="305435" indent="-305435"/>
+            <a:r>
+              <a:rPr lang="en-US">
+                <a:ea typeface="+mn-lt"/>
+                <a:cs typeface="+mn-lt"/>
+              </a:rPr>
+              <a:t>6. DCIR[l]: damped class imbalance ratio </a:t>
+            </a:r>
+            <a:endParaRPr lang="en-US" dirty="0"/>
           </a:p>
         </p:txBody>
       </p:sp>
@@ -7803,11 +13856,12 @@
 </file>
 
 <file path=customXml/item1.xml><?xml version="1.0" encoding="utf-8"?>
-<p:properties xmlns:p="http://schemas.microsoft.com/office/2006/metadata/properties" xmlns:xsi="http://www.w3.org/2001/XMLSchema-instance" xmlns:pc="http://schemas.microsoft.com/office/infopath/2007/PartnerControls">
-  <documentManagement>
-    <MediaServiceKeyPoints xmlns="71af3243-3dd4-4a8d-8c0d-dd76da1f02a5" xsi:nil="true"/>
-  </documentManagement>
-</p:properties>
+<?mso-contentType ?>
+<FormTemplates xmlns="http://schemas.microsoft.com/sharepoint/v3/contenttype/forms">
+  <Display>DocumentLibraryForm</Display>
+  <Edit>DocumentLibraryForm</Edit>
+  <New>DocumentLibraryForm</New>
+</FormTemplates>
 </file>
 
 <file path=customXml/item2.xml><?xml version="1.0" encoding="utf-8"?>
@@ -8022,20 +14076,17 @@
 </file>
 
 <file path=customXml/item3.xml><?xml version="1.0" encoding="utf-8"?>
-<?mso-contentType ?>
-<FormTemplates xmlns="http://schemas.microsoft.com/sharepoint/v3/contenttype/forms">
-  <Display>DocumentLibraryForm</Display>
-  <Edit>DocumentLibraryForm</Edit>
-  <New>DocumentLibraryForm</New>
-</FormTemplates>
+<p:properties xmlns:p="http://schemas.microsoft.com/office/2006/metadata/properties" xmlns:xsi="http://www.w3.org/2001/XMLSchema-instance" xmlns:pc="http://schemas.microsoft.com/office/infopath/2007/PartnerControls">
+  <documentManagement>
+    <MediaServiceKeyPoints xmlns="71af3243-3dd4-4a8d-8c0d-dd76da1f02a5" xsi:nil="true"/>
+  </documentManagement>
+</p:properties>
 </file>
 
 <file path=customXml/itemProps1.xml><?xml version="1.0" encoding="utf-8"?>
-<ds:datastoreItem xmlns:ds="http://schemas.openxmlformats.org/officeDocument/2006/customXml" ds:itemID="{F651EF32-6551-47EB-8BA9-22EF81F3DDAC}">
+<ds:datastoreItem xmlns:ds="http://schemas.openxmlformats.org/officeDocument/2006/customXml" ds:itemID="{2B21BF1A-59D3-4E19-9B95-2FD4309AC3AF}">
   <ds:schemaRefs>
-    <ds:schemaRef ds:uri="http://schemas.microsoft.com/office/2006/metadata/properties"/>
-    <ds:schemaRef ds:uri="http://schemas.microsoft.com/office/infopath/2007/PartnerControls"/>
-    <ds:schemaRef ds:uri="71af3243-3dd4-4a8d-8c0d-dd76da1f02a5"/>
+    <ds:schemaRef ds:uri="http://schemas.microsoft.com/sharepoint/v3/contenttype/forms"/>
   </ds:schemaRefs>
 </ds:datastoreItem>
 </file>
@@ -8060,9 +14111,11 @@
 </file>
 
 <file path=customXml/itemProps3.xml><?xml version="1.0" encoding="utf-8"?>
-<ds:datastoreItem xmlns:ds="http://schemas.openxmlformats.org/officeDocument/2006/customXml" ds:itemID="{2B21BF1A-59D3-4E19-9B95-2FD4309AC3AF}">
+<ds:datastoreItem xmlns:ds="http://schemas.openxmlformats.org/officeDocument/2006/customXml" ds:itemID="{F651EF32-6551-47EB-8BA9-22EF81F3DDAC}">
   <ds:schemaRefs>
-    <ds:schemaRef ds:uri="http://schemas.microsoft.com/sharepoint/v3/contenttype/forms"/>
+    <ds:schemaRef ds:uri="http://schemas.microsoft.com/office/2006/metadata/properties"/>
+    <ds:schemaRef ds:uri="http://schemas.microsoft.com/office/infopath/2007/PartnerControls"/>
+    <ds:schemaRef ds:uri="71af3243-3dd4-4a8d-8c0d-dd76da1f02a5"/>
   </ds:schemaRefs>
 </ds:datastoreItem>
 </file>